--- a/presentation and text/Семинар КМД.pptx
+++ b/presentation and text/Семинар КМД.pptx
@@ -2,7 +2,7 @@
 <file path=ppt/presentation.xml><?xml version="1.0" encoding="utf-8"?>
 <p:presentation xmlns:a="http://schemas.openxmlformats.org/drawingml/2006/main" xmlns:r="http://schemas.openxmlformats.org/officeDocument/2006/relationships" xmlns:mc="http://schemas.openxmlformats.org/markup-compatibility/2006" xmlns:mv="urn:schemas-microsoft-com:mac:vml" xmlns:p="http://schemas.openxmlformats.org/presentationml/2006/main" xmlns:c="http://schemas.openxmlformats.org/drawingml/2006/chart" xmlns:dgm="http://schemas.openxmlformats.org/drawingml/2006/diagram" xmlns:o="urn:schemas-microsoft-com:office:office" xmlns:v="urn:schemas-microsoft-com:vml" xmlns:pvml="urn:schemas-microsoft-com:office:powerpoint" xmlns:com="http://schemas.openxmlformats.org/drawingml/2006/compatibility" xmlns:p14="http://schemas.microsoft.com/office/powerpoint/2010/main" xmlns:p15="http://schemas.microsoft.com/office/powerpoint/2012/main" xmlns:ahyp="http://schemas.microsoft.com/office/drawing/2018/hyperlinkcolor" autoCompressPictures="0" strictFirstAndLastChars="0" saveSubsetFonts="1">
   <p:sldMasterIdLst>
-    <p:sldMasterId id="2147483659" r:id="rId5"/>
+    <p:sldMasterId id="2147483660" r:id="rId5"/>
   </p:sldMasterIdLst>
   <p:notesMasterIdLst>
     <p:notesMasterId r:id="rId6"/>
@@ -14,6 +14,18 @@
     <p:sldId id="259" r:id="rId10"/>
     <p:sldId id="260" r:id="rId11"/>
     <p:sldId id="261" r:id="rId12"/>
+    <p:sldId id="262" r:id="rId13"/>
+    <p:sldId id="263" r:id="rId14"/>
+    <p:sldId id="264" r:id="rId15"/>
+    <p:sldId id="265" r:id="rId16"/>
+    <p:sldId id="266" r:id="rId17"/>
+    <p:sldId id="267" r:id="rId18"/>
+    <p:sldId id="268" r:id="rId19"/>
+    <p:sldId id="269" r:id="rId20"/>
+    <p:sldId id="270" r:id="rId21"/>
+    <p:sldId id="271" r:id="rId22"/>
+    <p:sldId id="272" r:id="rId23"/>
+    <p:sldId id="273" r:id="rId24"/>
   </p:sldIdLst>
   <p:sldSz cy="5143500" cx="9144000"/>
   <p:notesSz cx="6858000" cy="9144000"/>
@@ -696,7 +708,7 @@
   <p:cSld>
     <p:spTree>
       <p:nvGrpSpPr>
-        <p:cNvPr id="50" name="Shape 50"/>
+        <p:cNvPr id="56" name="Shape 56"/>
         <p:cNvGrpSpPr/>
         <p:nvPr/>
       </p:nvGrpSpPr>
@@ -710,7 +722,7 @@
       </p:grpSpPr>
       <p:sp>
         <p:nvSpPr>
-          <p:cNvPr id="51" name="Google Shape;51;p:notes"/>
+          <p:cNvPr id="57" name="Google Shape;57;p:notes"/>
           <p:cNvSpPr/>
           <p:nvPr>
             <p:ph idx="2" type="sldImg"/>
@@ -745,7 +757,7 @@
       </p:sp>
       <p:sp>
         <p:nvSpPr>
-          <p:cNvPr id="52" name="Google Shape;52;p:notes"/>
+          <p:cNvPr id="58" name="Google Shape;58;p:notes"/>
           <p:cNvSpPr txBox="1"/>
           <p:nvPr>
             <p:ph idx="1" type="body"/>
@@ -790,12 +802,12 @@
 </p:notes>
 </file>
 
-<file path=ppt/notesSlides/notesSlide2.xml><?xml version="1.0" encoding="utf-8"?>
+<file path=ppt/notesSlides/notesSlide10.xml><?xml version="1.0" encoding="utf-8"?>
 <p:notes xmlns:a="http://schemas.openxmlformats.org/drawingml/2006/main" xmlns:r="http://schemas.openxmlformats.org/officeDocument/2006/relationships" xmlns:mc="http://schemas.openxmlformats.org/markup-compatibility/2006" xmlns:mv="urn:schemas-microsoft-com:mac:vml" xmlns:p="http://schemas.openxmlformats.org/presentationml/2006/main" xmlns:c="http://schemas.openxmlformats.org/drawingml/2006/chart" xmlns:dgm="http://schemas.openxmlformats.org/drawingml/2006/diagram" xmlns:o="urn:schemas-microsoft-com:office:office" xmlns:v="urn:schemas-microsoft-com:vml" xmlns:pvml="urn:schemas-microsoft-com:office:powerpoint" xmlns:com="http://schemas.openxmlformats.org/drawingml/2006/compatibility" xmlns:p14="http://schemas.microsoft.com/office/powerpoint/2010/main" xmlns:p15="http://schemas.microsoft.com/office/powerpoint/2012/main" xmlns:ahyp="http://schemas.microsoft.com/office/drawing/2018/hyperlinkcolor" showMasterPhAnim="0" showMasterSp="0">
   <p:cSld>
     <p:spTree>
       <p:nvGrpSpPr>
-        <p:cNvPr id="56" name="Shape 56"/>
+        <p:cNvPr id="132" name="Shape 132"/>
         <p:cNvGrpSpPr/>
         <p:nvPr/>
       </p:nvGrpSpPr>
@@ -809,7 +821,7 @@
       </p:grpSpPr>
       <p:sp>
         <p:nvSpPr>
-          <p:cNvPr id="57" name="Google Shape;57;g14b1877d298_0_2:notes"/>
+          <p:cNvPr id="133" name="Google Shape;133;gfe93a794d9_0_21:notes"/>
           <p:cNvSpPr/>
           <p:nvPr>
             <p:ph idx="2" type="sldImg"/>
@@ -844,7 +856,7 @@
       </p:sp>
       <p:sp>
         <p:nvSpPr>
-          <p:cNvPr id="58" name="Google Shape;58;g14b1877d298_0_2:notes"/>
+          <p:cNvPr id="134" name="Google Shape;134;gfe93a794d9_0_21:notes"/>
           <p:cNvSpPr txBox="1"/>
           <p:nvPr>
             <p:ph idx="1" type="body"/>
@@ -889,12 +901,12 @@
 </p:notes>
 </file>
 
-<file path=ppt/notesSlides/notesSlide3.xml><?xml version="1.0" encoding="utf-8"?>
+<file path=ppt/notesSlides/notesSlide11.xml><?xml version="1.0" encoding="utf-8"?>
 <p:notes xmlns:a="http://schemas.openxmlformats.org/drawingml/2006/main" xmlns:r="http://schemas.openxmlformats.org/officeDocument/2006/relationships" xmlns:mc="http://schemas.openxmlformats.org/markup-compatibility/2006" xmlns:mv="urn:schemas-microsoft-com:mac:vml" xmlns:p="http://schemas.openxmlformats.org/presentationml/2006/main" xmlns:c="http://schemas.openxmlformats.org/drawingml/2006/chart" xmlns:dgm="http://schemas.openxmlformats.org/drawingml/2006/diagram" xmlns:o="urn:schemas-microsoft-com:office:office" xmlns:v="urn:schemas-microsoft-com:vml" xmlns:pvml="urn:schemas-microsoft-com:office:powerpoint" xmlns:com="http://schemas.openxmlformats.org/drawingml/2006/compatibility" xmlns:p14="http://schemas.microsoft.com/office/powerpoint/2010/main" xmlns:p15="http://schemas.microsoft.com/office/powerpoint/2012/main" xmlns:ahyp="http://schemas.microsoft.com/office/drawing/2018/hyperlinkcolor" showMasterPhAnim="0" showMasterSp="0">
   <p:cSld>
     <p:spTree>
       <p:nvGrpSpPr>
-        <p:cNvPr id="62" name="Shape 62"/>
+        <p:cNvPr id="141" name="Shape 141"/>
         <p:cNvGrpSpPr/>
         <p:nvPr/>
       </p:nvGrpSpPr>
@@ -908,7 +920,7 @@
       </p:grpSpPr>
       <p:sp>
         <p:nvSpPr>
-          <p:cNvPr id="63" name="Google Shape;63;g14b1877d298_0_7:notes"/>
+          <p:cNvPr id="142" name="Google Shape;142;gfe93a794d9_0_32:notes"/>
           <p:cNvSpPr/>
           <p:nvPr>
             <p:ph idx="2" type="sldImg"/>
@@ -943,7 +955,7 @@
       </p:sp>
       <p:sp>
         <p:nvSpPr>
-          <p:cNvPr id="64" name="Google Shape;64;g14b1877d298_0_7:notes"/>
+          <p:cNvPr id="143" name="Google Shape;143;gfe93a794d9_0_32:notes"/>
           <p:cNvSpPr txBox="1"/>
           <p:nvPr>
             <p:ph idx="1" type="body"/>
@@ -988,12 +1000,12 @@
 </p:notes>
 </file>
 
-<file path=ppt/notesSlides/notesSlide4.xml><?xml version="1.0" encoding="utf-8"?>
+<file path=ppt/notesSlides/notesSlide12.xml><?xml version="1.0" encoding="utf-8"?>
 <p:notes xmlns:a="http://schemas.openxmlformats.org/drawingml/2006/main" xmlns:r="http://schemas.openxmlformats.org/officeDocument/2006/relationships" xmlns:mc="http://schemas.openxmlformats.org/markup-compatibility/2006" xmlns:mv="urn:schemas-microsoft-com:mac:vml" xmlns:p="http://schemas.openxmlformats.org/presentationml/2006/main" xmlns:c="http://schemas.openxmlformats.org/drawingml/2006/chart" xmlns:dgm="http://schemas.openxmlformats.org/drawingml/2006/diagram" xmlns:o="urn:schemas-microsoft-com:office:office" xmlns:v="urn:schemas-microsoft-com:vml" xmlns:pvml="urn:schemas-microsoft-com:office:powerpoint" xmlns:com="http://schemas.openxmlformats.org/drawingml/2006/compatibility" xmlns:p14="http://schemas.microsoft.com/office/powerpoint/2010/main" xmlns:p15="http://schemas.microsoft.com/office/powerpoint/2012/main" xmlns:ahyp="http://schemas.microsoft.com/office/drawing/2018/hyperlinkcolor" showMasterPhAnim="0" showMasterSp="0">
   <p:cSld>
     <p:spTree>
       <p:nvGrpSpPr>
-        <p:cNvPr id="70" name="Shape 70"/>
+        <p:cNvPr id="146" name="Shape 146"/>
         <p:cNvGrpSpPr/>
         <p:nvPr/>
       </p:nvGrpSpPr>
@@ -1007,7 +1019,7 @@
       </p:grpSpPr>
       <p:sp>
         <p:nvSpPr>
-          <p:cNvPr id="71" name="Google Shape;71;g14b1877d298_0_20:notes"/>
+          <p:cNvPr id="147" name="Google Shape;147;gfe93a794d9_0_39:notes"/>
           <p:cNvSpPr/>
           <p:nvPr>
             <p:ph idx="2" type="sldImg"/>
@@ -1042,7 +1054,7 @@
       </p:sp>
       <p:sp>
         <p:nvSpPr>
-          <p:cNvPr id="72" name="Google Shape;72;g14b1877d298_0_20:notes"/>
+          <p:cNvPr id="148" name="Google Shape;148;gfe93a794d9_0_39:notes"/>
           <p:cNvSpPr txBox="1"/>
           <p:nvPr>
             <p:ph idx="1" type="body"/>
@@ -1087,12 +1099,12 @@
 </p:notes>
 </file>
 
-<file path=ppt/notesSlides/notesSlide5.xml><?xml version="1.0" encoding="utf-8"?>
+<file path=ppt/notesSlides/notesSlide13.xml><?xml version="1.0" encoding="utf-8"?>
 <p:notes xmlns:a="http://schemas.openxmlformats.org/drawingml/2006/main" xmlns:r="http://schemas.openxmlformats.org/officeDocument/2006/relationships" xmlns:mc="http://schemas.openxmlformats.org/markup-compatibility/2006" xmlns:mv="urn:schemas-microsoft-com:mac:vml" xmlns:p="http://schemas.openxmlformats.org/presentationml/2006/main" xmlns:c="http://schemas.openxmlformats.org/drawingml/2006/chart" xmlns:dgm="http://schemas.openxmlformats.org/drawingml/2006/diagram" xmlns:o="urn:schemas-microsoft-com:office:office" xmlns:v="urn:schemas-microsoft-com:vml" xmlns:pvml="urn:schemas-microsoft-com:office:powerpoint" xmlns:com="http://schemas.openxmlformats.org/drawingml/2006/compatibility" xmlns:p14="http://schemas.microsoft.com/office/powerpoint/2010/main" xmlns:p15="http://schemas.microsoft.com/office/powerpoint/2012/main" xmlns:ahyp="http://schemas.microsoft.com/office/drawing/2018/hyperlinkcolor" showMasterPhAnim="0" showMasterSp="0">
   <p:cSld>
     <p:spTree>
       <p:nvGrpSpPr>
-        <p:cNvPr id="79" name="Shape 79"/>
+        <p:cNvPr id="155" name="Shape 155"/>
         <p:cNvGrpSpPr/>
         <p:nvPr/>
       </p:nvGrpSpPr>
@@ -1106,7 +1118,7 @@
       </p:grpSpPr>
       <p:sp>
         <p:nvSpPr>
-          <p:cNvPr id="80" name="Google Shape;80;g14b1877d298_2_0:notes"/>
+          <p:cNvPr id="156" name="Google Shape;156;gfe93a794d9_0_56:notes"/>
           <p:cNvSpPr/>
           <p:nvPr>
             <p:ph idx="2" type="sldImg"/>
@@ -1141,7 +1153,7 @@
       </p:sp>
       <p:sp>
         <p:nvSpPr>
-          <p:cNvPr id="81" name="Google Shape;81;g14b1877d298_2_0:notes"/>
+          <p:cNvPr id="157" name="Google Shape;157;gfe93a794d9_0_56:notes"/>
           <p:cNvSpPr txBox="1"/>
           <p:nvPr>
             <p:ph idx="1" type="body"/>
@@ -1186,12 +1198,12 @@
 </p:notes>
 </file>
 
-<file path=ppt/notesSlides/notesSlide6.xml><?xml version="1.0" encoding="utf-8"?>
+<file path=ppt/notesSlides/notesSlide14.xml><?xml version="1.0" encoding="utf-8"?>
 <p:notes xmlns:a="http://schemas.openxmlformats.org/drawingml/2006/main" xmlns:r="http://schemas.openxmlformats.org/officeDocument/2006/relationships" xmlns:mc="http://schemas.openxmlformats.org/markup-compatibility/2006" xmlns:mv="urn:schemas-microsoft-com:mac:vml" xmlns:p="http://schemas.openxmlformats.org/presentationml/2006/main" xmlns:c="http://schemas.openxmlformats.org/drawingml/2006/chart" xmlns:dgm="http://schemas.openxmlformats.org/drawingml/2006/diagram" xmlns:o="urn:schemas-microsoft-com:office:office" xmlns:v="urn:schemas-microsoft-com:vml" xmlns:pvml="urn:schemas-microsoft-com:office:powerpoint" xmlns:com="http://schemas.openxmlformats.org/drawingml/2006/compatibility" xmlns:p14="http://schemas.microsoft.com/office/powerpoint/2010/main" xmlns:p15="http://schemas.microsoft.com/office/powerpoint/2012/main" xmlns:ahyp="http://schemas.microsoft.com/office/drawing/2018/hyperlinkcolor" showMasterPhAnim="0" showMasterSp="0">
   <p:cSld>
     <p:spTree>
       <p:nvGrpSpPr>
-        <p:cNvPr id="91" name="Shape 91"/>
+        <p:cNvPr id="160" name="Shape 160"/>
         <p:cNvGrpSpPr/>
         <p:nvPr/>
       </p:nvGrpSpPr>
@@ -1205,7 +1217,7 @@
       </p:grpSpPr>
       <p:sp>
         <p:nvSpPr>
-          <p:cNvPr id="92" name="Google Shape;92;g14b1877d298_5_1:notes"/>
+          <p:cNvPr id="161" name="Google Shape;161;gfe93a794d9_0_46:notes"/>
           <p:cNvSpPr/>
           <p:nvPr>
             <p:ph idx="2" type="sldImg"/>
@@ -1240,7 +1252,1195 @@
       </p:sp>
       <p:sp>
         <p:nvSpPr>
-          <p:cNvPr id="93" name="Google Shape;93;g14b1877d298_5_1:notes"/>
+          <p:cNvPr id="162" name="Google Shape;162;gfe93a794d9_0_46:notes"/>
+          <p:cNvSpPr txBox="1"/>
+          <p:nvPr>
+            <p:ph idx="1" type="body"/>
+          </p:nvPr>
+        </p:nvSpPr>
+        <p:spPr>
+          <a:xfrm>
+            <a:off x="685800" y="4343400"/>
+            <a:ext cx="5486400" cy="4114800"/>
+          </a:xfrm>
+          <a:prstGeom prst="rect">
+            <a:avLst/>
+          </a:prstGeom>
+        </p:spPr>
+        <p:txBody>
+          <a:bodyPr anchorCtr="0" anchor="t" bIns="91425" lIns="91425" spcFirstLastPara="1" rIns="91425" wrap="square" tIns="91425">
+            <a:noAutofit/>
+          </a:bodyPr>
+          <a:lstStyle/>
+          <a:p>
+            <a:pPr indent="0" lvl="0" marL="0" rtl="0" algn="l">
+              <a:spcBef>
+                <a:spcPts val="0"/>
+              </a:spcBef>
+              <a:spcAft>
+                <a:spcPts val="0"/>
+              </a:spcAft>
+              <a:buNone/>
+            </a:pPr>
+            <a:r>
+              <a:t/>
+            </a:r>
+            <a:endParaRPr/>
+          </a:p>
+        </p:txBody>
+      </p:sp>
+    </p:spTree>
+  </p:cSld>
+  <p:clrMapOvr>
+    <a:masterClrMapping/>
+  </p:clrMapOvr>
+</p:notes>
+</file>
+
+<file path=ppt/notesSlides/notesSlide15.xml><?xml version="1.0" encoding="utf-8"?>
+<p:notes xmlns:a="http://schemas.openxmlformats.org/drawingml/2006/main" xmlns:r="http://schemas.openxmlformats.org/officeDocument/2006/relationships" xmlns:mc="http://schemas.openxmlformats.org/markup-compatibility/2006" xmlns:mv="urn:schemas-microsoft-com:mac:vml" xmlns:p="http://schemas.openxmlformats.org/presentationml/2006/main" xmlns:c="http://schemas.openxmlformats.org/drawingml/2006/chart" xmlns:dgm="http://schemas.openxmlformats.org/drawingml/2006/diagram" xmlns:o="urn:schemas-microsoft-com:office:office" xmlns:v="urn:schemas-microsoft-com:vml" xmlns:pvml="urn:schemas-microsoft-com:office:powerpoint" xmlns:com="http://schemas.openxmlformats.org/drawingml/2006/compatibility" xmlns:p14="http://schemas.microsoft.com/office/powerpoint/2010/main" xmlns:p15="http://schemas.microsoft.com/office/powerpoint/2012/main" xmlns:ahyp="http://schemas.microsoft.com/office/drawing/2018/hyperlinkcolor" showMasterPhAnim="0" showMasterSp="0">
+  <p:cSld>
+    <p:spTree>
+      <p:nvGrpSpPr>
+        <p:cNvPr id="170" name="Shape 170"/>
+        <p:cNvGrpSpPr/>
+        <p:nvPr/>
+      </p:nvGrpSpPr>
+      <p:grpSpPr>
+        <a:xfrm>
+          <a:off x="0" y="0"/>
+          <a:ext cx="0" cy="0"/>
+          <a:chOff x="0" y="0"/>
+          <a:chExt cx="0" cy="0"/>
+        </a:xfrm>
+      </p:grpSpPr>
+      <p:sp>
+        <p:nvSpPr>
+          <p:cNvPr id="171" name="Google Shape;171;g15241896133_0_33:notes"/>
+          <p:cNvSpPr/>
+          <p:nvPr>
+            <p:ph idx="2" type="sldImg"/>
+          </p:nvPr>
+        </p:nvSpPr>
+        <p:spPr>
+          <a:xfrm>
+            <a:off x="381300" y="685800"/>
+            <a:ext cx="6096000" cy="3429000"/>
+          </a:xfrm>
+          <a:custGeom>
+            <a:rect b="b" l="l" r="r" t="t"/>
+            <a:pathLst>
+              <a:path extrusionOk="0" h="120000" w="120000">
+                <a:moveTo>
+                  <a:pt x="0" y="0"/>
+                </a:moveTo>
+                <a:lnTo>
+                  <a:pt x="120000" y="0"/>
+                </a:lnTo>
+                <a:lnTo>
+                  <a:pt x="120000" y="120000"/>
+                </a:lnTo>
+                <a:lnTo>
+                  <a:pt x="0" y="120000"/>
+                </a:lnTo>
+                <a:close/>
+              </a:path>
+            </a:pathLst>
+          </a:custGeom>
+        </p:spPr>
+      </p:sp>
+      <p:sp>
+        <p:nvSpPr>
+          <p:cNvPr id="172" name="Google Shape;172;g15241896133_0_33:notes"/>
+          <p:cNvSpPr txBox="1"/>
+          <p:nvPr>
+            <p:ph idx="1" type="body"/>
+          </p:nvPr>
+        </p:nvSpPr>
+        <p:spPr>
+          <a:xfrm>
+            <a:off x="685800" y="4343400"/>
+            <a:ext cx="5486400" cy="4114800"/>
+          </a:xfrm>
+          <a:prstGeom prst="rect">
+            <a:avLst/>
+          </a:prstGeom>
+        </p:spPr>
+        <p:txBody>
+          <a:bodyPr anchorCtr="0" anchor="t" bIns="91425" lIns="91425" spcFirstLastPara="1" rIns="91425" wrap="square" tIns="91425">
+            <a:noAutofit/>
+          </a:bodyPr>
+          <a:lstStyle/>
+          <a:p>
+            <a:pPr indent="0" lvl="0" marL="0" rtl="0" algn="l">
+              <a:spcBef>
+                <a:spcPts val="0"/>
+              </a:spcBef>
+              <a:spcAft>
+                <a:spcPts val="0"/>
+              </a:spcAft>
+              <a:buNone/>
+            </a:pPr>
+            <a:r>
+              <a:t/>
+            </a:r>
+            <a:endParaRPr/>
+          </a:p>
+        </p:txBody>
+      </p:sp>
+    </p:spTree>
+  </p:cSld>
+  <p:clrMapOvr>
+    <a:masterClrMapping/>
+  </p:clrMapOvr>
+</p:notes>
+</file>
+
+<file path=ppt/notesSlides/notesSlide16.xml><?xml version="1.0" encoding="utf-8"?>
+<p:notes xmlns:a="http://schemas.openxmlformats.org/drawingml/2006/main" xmlns:r="http://schemas.openxmlformats.org/officeDocument/2006/relationships" xmlns:mc="http://schemas.openxmlformats.org/markup-compatibility/2006" xmlns:mv="urn:schemas-microsoft-com:mac:vml" xmlns:p="http://schemas.openxmlformats.org/presentationml/2006/main" xmlns:c="http://schemas.openxmlformats.org/drawingml/2006/chart" xmlns:dgm="http://schemas.openxmlformats.org/drawingml/2006/diagram" xmlns:o="urn:schemas-microsoft-com:office:office" xmlns:v="urn:schemas-microsoft-com:vml" xmlns:pvml="urn:schemas-microsoft-com:office:powerpoint" xmlns:com="http://schemas.openxmlformats.org/drawingml/2006/compatibility" xmlns:p14="http://schemas.microsoft.com/office/powerpoint/2010/main" xmlns:p15="http://schemas.microsoft.com/office/powerpoint/2012/main" xmlns:ahyp="http://schemas.microsoft.com/office/drawing/2018/hyperlinkcolor" showMasterPhAnim="0" showMasterSp="0">
+  <p:cSld>
+    <p:spTree>
+      <p:nvGrpSpPr>
+        <p:cNvPr id="180" name="Shape 180"/>
+        <p:cNvGrpSpPr/>
+        <p:nvPr/>
+      </p:nvGrpSpPr>
+      <p:grpSpPr>
+        <a:xfrm>
+          <a:off x="0" y="0"/>
+          <a:ext cx="0" cy="0"/>
+          <a:chOff x="0" y="0"/>
+          <a:chExt cx="0" cy="0"/>
+        </a:xfrm>
+      </p:grpSpPr>
+      <p:sp>
+        <p:nvSpPr>
+          <p:cNvPr id="181" name="Google Shape;181;gfe93a794d9_0_51:notes"/>
+          <p:cNvSpPr/>
+          <p:nvPr>
+            <p:ph idx="2" type="sldImg"/>
+          </p:nvPr>
+        </p:nvSpPr>
+        <p:spPr>
+          <a:xfrm>
+            <a:off x="381300" y="685800"/>
+            <a:ext cx="6096000" cy="3429000"/>
+          </a:xfrm>
+          <a:custGeom>
+            <a:rect b="b" l="l" r="r" t="t"/>
+            <a:pathLst>
+              <a:path extrusionOk="0" h="120000" w="120000">
+                <a:moveTo>
+                  <a:pt x="0" y="0"/>
+                </a:moveTo>
+                <a:lnTo>
+                  <a:pt x="120000" y="0"/>
+                </a:lnTo>
+                <a:lnTo>
+                  <a:pt x="120000" y="120000"/>
+                </a:lnTo>
+                <a:lnTo>
+                  <a:pt x="0" y="120000"/>
+                </a:lnTo>
+                <a:close/>
+              </a:path>
+            </a:pathLst>
+          </a:custGeom>
+        </p:spPr>
+      </p:sp>
+      <p:sp>
+        <p:nvSpPr>
+          <p:cNvPr id="182" name="Google Shape;182;gfe93a794d9_0_51:notes"/>
+          <p:cNvSpPr txBox="1"/>
+          <p:nvPr>
+            <p:ph idx="1" type="body"/>
+          </p:nvPr>
+        </p:nvSpPr>
+        <p:spPr>
+          <a:xfrm>
+            <a:off x="685800" y="4343400"/>
+            <a:ext cx="5486400" cy="4114800"/>
+          </a:xfrm>
+          <a:prstGeom prst="rect">
+            <a:avLst/>
+          </a:prstGeom>
+        </p:spPr>
+        <p:txBody>
+          <a:bodyPr anchorCtr="0" anchor="t" bIns="91425" lIns="91425" spcFirstLastPara="1" rIns="91425" wrap="square" tIns="91425">
+            <a:noAutofit/>
+          </a:bodyPr>
+          <a:lstStyle/>
+          <a:p>
+            <a:pPr indent="0" lvl="0" marL="0" rtl="0" algn="l">
+              <a:spcBef>
+                <a:spcPts val="0"/>
+              </a:spcBef>
+              <a:spcAft>
+                <a:spcPts val="0"/>
+              </a:spcAft>
+              <a:buNone/>
+            </a:pPr>
+            <a:r>
+              <a:t/>
+            </a:r>
+            <a:endParaRPr/>
+          </a:p>
+        </p:txBody>
+      </p:sp>
+    </p:spTree>
+  </p:cSld>
+  <p:clrMapOvr>
+    <a:masterClrMapping/>
+  </p:clrMapOvr>
+</p:notes>
+</file>
+
+<file path=ppt/notesSlides/notesSlide17.xml><?xml version="1.0" encoding="utf-8"?>
+<p:notes xmlns:a="http://schemas.openxmlformats.org/drawingml/2006/main" xmlns:r="http://schemas.openxmlformats.org/officeDocument/2006/relationships" xmlns:mc="http://schemas.openxmlformats.org/markup-compatibility/2006" xmlns:mv="urn:schemas-microsoft-com:mac:vml" xmlns:p="http://schemas.openxmlformats.org/presentationml/2006/main" xmlns:c="http://schemas.openxmlformats.org/drawingml/2006/chart" xmlns:dgm="http://schemas.openxmlformats.org/drawingml/2006/diagram" xmlns:o="urn:schemas-microsoft-com:office:office" xmlns:v="urn:schemas-microsoft-com:vml" xmlns:pvml="urn:schemas-microsoft-com:office:powerpoint" xmlns:com="http://schemas.openxmlformats.org/drawingml/2006/compatibility" xmlns:p14="http://schemas.microsoft.com/office/powerpoint/2010/main" xmlns:p15="http://schemas.microsoft.com/office/powerpoint/2012/main" xmlns:ahyp="http://schemas.microsoft.com/office/drawing/2018/hyperlinkcolor" showMasterPhAnim="0" showMasterSp="0">
+  <p:cSld>
+    <p:spTree>
+      <p:nvGrpSpPr>
+        <p:cNvPr id="186" name="Shape 186"/>
+        <p:cNvGrpSpPr/>
+        <p:nvPr/>
+      </p:nvGrpSpPr>
+      <p:grpSpPr>
+        <a:xfrm>
+          <a:off x="0" y="0"/>
+          <a:ext cx="0" cy="0"/>
+          <a:chOff x="0" y="0"/>
+          <a:chExt cx="0" cy="0"/>
+        </a:xfrm>
+      </p:grpSpPr>
+      <p:sp>
+        <p:nvSpPr>
+          <p:cNvPr id="187" name="Google Shape;187;g15241896133_0_12:notes"/>
+          <p:cNvSpPr/>
+          <p:nvPr>
+            <p:ph idx="2" type="sldImg"/>
+          </p:nvPr>
+        </p:nvSpPr>
+        <p:spPr>
+          <a:xfrm>
+            <a:off x="381300" y="685800"/>
+            <a:ext cx="6096000" cy="3429000"/>
+          </a:xfrm>
+          <a:custGeom>
+            <a:rect b="b" l="l" r="r" t="t"/>
+            <a:pathLst>
+              <a:path extrusionOk="0" h="120000" w="120000">
+                <a:moveTo>
+                  <a:pt x="0" y="0"/>
+                </a:moveTo>
+                <a:lnTo>
+                  <a:pt x="120000" y="0"/>
+                </a:lnTo>
+                <a:lnTo>
+                  <a:pt x="120000" y="120000"/>
+                </a:lnTo>
+                <a:lnTo>
+                  <a:pt x="0" y="120000"/>
+                </a:lnTo>
+                <a:close/>
+              </a:path>
+            </a:pathLst>
+          </a:custGeom>
+        </p:spPr>
+      </p:sp>
+      <p:sp>
+        <p:nvSpPr>
+          <p:cNvPr id="188" name="Google Shape;188;g15241896133_0_12:notes"/>
+          <p:cNvSpPr txBox="1"/>
+          <p:nvPr>
+            <p:ph idx="1" type="body"/>
+          </p:nvPr>
+        </p:nvSpPr>
+        <p:spPr>
+          <a:xfrm>
+            <a:off x="685800" y="4343400"/>
+            <a:ext cx="5486400" cy="4114800"/>
+          </a:xfrm>
+          <a:prstGeom prst="rect">
+            <a:avLst/>
+          </a:prstGeom>
+        </p:spPr>
+        <p:txBody>
+          <a:bodyPr anchorCtr="0" anchor="t" bIns="91425" lIns="91425" spcFirstLastPara="1" rIns="91425" wrap="square" tIns="91425">
+            <a:noAutofit/>
+          </a:bodyPr>
+          <a:lstStyle/>
+          <a:p>
+            <a:pPr indent="0" lvl="0" marL="0" rtl="0" algn="l">
+              <a:spcBef>
+                <a:spcPts val="0"/>
+              </a:spcBef>
+              <a:spcAft>
+                <a:spcPts val="0"/>
+              </a:spcAft>
+              <a:buNone/>
+            </a:pPr>
+            <a:r>
+              <a:t/>
+            </a:r>
+            <a:endParaRPr/>
+          </a:p>
+        </p:txBody>
+      </p:sp>
+    </p:spTree>
+  </p:cSld>
+  <p:clrMapOvr>
+    <a:masterClrMapping/>
+  </p:clrMapOvr>
+</p:notes>
+</file>
+
+<file path=ppt/notesSlides/notesSlide18.xml><?xml version="1.0" encoding="utf-8"?>
+<p:notes xmlns:a="http://schemas.openxmlformats.org/drawingml/2006/main" xmlns:r="http://schemas.openxmlformats.org/officeDocument/2006/relationships" xmlns:mc="http://schemas.openxmlformats.org/markup-compatibility/2006" xmlns:mv="urn:schemas-microsoft-com:mac:vml" xmlns:p="http://schemas.openxmlformats.org/presentationml/2006/main" xmlns:c="http://schemas.openxmlformats.org/drawingml/2006/chart" xmlns:dgm="http://schemas.openxmlformats.org/drawingml/2006/diagram" xmlns:o="urn:schemas-microsoft-com:office:office" xmlns:v="urn:schemas-microsoft-com:vml" xmlns:pvml="urn:schemas-microsoft-com:office:powerpoint" xmlns:com="http://schemas.openxmlformats.org/drawingml/2006/compatibility" xmlns:p14="http://schemas.microsoft.com/office/powerpoint/2010/main" xmlns:p15="http://schemas.microsoft.com/office/powerpoint/2012/main" xmlns:ahyp="http://schemas.microsoft.com/office/drawing/2018/hyperlinkcolor" showMasterPhAnim="0" showMasterSp="0">
+  <p:cSld>
+    <p:spTree>
+      <p:nvGrpSpPr>
+        <p:cNvPr id="191" name="Shape 191"/>
+        <p:cNvGrpSpPr/>
+        <p:nvPr/>
+      </p:nvGrpSpPr>
+      <p:grpSpPr>
+        <a:xfrm>
+          <a:off x="0" y="0"/>
+          <a:ext cx="0" cy="0"/>
+          <a:chOff x="0" y="0"/>
+          <a:chExt cx="0" cy="0"/>
+        </a:xfrm>
+      </p:grpSpPr>
+      <p:sp>
+        <p:nvSpPr>
+          <p:cNvPr id="192" name="Google Shape;192;g15241896133_0_6:notes"/>
+          <p:cNvSpPr/>
+          <p:nvPr>
+            <p:ph idx="2" type="sldImg"/>
+          </p:nvPr>
+        </p:nvSpPr>
+        <p:spPr>
+          <a:xfrm>
+            <a:off x="381300" y="685800"/>
+            <a:ext cx="6096000" cy="3429000"/>
+          </a:xfrm>
+          <a:custGeom>
+            <a:rect b="b" l="l" r="r" t="t"/>
+            <a:pathLst>
+              <a:path extrusionOk="0" h="120000" w="120000">
+                <a:moveTo>
+                  <a:pt x="0" y="0"/>
+                </a:moveTo>
+                <a:lnTo>
+                  <a:pt x="120000" y="0"/>
+                </a:lnTo>
+                <a:lnTo>
+                  <a:pt x="120000" y="120000"/>
+                </a:lnTo>
+                <a:lnTo>
+                  <a:pt x="0" y="120000"/>
+                </a:lnTo>
+                <a:close/>
+              </a:path>
+            </a:pathLst>
+          </a:custGeom>
+        </p:spPr>
+      </p:sp>
+      <p:sp>
+        <p:nvSpPr>
+          <p:cNvPr id="193" name="Google Shape;193;g15241896133_0_6:notes"/>
+          <p:cNvSpPr txBox="1"/>
+          <p:nvPr>
+            <p:ph idx="1" type="body"/>
+          </p:nvPr>
+        </p:nvSpPr>
+        <p:spPr>
+          <a:xfrm>
+            <a:off x="685800" y="4343400"/>
+            <a:ext cx="5486400" cy="4114800"/>
+          </a:xfrm>
+          <a:prstGeom prst="rect">
+            <a:avLst/>
+          </a:prstGeom>
+        </p:spPr>
+        <p:txBody>
+          <a:bodyPr anchorCtr="0" anchor="t" bIns="91425" lIns="91425" spcFirstLastPara="1" rIns="91425" wrap="square" tIns="91425">
+            <a:noAutofit/>
+          </a:bodyPr>
+          <a:lstStyle/>
+          <a:p>
+            <a:pPr indent="0" lvl="0" marL="0" rtl="0" algn="l">
+              <a:spcBef>
+                <a:spcPts val="0"/>
+              </a:spcBef>
+              <a:spcAft>
+                <a:spcPts val="0"/>
+              </a:spcAft>
+              <a:buNone/>
+            </a:pPr>
+            <a:r>
+              <a:t/>
+            </a:r>
+            <a:endParaRPr/>
+          </a:p>
+        </p:txBody>
+      </p:sp>
+    </p:spTree>
+  </p:cSld>
+  <p:clrMapOvr>
+    <a:masterClrMapping/>
+  </p:clrMapOvr>
+</p:notes>
+</file>
+
+<file path=ppt/notesSlides/notesSlide2.xml><?xml version="1.0" encoding="utf-8"?>
+<p:notes xmlns:a="http://schemas.openxmlformats.org/drawingml/2006/main" xmlns:r="http://schemas.openxmlformats.org/officeDocument/2006/relationships" xmlns:mc="http://schemas.openxmlformats.org/markup-compatibility/2006" xmlns:mv="urn:schemas-microsoft-com:mac:vml" xmlns:p="http://schemas.openxmlformats.org/presentationml/2006/main" xmlns:c="http://schemas.openxmlformats.org/drawingml/2006/chart" xmlns:dgm="http://schemas.openxmlformats.org/drawingml/2006/diagram" xmlns:o="urn:schemas-microsoft-com:office:office" xmlns:v="urn:schemas-microsoft-com:vml" xmlns:pvml="urn:schemas-microsoft-com:office:powerpoint" xmlns:com="http://schemas.openxmlformats.org/drawingml/2006/compatibility" xmlns:p14="http://schemas.microsoft.com/office/powerpoint/2010/main" xmlns:p15="http://schemas.microsoft.com/office/powerpoint/2012/main" xmlns:ahyp="http://schemas.microsoft.com/office/drawing/2018/hyperlinkcolor" showMasterPhAnim="0" showMasterSp="0">
+  <p:cSld>
+    <p:spTree>
+      <p:nvGrpSpPr>
+        <p:cNvPr id="62" name="Shape 62"/>
+        <p:cNvGrpSpPr/>
+        <p:nvPr/>
+      </p:nvGrpSpPr>
+      <p:grpSpPr>
+        <a:xfrm>
+          <a:off x="0" y="0"/>
+          <a:ext cx="0" cy="0"/>
+          <a:chOff x="0" y="0"/>
+          <a:chExt cx="0" cy="0"/>
+        </a:xfrm>
+      </p:grpSpPr>
+      <p:sp>
+        <p:nvSpPr>
+          <p:cNvPr id="63" name="Google Shape;63;g14b1877d298_0_2:notes"/>
+          <p:cNvSpPr/>
+          <p:nvPr>
+            <p:ph idx="2" type="sldImg"/>
+          </p:nvPr>
+        </p:nvSpPr>
+        <p:spPr>
+          <a:xfrm>
+            <a:off x="381300" y="685800"/>
+            <a:ext cx="6096000" cy="3429000"/>
+          </a:xfrm>
+          <a:custGeom>
+            <a:rect b="b" l="l" r="r" t="t"/>
+            <a:pathLst>
+              <a:path extrusionOk="0" h="120000" w="120000">
+                <a:moveTo>
+                  <a:pt x="0" y="0"/>
+                </a:moveTo>
+                <a:lnTo>
+                  <a:pt x="120000" y="0"/>
+                </a:lnTo>
+                <a:lnTo>
+                  <a:pt x="120000" y="120000"/>
+                </a:lnTo>
+                <a:lnTo>
+                  <a:pt x="0" y="120000"/>
+                </a:lnTo>
+                <a:close/>
+              </a:path>
+            </a:pathLst>
+          </a:custGeom>
+        </p:spPr>
+      </p:sp>
+      <p:sp>
+        <p:nvSpPr>
+          <p:cNvPr id="64" name="Google Shape;64;g14b1877d298_0_2:notes"/>
+          <p:cNvSpPr txBox="1"/>
+          <p:nvPr>
+            <p:ph idx="1" type="body"/>
+          </p:nvPr>
+        </p:nvSpPr>
+        <p:spPr>
+          <a:xfrm>
+            <a:off x="685800" y="4343400"/>
+            <a:ext cx="5486400" cy="4114800"/>
+          </a:xfrm>
+          <a:prstGeom prst="rect">
+            <a:avLst/>
+          </a:prstGeom>
+        </p:spPr>
+        <p:txBody>
+          <a:bodyPr anchorCtr="0" anchor="t" bIns="91425" lIns="91425" spcFirstLastPara="1" rIns="91425" wrap="square" tIns="91425">
+            <a:noAutofit/>
+          </a:bodyPr>
+          <a:lstStyle/>
+          <a:p>
+            <a:pPr indent="0" lvl="0" marL="0" rtl="0" algn="l">
+              <a:spcBef>
+                <a:spcPts val="0"/>
+              </a:spcBef>
+              <a:spcAft>
+                <a:spcPts val="0"/>
+              </a:spcAft>
+              <a:buNone/>
+            </a:pPr>
+            <a:r>
+              <a:t/>
+            </a:r>
+            <a:endParaRPr/>
+          </a:p>
+        </p:txBody>
+      </p:sp>
+    </p:spTree>
+  </p:cSld>
+  <p:clrMapOvr>
+    <a:masterClrMapping/>
+  </p:clrMapOvr>
+</p:notes>
+</file>
+
+<file path=ppt/notesSlides/notesSlide3.xml><?xml version="1.0" encoding="utf-8"?>
+<p:notes xmlns:a="http://schemas.openxmlformats.org/drawingml/2006/main" xmlns:r="http://schemas.openxmlformats.org/officeDocument/2006/relationships" xmlns:mc="http://schemas.openxmlformats.org/markup-compatibility/2006" xmlns:mv="urn:schemas-microsoft-com:mac:vml" xmlns:p="http://schemas.openxmlformats.org/presentationml/2006/main" xmlns:c="http://schemas.openxmlformats.org/drawingml/2006/chart" xmlns:dgm="http://schemas.openxmlformats.org/drawingml/2006/diagram" xmlns:o="urn:schemas-microsoft-com:office:office" xmlns:v="urn:schemas-microsoft-com:vml" xmlns:pvml="urn:schemas-microsoft-com:office:powerpoint" xmlns:com="http://schemas.openxmlformats.org/drawingml/2006/compatibility" xmlns:p14="http://schemas.microsoft.com/office/powerpoint/2010/main" xmlns:p15="http://schemas.microsoft.com/office/powerpoint/2012/main" xmlns:ahyp="http://schemas.microsoft.com/office/drawing/2018/hyperlinkcolor" showMasterPhAnim="0" showMasterSp="0">
+  <p:cSld>
+    <p:spTree>
+      <p:nvGrpSpPr>
+        <p:cNvPr id="68" name="Shape 68"/>
+        <p:cNvGrpSpPr/>
+        <p:nvPr/>
+      </p:nvGrpSpPr>
+      <p:grpSpPr>
+        <a:xfrm>
+          <a:off x="0" y="0"/>
+          <a:ext cx="0" cy="0"/>
+          <a:chOff x="0" y="0"/>
+          <a:chExt cx="0" cy="0"/>
+        </a:xfrm>
+      </p:grpSpPr>
+      <p:sp>
+        <p:nvSpPr>
+          <p:cNvPr id="69" name="Google Shape;69;g14b1877d298_0_7:notes"/>
+          <p:cNvSpPr/>
+          <p:nvPr>
+            <p:ph idx="2" type="sldImg"/>
+          </p:nvPr>
+        </p:nvSpPr>
+        <p:spPr>
+          <a:xfrm>
+            <a:off x="381300" y="685800"/>
+            <a:ext cx="6096000" cy="3429000"/>
+          </a:xfrm>
+          <a:custGeom>
+            <a:rect b="b" l="l" r="r" t="t"/>
+            <a:pathLst>
+              <a:path extrusionOk="0" h="120000" w="120000">
+                <a:moveTo>
+                  <a:pt x="0" y="0"/>
+                </a:moveTo>
+                <a:lnTo>
+                  <a:pt x="120000" y="0"/>
+                </a:lnTo>
+                <a:lnTo>
+                  <a:pt x="120000" y="120000"/>
+                </a:lnTo>
+                <a:lnTo>
+                  <a:pt x="0" y="120000"/>
+                </a:lnTo>
+                <a:close/>
+              </a:path>
+            </a:pathLst>
+          </a:custGeom>
+        </p:spPr>
+      </p:sp>
+      <p:sp>
+        <p:nvSpPr>
+          <p:cNvPr id="70" name="Google Shape;70;g14b1877d298_0_7:notes"/>
+          <p:cNvSpPr txBox="1"/>
+          <p:nvPr>
+            <p:ph idx="1" type="body"/>
+          </p:nvPr>
+        </p:nvSpPr>
+        <p:spPr>
+          <a:xfrm>
+            <a:off x="685800" y="4343400"/>
+            <a:ext cx="5486400" cy="4114800"/>
+          </a:xfrm>
+          <a:prstGeom prst="rect">
+            <a:avLst/>
+          </a:prstGeom>
+        </p:spPr>
+        <p:txBody>
+          <a:bodyPr anchorCtr="0" anchor="t" bIns="91425" lIns="91425" spcFirstLastPara="1" rIns="91425" wrap="square" tIns="91425">
+            <a:noAutofit/>
+          </a:bodyPr>
+          <a:lstStyle/>
+          <a:p>
+            <a:pPr indent="0" lvl="0" marL="0" rtl="0" algn="l">
+              <a:spcBef>
+                <a:spcPts val="0"/>
+              </a:spcBef>
+              <a:spcAft>
+                <a:spcPts val="0"/>
+              </a:spcAft>
+              <a:buNone/>
+            </a:pPr>
+            <a:r>
+              <a:t/>
+            </a:r>
+            <a:endParaRPr/>
+          </a:p>
+        </p:txBody>
+      </p:sp>
+    </p:spTree>
+  </p:cSld>
+  <p:clrMapOvr>
+    <a:masterClrMapping/>
+  </p:clrMapOvr>
+</p:notes>
+</file>
+
+<file path=ppt/notesSlides/notesSlide4.xml><?xml version="1.0" encoding="utf-8"?>
+<p:notes xmlns:a="http://schemas.openxmlformats.org/drawingml/2006/main" xmlns:r="http://schemas.openxmlformats.org/officeDocument/2006/relationships" xmlns:mc="http://schemas.openxmlformats.org/markup-compatibility/2006" xmlns:mv="urn:schemas-microsoft-com:mac:vml" xmlns:p="http://schemas.openxmlformats.org/presentationml/2006/main" xmlns:c="http://schemas.openxmlformats.org/drawingml/2006/chart" xmlns:dgm="http://schemas.openxmlformats.org/drawingml/2006/diagram" xmlns:o="urn:schemas-microsoft-com:office:office" xmlns:v="urn:schemas-microsoft-com:vml" xmlns:pvml="urn:schemas-microsoft-com:office:powerpoint" xmlns:com="http://schemas.openxmlformats.org/drawingml/2006/compatibility" xmlns:p14="http://schemas.microsoft.com/office/powerpoint/2010/main" xmlns:p15="http://schemas.microsoft.com/office/powerpoint/2012/main" xmlns:ahyp="http://schemas.microsoft.com/office/drawing/2018/hyperlinkcolor" showMasterPhAnim="0" showMasterSp="0">
+  <p:cSld>
+    <p:spTree>
+      <p:nvGrpSpPr>
+        <p:cNvPr id="76" name="Shape 76"/>
+        <p:cNvGrpSpPr/>
+        <p:nvPr/>
+      </p:nvGrpSpPr>
+      <p:grpSpPr>
+        <a:xfrm>
+          <a:off x="0" y="0"/>
+          <a:ext cx="0" cy="0"/>
+          <a:chOff x="0" y="0"/>
+          <a:chExt cx="0" cy="0"/>
+        </a:xfrm>
+      </p:grpSpPr>
+      <p:sp>
+        <p:nvSpPr>
+          <p:cNvPr id="77" name="Google Shape;77;g14b1877d298_0_20:notes"/>
+          <p:cNvSpPr/>
+          <p:nvPr>
+            <p:ph idx="2" type="sldImg"/>
+          </p:nvPr>
+        </p:nvSpPr>
+        <p:spPr>
+          <a:xfrm>
+            <a:off x="381300" y="685800"/>
+            <a:ext cx="6096000" cy="3429000"/>
+          </a:xfrm>
+          <a:custGeom>
+            <a:rect b="b" l="l" r="r" t="t"/>
+            <a:pathLst>
+              <a:path extrusionOk="0" h="120000" w="120000">
+                <a:moveTo>
+                  <a:pt x="0" y="0"/>
+                </a:moveTo>
+                <a:lnTo>
+                  <a:pt x="120000" y="0"/>
+                </a:lnTo>
+                <a:lnTo>
+                  <a:pt x="120000" y="120000"/>
+                </a:lnTo>
+                <a:lnTo>
+                  <a:pt x="0" y="120000"/>
+                </a:lnTo>
+                <a:close/>
+              </a:path>
+            </a:pathLst>
+          </a:custGeom>
+        </p:spPr>
+      </p:sp>
+      <p:sp>
+        <p:nvSpPr>
+          <p:cNvPr id="78" name="Google Shape;78;g14b1877d298_0_20:notes"/>
+          <p:cNvSpPr txBox="1"/>
+          <p:nvPr>
+            <p:ph idx="1" type="body"/>
+          </p:nvPr>
+        </p:nvSpPr>
+        <p:spPr>
+          <a:xfrm>
+            <a:off x="685800" y="4343400"/>
+            <a:ext cx="5486400" cy="4114800"/>
+          </a:xfrm>
+          <a:prstGeom prst="rect">
+            <a:avLst/>
+          </a:prstGeom>
+        </p:spPr>
+        <p:txBody>
+          <a:bodyPr anchorCtr="0" anchor="t" bIns="91425" lIns="91425" spcFirstLastPara="1" rIns="91425" wrap="square" tIns="91425">
+            <a:noAutofit/>
+          </a:bodyPr>
+          <a:lstStyle/>
+          <a:p>
+            <a:pPr indent="0" lvl="0" marL="0" rtl="0" algn="l">
+              <a:spcBef>
+                <a:spcPts val="0"/>
+              </a:spcBef>
+              <a:spcAft>
+                <a:spcPts val="0"/>
+              </a:spcAft>
+              <a:buNone/>
+            </a:pPr>
+            <a:r>
+              <a:t/>
+            </a:r>
+            <a:endParaRPr/>
+          </a:p>
+        </p:txBody>
+      </p:sp>
+    </p:spTree>
+  </p:cSld>
+  <p:clrMapOvr>
+    <a:masterClrMapping/>
+  </p:clrMapOvr>
+</p:notes>
+</file>
+
+<file path=ppt/notesSlides/notesSlide5.xml><?xml version="1.0" encoding="utf-8"?>
+<p:notes xmlns:a="http://schemas.openxmlformats.org/drawingml/2006/main" xmlns:r="http://schemas.openxmlformats.org/officeDocument/2006/relationships" xmlns:mc="http://schemas.openxmlformats.org/markup-compatibility/2006" xmlns:mv="urn:schemas-microsoft-com:mac:vml" xmlns:p="http://schemas.openxmlformats.org/presentationml/2006/main" xmlns:c="http://schemas.openxmlformats.org/drawingml/2006/chart" xmlns:dgm="http://schemas.openxmlformats.org/drawingml/2006/diagram" xmlns:o="urn:schemas-microsoft-com:office:office" xmlns:v="urn:schemas-microsoft-com:vml" xmlns:pvml="urn:schemas-microsoft-com:office:powerpoint" xmlns:com="http://schemas.openxmlformats.org/drawingml/2006/compatibility" xmlns:p14="http://schemas.microsoft.com/office/powerpoint/2010/main" xmlns:p15="http://schemas.microsoft.com/office/powerpoint/2012/main" xmlns:ahyp="http://schemas.microsoft.com/office/drawing/2018/hyperlinkcolor" showMasterPhAnim="0" showMasterSp="0">
+  <p:cSld>
+    <p:spTree>
+      <p:nvGrpSpPr>
+        <p:cNvPr id="86" name="Shape 86"/>
+        <p:cNvGrpSpPr/>
+        <p:nvPr/>
+      </p:nvGrpSpPr>
+      <p:grpSpPr>
+        <a:xfrm>
+          <a:off x="0" y="0"/>
+          <a:ext cx="0" cy="0"/>
+          <a:chOff x="0" y="0"/>
+          <a:chExt cx="0" cy="0"/>
+        </a:xfrm>
+      </p:grpSpPr>
+      <p:sp>
+        <p:nvSpPr>
+          <p:cNvPr id="87" name="Google Shape;87;gfe93a794d9_0_16:notes"/>
+          <p:cNvSpPr/>
+          <p:nvPr>
+            <p:ph idx="2" type="sldImg"/>
+          </p:nvPr>
+        </p:nvSpPr>
+        <p:spPr>
+          <a:xfrm>
+            <a:off x="381300" y="685800"/>
+            <a:ext cx="6096000" cy="3429000"/>
+          </a:xfrm>
+          <a:custGeom>
+            <a:rect b="b" l="l" r="r" t="t"/>
+            <a:pathLst>
+              <a:path extrusionOk="0" h="120000" w="120000">
+                <a:moveTo>
+                  <a:pt x="0" y="0"/>
+                </a:moveTo>
+                <a:lnTo>
+                  <a:pt x="120000" y="0"/>
+                </a:lnTo>
+                <a:lnTo>
+                  <a:pt x="120000" y="120000"/>
+                </a:lnTo>
+                <a:lnTo>
+                  <a:pt x="0" y="120000"/>
+                </a:lnTo>
+                <a:close/>
+              </a:path>
+            </a:pathLst>
+          </a:custGeom>
+        </p:spPr>
+      </p:sp>
+      <p:sp>
+        <p:nvSpPr>
+          <p:cNvPr id="88" name="Google Shape;88;gfe93a794d9_0_16:notes"/>
+          <p:cNvSpPr txBox="1"/>
+          <p:nvPr>
+            <p:ph idx="1" type="body"/>
+          </p:nvPr>
+        </p:nvSpPr>
+        <p:spPr>
+          <a:xfrm>
+            <a:off x="685800" y="4343400"/>
+            <a:ext cx="5486400" cy="4114800"/>
+          </a:xfrm>
+          <a:prstGeom prst="rect">
+            <a:avLst/>
+          </a:prstGeom>
+        </p:spPr>
+        <p:txBody>
+          <a:bodyPr anchorCtr="0" anchor="t" bIns="91425" lIns="91425" spcFirstLastPara="1" rIns="91425" wrap="square" tIns="91425">
+            <a:noAutofit/>
+          </a:bodyPr>
+          <a:lstStyle/>
+          <a:p>
+            <a:pPr indent="0" lvl="0" marL="0" rtl="0" algn="l">
+              <a:spcBef>
+                <a:spcPts val="0"/>
+              </a:spcBef>
+              <a:spcAft>
+                <a:spcPts val="0"/>
+              </a:spcAft>
+              <a:buNone/>
+            </a:pPr>
+            <a:r>
+              <a:t/>
+            </a:r>
+            <a:endParaRPr/>
+          </a:p>
+        </p:txBody>
+      </p:sp>
+    </p:spTree>
+  </p:cSld>
+  <p:clrMapOvr>
+    <a:masterClrMapping/>
+  </p:clrMapOvr>
+</p:notes>
+</file>
+
+<file path=ppt/notesSlides/notesSlide6.xml><?xml version="1.0" encoding="utf-8"?>
+<p:notes xmlns:a="http://schemas.openxmlformats.org/drawingml/2006/main" xmlns:r="http://schemas.openxmlformats.org/officeDocument/2006/relationships" xmlns:mc="http://schemas.openxmlformats.org/markup-compatibility/2006" xmlns:mv="urn:schemas-microsoft-com:mac:vml" xmlns:p="http://schemas.openxmlformats.org/presentationml/2006/main" xmlns:c="http://schemas.openxmlformats.org/drawingml/2006/chart" xmlns:dgm="http://schemas.openxmlformats.org/drawingml/2006/diagram" xmlns:o="urn:schemas-microsoft-com:office:office" xmlns:v="urn:schemas-microsoft-com:vml" xmlns:pvml="urn:schemas-microsoft-com:office:powerpoint" xmlns:com="http://schemas.openxmlformats.org/drawingml/2006/compatibility" xmlns:p14="http://schemas.microsoft.com/office/powerpoint/2010/main" xmlns:p15="http://schemas.microsoft.com/office/powerpoint/2012/main" xmlns:ahyp="http://schemas.microsoft.com/office/drawing/2018/hyperlinkcolor" showMasterPhAnim="0" showMasterSp="0">
+  <p:cSld>
+    <p:spTree>
+      <p:nvGrpSpPr>
+        <p:cNvPr id="94" name="Shape 94"/>
+        <p:cNvGrpSpPr/>
+        <p:nvPr/>
+      </p:nvGrpSpPr>
+      <p:grpSpPr>
+        <a:xfrm>
+          <a:off x="0" y="0"/>
+          <a:ext cx="0" cy="0"/>
+          <a:chOff x="0" y="0"/>
+          <a:chExt cx="0" cy="0"/>
+        </a:xfrm>
+      </p:grpSpPr>
+      <p:sp>
+        <p:nvSpPr>
+          <p:cNvPr id="95" name="Google Shape;95;g14b1877d298_2_0:notes"/>
+          <p:cNvSpPr/>
+          <p:nvPr>
+            <p:ph idx="2" type="sldImg"/>
+          </p:nvPr>
+        </p:nvSpPr>
+        <p:spPr>
+          <a:xfrm>
+            <a:off x="381300" y="685800"/>
+            <a:ext cx="6096000" cy="3429000"/>
+          </a:xfrm>
+          <a:custGeom>
+            <a:rect b="b" l="l" r="r" t="t"/>
+            <a:pathLst>
+              <a:path extrusionOk="0" h="120000" w="120000">
+                <a:moveTo>
+                  <a:pt x="0" y="0"/>
+                </a:moveTo>
+                <a:lnTo>
+                  <a:pt x="120000" y="0"/>
+                </a:lnTo>
+                <a:lnTo>
+                  <a:pt x="120000" y="120000"/>
+                </a:lnTo>
+                <a:lnTo>
+                  <a:pt x="0" y="120000"/>
+                </a:lnTo>
+                <a:close/>
+              </a:path>
+            </a:pathLst>
+          </a:custGeom>
+        </p:spPr>
+      </p:sp>
+      <p:sp>
+        <p:nvSpPr>
+          <p:cNvPr id="96" name="Google Shape;96;g14b1877d298_2_0:notes"/>
+          <p:cNvSpPr txBox="1"/>
+          <p:nvPr>
+            <p:ph idx="1" type="body"/>
+          </p:nvPr>
+        </p:nvSpPr>
+        <p:spPr>
+          <a:xfrm>
+            <a:off x="685800" y="4343400"/>
+            <a:ext cx="5486400" cy="4114800"/>
+          </a:xfrm>
+          <a:prstGeom prst="rect">
+            <a:avLst/>
+          </a:prstGeom>
+        </p:spPr>
+        <p:txBody>
+          <a:bodyPr anchorCtr="0" anchor="t" bIns="91425" lIns="91425" spcFirstLastPara="1" rIns="91425" wrap="square" tIns="91425">
+            <a:noAutofit/>
+          </a:bodyPr>
+          <a:lstStyle/>
+          <a:p>
+            <a:pPr indent="0" lvl="0" marL="0" rtl="0" algn="l">
+              <a:spcBef>
+                <a:spcPts val="0"/>
+              </a:spcBef>
+              <a:spcAft>
+                <a:spcPts val="0"/>
+              </a:spcAft>
+              <a:buNone/>
+            </a:pPr>
+            <a:r>
+              <a:t/>
+            </a:r>
+            <a:endParaRPr/>
+          </a:p>
+        </p:txBody>
+      </p:sp>
+    </p:spTree>
+  </p:cSld>
+  <p:clrMapOvr>
+    <a:masterClrMapping/>
+  </p:clrMapOvr>
+</p:notes>
+</file>
+
+<file path=ppt/notesSlides/notesSlide7.xml><?xml version="1.0" encoding="utf-8"?>
+<p:notes xmlns:a="http://schemas.openxmlformats.org/drawingml/2006/main" xmlns:r="http://schemas.openxmlformats.org/officeDocument/2006/relationships" xmlns:mc="http://schemas.openxmlformats.org/markup-compatibility/2006" xmlns:mv="urn:schemas-microsoft-com:mac:vml" xmlns:p="http://schemas.openxmlformats.org/presentationml/2006/main" xmlns:c="http://schemas.openxmlformats.org/drawingml/2006/chart" xmlns:dgm="http://schemas.openxmlformats.org/drawingml/2006/diagram" xmlns:o="urn:schemas-microsoft-com:office:office" xmlns:v="urn:schemas-microsoft-com:vml" xmlns:pvml="urn:schemas-microsoft-com:office:powerpoint" xmlns:com="http://schemas.openxmlformats.org/drawingml/2006/compatibility" xmlns:p14="http://schemas.microsoft.com/office/powerpoint/2010/main" xmlns:p15="http://schemas.microsoft.com/office/powerpoint/2012/main" xmlns:ahyp="http://schemas.microsoft.com/office/drawing/2018/hyperlinkcolor" showMasterPhAnim="0" showMasterSp="0">
+  <p:cSld>
+    <p:spTree>
+      <p:nvGrpSpPr>
+        <p:cNvPr id="103" name="Shape 103"/>
+        <p:cNvGrpSpPr/>
+        <p:nvPr/>
+      </p:nvGrpSpPr>
+      <p:grpSpPr>
+        <a:xfrm>
+          <a:off x="0" y="0"/>
+          <a:ext cx="0" cy="0"/>
+          <a:chOff x="0" y="0"/>
+          <a:chExt cx="0" cy="0"/>
+        </a:xfrm>
+      </p:grpSpPr>
+      <p:sp>
+        <p:nvSpPr>
+          <p:cNvPr id="104" name="Google Shape;104;gfe93a794d9_0_2:notes"/>
+          <p:cNvSpPr/>
+          <p:nvPr>
+            <p:ph idx="2" type="sldImg"/>
+          </p:nvPr>
+        </p:nvSpPr>
+        <p:spPr>
+          <a:xfrm>
+            <a:off x="381300" y="685800"/>
+            <a:ext cx="6096000" cy="3429000"/>
+          </a:xfrm>
+          <a:custGeom>
+            <a:rect b="b" l="l" r="r" t="t"/>
+            <a:pathLst>
+              <a:path extrusionOk="0" h="120000" w="120000">
+                <a:moveTo>
+                  <a:pt x="0" y="0"/>
+                </a:moveTo>
+                <a:lnTo>
+                  <a:pt x="120000" y="0"/>
+                </a:lnTo>
+                <a:lnTo>
+                  <a:pt x="120000" y="120000"/>
+                </a:lnTo>
+                <a:lnTo>
+                  <a:pt x="0" y="120000"/>
+                </a:lnTo>
+                <a:close/>
+              </a:path>
+            </a:pathLst>
+          </a:custGeom>
+        </p:spPr>
+      </p:sp>
+      <p:sp>
+        <p:nvSpPr>
+          <p:cNvPr id="105" name="Google Shape;105;gfe93a794d9_0_2:notes"/>
+          <p:cNvSpPr txBox="1"/>
+          <p:nvPr>
+            <p:ph idx="1" type="body"/>
+          </p:nvPr>
+        </p:nvSpPr>
+        <p:spPr>
+          <a:xfrm>
+            <a:off x="685800" y="4343400"/>
+            <a:ext cx="5486400" cy="4114800"/>
+          </a:xfrm>
+          <a:prstGeom prst="rect">
+            <a:avLst/>
+          </a:prstGeom>
+        </p:spPr>
+        <p:txBody>
+          <a:bodyPr anchorCtr="0" anchor="t" bIns="91425" lIns="91425" spcFirstLastPara="1" rIns="91425" wrap="square" tIns="91425">
+            <a:noAutofit/>
+          </a:bodyPr>
+          <a:lstStyle/>
+          <a:p>
+            <a:pPr indent="0" lvl="0" marL="0" rtl="0" algn="l">
+              <a:spcBef>
+                <a:spcPts val="0"/>
+              </a:spcBef>
+              <a:spcAft>
+                <a:spcPts val="0"/>
+              </a:spcAft>
+              <a:buNone/>
+            </a:pPr>
+            <a:r>
+              <a:t/>
+            </a:r>
+            <a:endParaRPr/>
+          </a:p>
+        </p:txBody>
+      </p:sp>
+    </p:spTree>
+  </p:cSld>
+  <p:clrMapOvr>
+    <a:masterClrMapping/>
+  </p:clrMapOvr>
+</p:notes>
+</file>
+
+<file path=ppt/notesSlides/notesSlide8.xml><?xml version="1.0" encoding="utf-8"?>
+<p:notes xmlns:a="http://schemas.openxmlformats.org/drawingml/2006/main" xmlns:r="http://schemas.openxmlformats.org/officeDocument/2006/relationships" xmlns:mc="http://schemas.openxmlformats.org/markup-compatibility/2006" xmlns:mv="urn:schemas-microsoft-com:mac:vml" xmlns:p="http://schemas.openxmlformats.org/presentationml/2006/main" xmlns:c="http://schemas.openxmlformats.org/drawingml/2006/chart" xmlns:dgm="http://schemas.openxmlformats.org/drawingml/2006/diagram" xmlns:o="urn:schemas-microsoft-com:office:office" xmlns:v="urn:schemas-microsoft-com:vml" xmlns:pvml="urn:schemas-microsoft-com:office:powerpoint" xmlns:com="http://schemas.openxmlformats.org/drawingml/2006/compatibility" xmlns:p14="http://schemas.microsoft.com/office/powerpoint/2010/main" xmlns:p15="http://schemas.microsoft.com/office/powerpoint/2012/main" xmlns:ahyp="http://schemas.microsoft.com/office/drawing/2018/hyperlinkcolor" showMasterPhAnim="0" showMasterSp="0">
+  <p:cSld>
+    <p:spTree>
+      <p:nvGrpSpPr>
+        <p:cNvPr id="112" name="Shape 112"/>
+        <p:cNvGrpSpPr/>
+        <p:nvPr/>
+      </p:nvGrpSpPr>
+      <p:grpSpPr>
+        <a:xfrm>
+          <a:off x="0" y="0"/>
+          <a:ext cx="0" cy="0"/>
+          <a:chOff x="0" y="0"/>
+          <a:chExt cx="0" cy="0"/>
+        </a:xfrm>
+      </p:grpSpPr>
+      <p:sp>
+        <p:nvSpPr>
+          <p:cNvPr id="113" name="Google Shape;113;g14b1877d298_5_1:notes"/>
+          <p:cNvSpPr/>
+          <p:nvPr>
+            <p:ph idx="2" type="sldImg"/>
+          </p:nvPr>
+        </p:nvSpPr>
+        <p:spPr>
+          <a:xfrm>
+            <a:off x="381300" y="685800"/>
+            <a:ext cx="6096000" cy="3429000"/>
+          </a:xfrm>
+          <a:custGeom>
+            <a:rect b="b" l="l" r="r" t="t"/>
+            <a:pathLst>
+              <a:path extrusionOk="0" h="120000" w="120000">
+                <a:moveTo>
+                  <a:pt x="0" y="0"/>
+                </a:moveTo>
+                <a:lnTo>
+                  <a:pt x="120000" y="0"/>
+                </a:lnTo>
+                <a:lnTo>
+                  <a:pt x="120000" y="120000"/>
+                </a:lnTo>
+                <a:lnTo>
+                  <a:pt x="0" y="120000"/>
+                </a:lnTo>
+                <a:close/>
+              </a:path>
+            </a:pathLst>
+          </a:custGeom>
+        </p:spPr>
+      </p:sp>
+      <p:sp>
+        <p:nvSpPr>
+          <p:cNvPr id="114" name="Google Shape;114;g14b1877d298_5_1:notes"/>
+          <p:cNvSpPr txBox="1"/>
+          <p:nvPr>
+            <p:ph idx="1" type="body"/>
+          </p:nvPr>
+        </p:nvSpPr>
+        <p:spPr>
+          <a:xfrm>
+            <a:off x="685800" y="4343400"/>
+            <a:ext cx="5486400" cy="4114800"/>
+          </a:xfrm>
+          <a:prstGeom prst="rect">
+            <a:avLst/>
+          </a:prstGeom>
+        </p:spPr>
+        <p:txBody>
+          <a:bodyPr anchorCtr="0" anchor="t" bIns="91425" lIns="91425" spcFirstLastPara="1" rIns="91425" wrap="square" tIns="91425">
+            <a:noAutofit/>
+          </a:bodyPr>
+          <a:lstStyle/>
+          <a:p>
+            <a:pPr indent="0" lvl="0" marL="0" rtl="0" algn="l">
+              <a:spcBef>
+                <a:spcPts val="0"/>
+              </a:spcBef>
+              <a:spcAft>
+                <a:spcPts val="0"/>
+              </a:spcAft>
+              <a:buNone/>
+            </a:pPr>
+            <a:r>
+              <a:t/>
+            </a:r>
+            <a:endParaRPr/>
+          </a:p>
+        </p:txBody>
+      </p:sp>
+    </p:spTree>
+  </p:cSld>
+  <p:clrMapOvr>
+    <a:masterClrMapping/>
+  </p:clrMapOvr>
+</p:notes>
+</file>
+
+<file path=ppt/notesSlides/notesSlide9.xml><?xml version="1.0" encoding="utf-8"?>
+<p:notes xmlns:a="http://schemas.openxmlformats.org/drawingml/2006/main" xmlns:r="http://schemas.openxmlformats.org/officeDocument/2006/relationships" xmlns:mc="http://schemas.openxmlformats.org/markup-compatibility/2006" xmlns:mv="urn:schemas-microsoft-com:mac:vml" xmlns:p="http://schemas.openxmlformats.org/presentationml/2006/main" xmlns:c="http://schemas.openxmlformats.org/drawingml/2006/chart" xmlns:dgm="http://schemas.openxmlformats.org/drawingml/2006/diagram" xmlns:o="urn:schemas-microsoft-com:office:office" xmlns:v="urn:schemas-microsoft-com:vml" xmlns:pvml="urn:schemas-microsoft-com:office:powerpoint" xmlns:com="http://schemas.openxmlformats.org/drawingml/2006/compatibility" xmlns:p14="http://schemas.microsoft.com/office/powerpoint/2010/main" xmlns:p15="http://schemas.microsoft.com/office/powerpoint/2012/main" xmlns:ahyp="http://schemas.microsoft.com/office/drawing/2018/hyperlinkcolor" showMasterPhAnim="0" showMasterSp="0">
+  <p:cSld>
+    <p:spTree>
+      <p:nvGrpSpPr>
+        <p:cNvPr id="121" name="Shape 121"/>
+        <p:cNvGrpSpPr/>
+        <p:nvPr/>
+      </p:nvGrpSpPr>
+      <p:grpSpPr>
+        <a:xfrm>
+          <a:off x="0" y="0"/>
+          <a:ext cx="0" cy="0"/>
+          <a:chOff x="0" y="0"/>
+          <a:chExt cx="0" cy="0"/>
+        </a:xfrm>
+      </p:grpSpPr>
+      <p:sp>
+        <p:nvSpPr>
+          <p:cNvPr id="122" name="Google Shape;122;gfe93a794d9_0_9:notes"/>
+          <p:cNvSpPr/>
+          <p:nvPr>
+            <p:ph idx="2" type="sldImg"/>
+          </p:nvPr>
+        </p:nvSpPr>
+        <p:spPr>
+          <a:xfrm>
+            <a:off x="381300" y="685800"/>
+            <a:ext cx="6096000" cy="3429000"/>
+          </a:xfrm>
+          <a:custGeom>
+            <a:rect b="b" l="l" r="r" t="t"/>
+            <a:pathLst>
+              <a:path extrusionOk="0" h="120000" w="120000">
+                <a:moveTo>
+                  <a:pt x="0" y="0"/>
+                </a:moveTo>
+                <a:lnTo>
+                  <a:pt x="120000" y="0"/>
+                </a:lnTo>
+                <a:lnTo>
+                  <a:pt x="120000" y="120000"/>
+                </a:lnTo>
+                <a:lnTo>
+                  <a:pt x="0" y="120000"/>
+                </a:lnTo>
+                <a:close/>
+              </a:path>
+            </a:pathLst>
+          </a:custGeom>
+        </p:spPr>
+      </p:sp>
+      <p:sp>
+        <p:nvSpPr>
+          <p:cNvPr id="123" name="Google Shape;123;gfe93a794d9_0_9:notes"/>
           <p:cNvSpPr txBox="1"/>
           <p:nvPr>
             <p:ph idx="1" type="body"/>
@@ -2094,6 +3294,715 @@
             <a:lvl9pPr lvl="8">
               <a:buNone/>
               <a:defRPr/>
+            </a:lvl9pPr>
+          </a:lstStyle>
+          <a:p>
+            <a:pPr indent="0" lvl="0" marL="0" rtl="0" algn="r">
+              <a:spcBef>
+                <a:spcPts val="0"/>
+              </a:spcBef>
+              <a:spcAft>
+                <a:spcPts val="0"/>
+              </a:spcAft>
+              <a:buNone/>
+            </a:pPr>
+            <a:fld id="{00000000-1234-1234-1234-123412341234}" type="slidenum">
+              <a:rPr lang="en-GB"/>
+              <a:t>‹#›</a:t>
+            </a:fld>
+            <a:endParaRPr/>
+          </a:p>
+        </p:txBody>
+      </p:sp>
+    </p:spTree>
+  </p:cSld>
+  <p:clrMapOvr>
+    <a:masterClrMapping/>
+  </p:clrMapOvr>
+</p:sldLayout>
+</file>
+
+<file path=ppt/slideLayouts/slideLayout12.xml><?xml version="1.0" encoding="utf-8"?>
+<p:sldLayout xmlns:a="http://schemas.openxmlformats.org/drawingml/2006/main" xmlns:r="http://schemas.openxmlformats.org/officeDocument/2006/relationships" xmlns:mc="http://schemas.openxmlformats.org/markup-compatibility/2006" xmlns:mv="urn:schemas-microsoft-com:mac:vml" xmlns:p="http://schemas.openxmlformats.org/presentationml/2006/main" xmlns:c="http://schemas.openxmlformats.org/drawingml/2006/chart" xmlns:dgm="http://schemas.openxmlformats.org/drawingml/2006/diagram" xmlns:o="urn:schemas-microsoft-com:office:office" xmlns:v="urn:schemas-microsoft-com:vml" xmlns:pvml="urn:schemas-microsoft-com:office:powerpoint" xmlns:com="http://schemas.openxmlformats.org/drawingml/2006/compatibility" xmlns:p14="http://schemas.microsoft.com/office/powerpoint/2010/main" xmlns:p15="http://schemas.microsoft.com/office/powerpoint/2012/main" xmlns:ahyp="http://schemas.microsoft.com/office/drawing/2018/hyperlinkcolor" matchingName="Title and Content" type="obj">
+  <p:cSld name="OBJECT">
+    <p:spTree>
+      <p:nvGrpSpPr>
+        <p:cNvPr id="50" name="Shape 50"/>
+        <p:cNvGrpSpPr/>
+        <p:nvPr/>
+      </p:nvGrpSpPr>
+      <p:grpSpPr>
+        <a:xfrm>
+          <a:off x="0" y="0"/>
+          <a:ext cx="0" cy="0"/>
+          <a:chOff x="0" y="0"/>
+          <a:chExt cx="0" cy="0"/>
+        </a:xfrm>
+      </p:grpSpPr>
+      <p:sp>
+        <p:nvSpPr>
+          <p:cNvPr id="51" name="Google Shape;51;p13"/>
+          <p:cNvSpPr txBox="1"/>
+          <p:nvPr>
+            <p:ph type="title"/>
+          </p:nvPr>
+        </p:nvSpPr>
+        <p:spPr>
+          <a:xfrm>
+            <a:off x="628650" y="273844"/>
+            <a:ext cx="7886700" cy="994172"/>
+          </a:xfrm>
+          <a:prstGeom prst="rect">
+            <a:avLst/>
+          </a:prstGeom>
+          <a:noFill/>
+          <a:ln>
+            <a:noFill/>
+          </a:ln>
+        </p:spPr>
+        <p:txBody>
+          <a:bodyPr anchorCtr="0" anchor="ctr" bIns="34275" lIns="68575" spcFirstLastPara="1" rIns="68575" wrap="square" tIns="34275">
+            <a:normAutofit/>
+          </a:bodyPr>
+          <a:lstStyle>
+            <a:lvl1pPr lvl="0" algn="l">
+              <a:lnSpc>
+                <a:spcPct val="90000"/>
+              </a:lnSpc>
+              <a:spcBef>
+                <a:spcPts val="0"/>
+              </a:spcBef>
+              <a:spcAft>
+                <a:spcPts val="0"/>
+              </a:spcAft>
+              <a:buClr>
+                <a:schemeClr val="dk1"/>
+              </a:buClr>
+              <a:buSzPts val="1400"/>
+              <a:buNone/>
+              <a:defRPr sz="1100"/>
+            </a:lvl1pPr>
+            <a:lvl2pPr lvl="1">
+              <a:spcBef>
+                <a:spcPts val="0"/>
+              </a:spcBef>
+              <a:spcAft>
+                <a:spcPts val="0"/>
+              </a:spcAft>
+              <a:buSzPts val="1100"/>
+              <a:buNone/>
+              <a:defRPr sz="1100"/>
+            </a:lvl2pPr>
+            <a:lvl3pPr lvl="2">
+              <a:spcBef>
+                <a:spcPts val="0"/>
+              </a:spcBef>
+              <a:spcAft>
+                <a:spcPts val="0"/>
+              </a:spcAft>
+              <a:buSzPts val="1100"/>
+              <a:buNone/>
+              <a:defRPr sz="1100"/>
+            </a:lvl3pPr>
+            <a:lvl4pPr lvl="3">
+              <a:spcBef>
+                <a:spcPts val="0"/>
+              </a:spcBef>
+              <a:spcAft>
+                <a:spcPts val="0"/>
+              </a:spcAft>
+              <a:buSzPts val="1100"/>
+              <a:buNone/>
+              <a:defRPr sz="1100"/>
+            </a:lvl4pPr>
+            <a:lvl5pPr lvl="4">
+              <a:spcBef>
+                <a:spcPts val="0"/>
+              </a:spcBef>
+              <a:spcAft>
+                <a:spcPts val="0"/>
+              </a:spcAft>
+              <a:buSzPts val="1100"/>
+              <a:buNone/>
+              <a:defRPr sz="1100"/>
+            </a:lvl5pPr>
+            <a:lvl6pPr lvl="5">
+              <a:spcBef>
+                <a:spcPts val="0"/>
+              </a:spcBef>
+              <a:spcAft>
+                <a:spcPts val="0"/>
+              </a:spcAft>
+              <a:buSzPts val="1100"/>
+              <a:buNone/>
+              <a:defRPr sz="1100"/>
+            </a:lvl6pPr>
+            <a:lvl7pPr lvl="6">
+              <a:spcBef>
+                <a:spcPts val="0"/>
+              </a:spcBef>
+              <a:spcAft>
+                <a:spcPts val="0"/>
+              </a:spcAft>
+              <a:buSzPts val="1100"/>
+              <a:buNone/>
+              <a:defRPr sz="1100"/>
+            </a:lvl7pPr>
+            <a:lvl8pPr lvl="7">
+              <a:spcBef>
+                <a:spcPts val="0"/>
+              </a:spcBef>
+              <a:spcAft>
+                <a:spcPts val="0"/>
+              </a:spcAft>
+              <a:buSzPts val="1100"/>
+              <a:buNone/>
+              <a:defRPr sz="1100"/>
+            </a:lvl8pPr>
+            <a:lvl9pPr lvl="8">
+              <a:spcBef>
+                <a:spcPts val="0"/>
+              </a:spcBef>
+              <a:spcAft>
+                <a:spcPts val="0"/>
+              </a:spcAft>
+              <a:buSzPts val="1100"/>
+              <a:buNone/>
+              <a:defRPr sz="1100"/>
+            </a:lvl9pPr>
+          </a:lstStyle>
+          <a:p/>
+        </p:txBody>
+      </p:sp>
+      <p:sp>
+        <p:nvSpPr>
+          <p:cNvPr id="52" name="Google Shape;52;p13"/>
+          <p:cNvSpPr txBox="1"/>
+          <p:nvPr>
+            <p:ph idx="1" type="body"/>
+          </p:nvPr>
+        </p:nvSpPr>
+        <p:spPr>
+          <a:xfrm>
+            <a:off x="628650" y="1369219"/>
+            <a:ext cx="7886700" cy="3263504"/>
+          </a:xfrm>
+          <a:prstGeom prst="rect">
+            <a:avLst/>
+          </a:prstGeom>
+          <a:noFill/>
+          <a:ln>
+            <a:noFill/>
+          </a:ln>
+        </p:spPr>
+        <p:txBody>
+          <a:bodyPr anchorCtr="0" anchor="t" bIns="34275" lIns="68575" spcFirstLastPara="1" rIns="68575" wrap="square" tIns="34275">
+            <a:normAutofit/>
+          </a:bodyPr>
+          <a:lstStyle>
+            <a:lvl1pPr indent="-317500" lvl="0" marL="457200" algn="l">
+              <a:lnSpc>
+                <a:spcPct val="90000"/>
+              </a:lnSpc>
+              <a:spcBef>
+                <a:spcPts val="800"/>
+              </a:spcBef>
+              <a:spcAft>
+                <a:spcPts val="0"/>
+              </a:spcAft>
+              <a:buClr>
+                <a:schemeClr val="dk1"/>
+              </a:buClr>
+              <a:buSzPts val="1400"/>
+              <a:buChar char="●"/>
+              <a:defRPr sz="1100"/>
+            </a:lvl1pPr>
+            <a:lvl2pPr indent="-317500" lvl="1" marL="914400" algn="l">
+              <a:lnSpc>
+                <a:spcPct val="90000"/>
+              </a:lnSpc>
+              <a:spcBef>
+                <a:spcPts val="1200"/>
+              </a:spcBef>
+              <a:spcAft>
+                <a:spcPts val="0"/>
+              </a:spcAft>
+              <a:buClr>
+                <a:schemeClr val="dk1"/>
+              </a:buClr>
+              <a:buSzPts val="1400"/>
+              <a:buChar char="○"/>
+              <a:defRPr sz="1100"/>
+            </a:lvl2pPr>
+            <a:lvl3pPr indent="-317500" lvl="2" marL="1371600" algn="l">
+              <a:lnSpc>
+                <a:spcPct val="90000"/>
+              </a:lnSpc>
+              <a:spcBef>
+                <a:spcPts val="1200"/>
+              </a:spcBef>
+              <a:spcAft>
+                <a:spcPts val="0"/>
+              </a:spcAft>
+              <a:buClr>
+                <a:schemeClr val="dk1"/>
+              </a:buClr>
+              <a:buSzPts val="1400"/>
+              <a:buChar char="■"/>
+              <a:defRPr sz="1100"/>
+            </a:lvl3pPr>
+            <a:lvl4pPr indent="-317500" lvl="3" marL="1828800" algn="l">
+              <a:lnSpc>
+                <a:spcPct val="90000"/>
+              </a:lnSpc>
+              <a:spcBef>
+                <a:spcPts val="1200"/>
+              </a:spcBef>
+              <a:spcAft>
+                <a:spcPts val="0"/>
+              </a:spcAft>
+              <a:buClr>
+                <a:schemeClr val="dk1"/>
+              </a:buClr>
+              <a:buSzPts val="1400"/>
+              <a:buChar char="●"/>
+              <a:defRPr sz="1100"/>
+            </a:lvl4pPr>
+            <a:lvl5pPr indent="-317500" lvl="4" marL="2286000" algn="l">
+              <a:lnSpc>
+                <a:spcPct val="90000"/>
+              </a:lnSpc>
+              <a:spcBef>
+                <a:spcPts val="1200"/>
+              </a:spcBef>
+              <a:spcAft>
+                <a:spcPts val="0"/>
+              </a:spcAft>
+              <a:buClr>
+                <a:schemeClr val="dk1"/>
+              </a:buClr>
+              <a:buSzPts val="1400"/>
+              <a:buChar char="○"/>
+              <a:defRPr sz="1100"/>
+            </a:lvl5pPr>
+            <a:lvl6pPr indent="-317500" lvl="5" marL="2743200" algn="l">
+              <a:lnSpc>
+                <a:spcPct val="90000"/>
+              </a:lnSpc>
+              <a:spcBef>
+                <a:spcPts val="1200"/>
+              </a:spcBef>
+              <a:spcAft>
+                <a:spcPts val="0"/>
+              </a:spcAft>
+              <a:buClr>
+                <a:schemeClr val="dk1"/>
+              </a:buClr>
+              <a:buSzPts val="1400"/>
+              <a:buChar char="■"/>
+              <a:defRPr sz="1100"/>
+            </a:lvl6pPr>
+            <a:lvl7pPr indent="-317500" lvl="6" marL="3200400" algn="l">
+              <a:lnSpc>
+                <a:spcPct val="90000"/>
+              </a:lnSpc>
+              <a:spcBef>
+                <a:spcPts val="1200"/>
+              </a:spcBef>
+              <a:spcAft>
+                <a:spcPts val="0"/>
+              </a:spcAft>
+              <a:buClr>
+                <a:schemeClr val="dk1"/>
+              </a:buClr>
+              <a:buSzPts val="1400"/>
+              <a:buChar char="●"/>
+              <a:defRPr sz="1100"/>
+            </a:lvl7pPr>
+            <a:lvl8pPr indent="-317500" lvl="7" marL="3657600" algn="l">
+              <a:lnSpc>
+                <a:spcPct val="90000"/>
+              </a:lnSpc>
+              <a:spcBef>
+                <a:spcPts val="1200"/>
+              </a:spcBef>
+              <a:spcAft>
+                <a:spcPts val="0"/>
+              </a:spcAft>
+              <a:buClr>
+                <a:schemeClr val="dk1"/>
+              </a:buClr>
+              <a:buSzPts val="1400"/>
+              <a:buChar char="○"/>
+              <a:defRPr sz="1100"/>
+            </a:lvl8pPr>
+            <a:lvl9pPr indent="-317500" lvl="8" marL="4114800" algn="l">
+              <a:lnSpc>
+                <a:spcPct val="90000"/>
+              </a:lnSpc>
+              <a:spcBef>
+                <a:spcPts val="1200"/>
+              </a:spcBef>
+              <a:spcAft>
+                <a:spcPts val="1200"/>
+              </a:spcAft>
+              <a:buClr>
+                <a:schemeClr val="dk1"/>
+              </a:buClr>
+              <a:buSzPts val="1400"/>
+              <a:buChar char="■"/>
+              <a:defRPr sz="1100"/>
+            </a:lvl9pPr>
+          </a:lstStyle>
+          <a:p/>
+        </p:txBody>
+      </p:sp>
+      <p:sp>
+        <p:nvSpPr>
+          <p:cNvPr id="53" name="Google Shape;53;p13"/>
+          <p:cNvSpPr txBox="1"/>
+          <p:nvPr>
+            <p:ph idx="10" type="dt"/>
+          </p:nvPr>
+        </p:nvSpPr>
+        <p:spPr>
+          <a:xfrm>
+            <a:off x="628650" y="4767263"/>
+            <a:ext cx="2057400" cy="273844"/>
+          </a:xfrm>
+          <a:prstGeom prst="rect">
+            <a:avLst/>
+          </a:prstGeom>
+          <a:noFill/>
+          <a:ln>
+            <a:noFill/>
+          </a:ln>
+        </p:spPr>
+        <p:txBody>
+          <a:bodyPr anchorCtr="0" anchor="ctr" bIns="34275" lIns="68575" spcFirstLastPara="1" rIns="68575" wrap="square" tIns="34275">
+            <a:noAutofit/>
+          </a:bodyPr>
+          <a:lstStyle>
+            <a:lvl1pPr lvl="0" algn="l">
+              <a:spcBef>
+                <a:spcPts val="0"/>
+              </a:spcBef>
+              <a:spcAft>
+                <a:spcPts val="0"/>
+              </a:spcAft>
+              <a:buSzPts val="1100"/>
+              <a:buNone/>
+              <a:defRPr sz="1100"/>
+            </a:lvl1pPr>
+            <a:lvl2pPr lvl="1" algn="l">
+              <a:spcBef>
+                <a:spcPts val="0"/>
+              </a:spcBef>
+              <a:spcAft>
+                <a:spcPts val="0"/>
+              </a:spcAft>
+              <a:buSzPts val="1100"/>
+              <a:buNone/>
+              <a:defRPr sz="1100"/>
+            </a:lvl2pPr>
+            <a:lvl3pPr lvl="2" algn="l">
+              <a:spcBef>
+                <a:spcPts val="0"/>
+              </a:spcBef>
+              <a:spcAft>
+                <a:spcPts val="0"/>
+              </a:spcAft>
+              <a:buSzPts val="1100"/>
+              <a:buNone/>
+              <a:defRPr sz="1100"/>
+            </a:lvl3pPr>
+            <a:lvl4pPr lvl="3" algn="l">
+              <a:spcBef>
+                <a:spcPts val="0"/>
+              </a:spcBef>
+              <a:spcAft>
+                <a:spcPts val="0"/>
+              </a:spcAft>
+              <a:buSzPts val="1100"/>
+              <a:buNone/>
+              <a:defRPr sz="1100"/>
+            </a:lvl4pPr>
+            <a:lvl5pPr lvl="4" algn="l">
+              <a:spcBef>
+                <a:spcPts val="0"/>
+              </a:spcBef>
+              <a:spcAft>
+                <a:spcPts val="0"/>
+              </a:spcAft>
+              <a:buSzPts val="1100"/>
+              <a:buNone/>
+              <a:defRPr sz="1100"/>
+            </a:lvl5pPr>
+            <a:lvl6pPr lvl="5" algn="l">
+              <a:spcBef>
+                <a:spcPts val="0"/>
+              </a:spcBef>
+              <a:spcAft>
+                <a:spcPts val="0"/>
+              </a:spcAft>
+              <a:buSzPts val="1100"/>
+              <a:buNone/>
+              <a:defRPr sz="1100"/>
+            </a:lvl6pPr>
+            <a:lvl7pPr lvl="6" algn="l">
+              <a:spcBef>
+                <a:spcPts val="0"/>
+              </a:spcBef>
+              <a:spcAft>
+                <a:spcPts val="0"/>
+              </a:spcAft>
+              <a:buSzPts val="1100"/>
+              <a:buNone/>
+              <a:defRPr sz="1100"/>
+            </a:lvl7pPr>
+            <a:lvl8pPr lvl="7" algn="l">
+              <a:spcBef>
+                <a:spcPts val="0"/>
+              </a:spcBef>
+              <a:spcAft>
+                <a:spcPts val="0"/>
+              </a:spcAft>
+              <a:buSzPts val="1100"/>
+              <a:buNone/>
+              <a:defRPr sz="1100"/>
+            </a:lvl8pPr>
+            <a:lvl9pPr lvl="8" algn="l">
+              <a:spcBef>
+                <a:spcPts val="0"/>
+              </a:spcBef>
+              <a:spcAft>
+                <a:spcPts val="0"/>
+              </a:spcAft>
+              <a:buSzPts val="1100"/>
+              <a:buNone/>
+              <a:defRPr sz="1100"/>
+            </a:lvl9pPr>
+          </a:lstStyle>
+          <a:p/>
+        </p:txBody>
+      </p:sp>
+      <p:sp>
+        <p:nvSpPr>
+          <p:cNvPr id="54" name="Google Shape;54;p13"/>
+          <p:cNvSpPr txBox="1"/>
+          <p:nvPr>
+            <p:ph idx="11" type="ftr"/>
+          </p:nvPr>
+        </p:nvSpPr>
+        <p:spPr>
+          <a:xfrm>
+            <a:off x="3028950" y="4767263"/>
+            <a:ext cx="3086100" cy="273844"/>
+          </a:xfrm>
+          <a:prstGeom prst="rect">
+            <a:avLst/>
+          </a:prstGeom>
+          <a:noFill/>
+          <a:ln>
+            <a:noFill/>
+          </a:ln>
+        </p:spPr>
+        <p:txBody>
+          <a:bodyPr anchorCtr="0" anchor="ctr" bIns="34275" lIns="68575" spcFirstLastPara="1" rIns="68575" wrap="square" tIns="34275">
+            <a:noAutofit/>
+          </a:bodyPr>
+          <a:lstStyle>
+            <a:lvl1pPr lvl="0" algn="ctr">
+              <a:spcBef>
+                <a:spcPts val="0"/>
+              </a:spcBef>
+              <a:spcAft>
+                <a:spcPts val="0"/>
+              </a:spcAft>
+              <a:buSzPts val="1100"/>
+              <a:buNone/>
+              <a:defRPr sz="1100"/>
+            </a:lvl1pPr>
+            <a:lvl2pPr lvl="1" algn="l">
+              <a:spcBef>
+                <a:spcPts val="0"/>
+              </a:spcBef>
+              <a:spcAft>
+                <a:spcPts val="0"/>
+              </a:spcAft>
+              <a:buSzPts val="1100"/>
+              <a:buNone/>
+              <a:defRPr sz="1100"/>
+            </a:lvl2pPr>
+            <a:lvl3pPr lvl="2" algn="l">
+              <a:spcBef>
+                <a:spcPts val="0"/>
+              </a:spcBef>
+              <a:spcAft>
+                <a:spcPts val="0"/>
+              </a:spcAft>
+              <a:buSzPts val="1100"/>
+              <a:buNone/>
+              <a:defRPr sz="1100"/>
+            </a:lvl3pPr>
+            <a:lvl4pPr lvl="3" algn="l">
+              <a:spcBef>
+                <a:spcPts val="0"/>
+              </a:spcBef>
+              <a:spcAft>
+                <a:spcPts val="0"/>
+              </a:spcAft>
+              <a:buSzPts val="1100"/>
+              <a:buNone/>
+              <a:defRPr sz="1100"/>
+            </a:lvl4pPr>
+            <a:lvl5pPr lvl="4" algn="l">
+              <a:spcBef>
+                <a:spcPts val="0"/>
+              </a:spcBef>
+              <a:spcAft>
+                <a:spcPts val="0"/>
+              </a:spcAft>
+              <a:buSzPts val="1100"/>
+              <a:buNone/>
+              <a:defRPr sz="1100"/>
+            </a:lvl5pPr>
+            <a:lvl6pPr lvl="5" algn="l">
+              <a:spcBef>
+                <a:spcPts val="0"/>
+              </a:spcBef>
+              <a:spcAft>
+                <a:spcPts val="0"/>
+              </a:spcAft>
+              <a:buSzPts val="1100"/>
+              <a:buNone/>
+              <a:defRPr sz="1100"/>
+            </a:lvl6pPr>
+            <a:lvl7pPr lvl="6" algn="l">
+              <a:spcBef>
+                <a:spcPts val="0"/>
+              </a:spcBef>
+              <a:spcAft>
+                <a:spcPts val="0"/>
+              </a:spcAft>
+              <a:buSzPts val="1100"/>
+              <a:buNone/>
+              <a:defRPr sz="1100"/>
+            </a:lvl7pPr>
+            <a:lvl8pPr lvl="7" algn="l">
+              <a:spcBef>
+                <a:spcPts val="0"/>
+              </a:spcBef>
+              <a:spcAft>
+                <a:spcPts val="0"/>
+              </a:spcAft>
+              <a:buSzPts val="1100"/>
+              <a:buNone/>
+              <a:defRPr sz="1100"/>
+            </a:lvl8pPr>
+            <a:lvl9pPr lvl="8" algn="l">
+              <a:spcBef>
+                <a:spcPts val="0"/>
+              </a:spcBef>
+              <a:spcAft>
+                <a:spcPts val="0"/>
+              </a:spcAft>
+              <a:buSzPts val="1100"/>
+              <a:buNone/>
+              <a:defRPr sz="1100"/>
+            </a:lvl9pPr>
+          </a:lstStyle>
+          <a:p/>
+        </p:txBody>
+      </p:sp>
+      <p:sp>
+        <p:nvSpPr>
+          <p:cNvPr id="55" name="Google Shape;55;p13"/>
+          <p:cNvSpPr txBox="1"/>
+          <p:nvPr>
+            <p:ph idx="12" type="sldNum"/>
+          </p:nvPr>
+        </p:nvSpPr>
+        <p:spPr>
+          <a:xfrm>
+            <a:off x="6457950" y="4767263"/>
+            <a:ext cx="2057400" cy="273844"/>
+          </a:xfrm>
+          <a:prstGeom prst="rect">
+            <a:avLst/>
+          </a:prstGeom>
+          <a:noFill/>
+          <a:ln>
+            <a:noFill/>
+          </a:ln>
+        </p:spPr>
+        <p:txBody>
+          <a:bodyPr anchorCtr="0" anchor="ctr" bIns="34275" lIns="68575" spcFirstLastPara="1" rIns="68575" wrap="square" tIns="34275">
+            <a:normAutofit/>
+          </a:bodyPr>
+          <a:lstStyle>
+            <a:lvl1pPr indent="0" lvl="0" marL="0" algn="r">
+              <a:spcBef>
+                <a:spcPts val="0"/>
+              </a:spcBef>
+              <a:buNone/>
+              <a:defRPr sz="1100"/>
+            </a:lvl1pPr>
+            <a:lvl2pPr indent="0" lvl="1" marL="0" algn="r">
+              <a:spcBef>
+                <a:spcPts val="0"/>
+              </a:spcBef>
+              <a:buNone/>
+              <a:defRPr sz="1100"/>
+            </a:lvl2pPr>
+            <a:lvl3pPr indent="0" lvl="2" marL="0" algn="r">
+              <a:spcBef>
+                <a:spcPts val="0"/>
+              </a:spcBef>
+              <a:buNone/>
+              <a:defRPr sz="1100"/>
+            </a:lvl3pPr>
+            <a:lvl4pPr indent="0" lvl="3" marL="0" algn="r">
+              <a:spcBef>
+                <a:spcPts val="0"/>
+              </a:spcBef>
+              <a:buNone/>
+              <a:defRPr sz="1100"/>
+            </a:lvl4pPr>
+            <a:lvl5pPr indent="0" lvl="4" marL="0" algn="r">
+              <a:spcBef>
+                <a:spcPts val="0"/>
+              </a:spcBef>
+              <a:buNone/>
+              <a:defRPr sz="1100"/>
+            </a:lvl5pPr>
+            <a:lvl6pPr indent="0" lvl="5" marL="0" algn="r">
+              <a:spcBef>
+                <a:spcPts val="0"/>
+              </a:spcBef>
+              <a:buNone/>
+              <a:defRPr sz="1100"/>
+            </a:lvl6pPr>
+            <a:lvl7pPr indent="0" lvl="6" marL="0" algn="r">
+              <a:spcBef>
+                <a:spcPts val="0"/>
+              </a:spcBef>
+              <a:buNone/>
+              <a:defRPr sz="1100"/>
+            </a:lvl7pPr>
+            <a:lvl8pPr indent="0" lvl="7" marL="0" algn="r">
+              <a:spcBef>
+                <a:spcPts val="0"/>
+              </a:spcBef>
+              <a:buNone/>
+              <a:defRPr sz="1100"/>
+            </a:lvl8pPr>
+            <a:lvl9pPr indent="0" lvl="8" marL="0" algn="r">
+              <a:spcBef>
+                <a:spcPts val="0"/>
+              </a:spcBef>
+              <a:buNone/>
+              <a:defRPr sz="1100"/>
             </a:lvl9pPr>
           </a:lstStyle>
           <a:p>
@@ -5240,6 +7149,7 @@
     <p:sldLayoutId id="2147483656" r:id="rId9"/>
     <p:sldLayoutId id="2147483657" r:id="rId10"/>
     <p:sldLayoutId id="2147483658" r:id="rId11"/>
+    <p:sldLayoutId id="2147483659" r:id="rId12"/>
   </p:sldLayoutIdLst>
   <p:hf dt="0" ftr="0" hdr="0" sldNum="0"/>
   <p:txStyles>
@@ -5939,7 +7849,7 @@
   <p:cSld>
     <p:spTree>
       <p:nvGrpSpPr>
-        <p:cNvPr id="53" name="Shape 53"/>
+        <p:cNvPr id="59" name="Shape 59"/>
         <p:cNvGrpSpPr/>
         <p:nvPr/>
       </p:nvGrpSpPr>
@@ -5953,7 +7863,7 @@
       </p:grpSpPr>
       <p:sp>
         <p:nvSpPr>
-          <p:cNvPr id="54" name="Google Shape;54;p13"/>
+          <p:cNvPr id="60" name="Google Shape;60;p14"/>
           <p:cNvSpPr txBox="1"/>
           <p:nvPr>
             <p:ph type="ctrTitle"/>
@@ -6013,7 +7923,7 @@
       </p:sp>
       <p:sp>
         <p:nvSpPr>
-          <p:cNvPr id="55" name="Google Shape;55;p13"/>
+          <p:cNvPr id="61" name="Google Shape;61;p14"/>
           <p:cNvSpPr txBox="1"/>
           <p:nvPr>
             <p:ph idx="1" type="subTitle"/>
@@ -6103,12 +8013,12 @@
 </p:sld>
 </file>
 
-<file path=ppt/slides/slide2.xml><?xml version="1.0" encoding="utf-8"?>
+<file path=ppt/slides/slide10.xml><?xml version="1.0" encoding="utf-8"?>
 <p:sld xmlns:a="http://schemas.openxmlformats.org/drawingml/2006/main" xmlns:r="http://schemas.openxmlformats.org/officeDocument/2006/relationships" xmlns:mc="http://schemas.openxmlformats.org/markup-compatibility/2006" xmlns:mv="urn:schemas-microsoft-com:mac:vml" xmlns:p="http://schemas.openxmlformats.org/presentationml/2006/main" xmlns:c="http://schemas.openxmlformats.org/drawingml/2006/chart" xmlns:dgm="http://schemas.openxmlformats.org/drawingml/2006/diagram" xmlns:o="urn:schemas-microsoft-com:office:office" xmlns:v="urn:schemas-microsoft-com:vml" xmlns:pvml="urn:schemas-microsoft-com:office:powerpoint" xmlns:com="http://schemas.openxmlformats.org/drawingml/2006/compatibility" xmlns:p14="http://schemas.microsoft.com/office/powerpoint/2010/main" xmlns:p15="http://schemas.microsoft.com/office/powerpoint/2012/main" xmlns:ahyp="http://schemas.microsoft.com/office/drawing/2018/hyperlinkcolor">
   <p:cSld>
     <p:spTree>
       <p:nvGrpSpPr>
-        <p:cNvPr id="59" name="Shape 59"/>
+        <p:cNvPr id="135" name="Shape 135"/>
         <p:cNvGrpSpPr/>
         <p:nvPr/>
       </p:nvGrpSpPr>
@@ -6122,7 +8032,1463 @@
       </p:grpSpPr>
       <p:sp>
         <p:nvSpPr>
-          <p:cNvPr id="60" name="Google Shape;60;p14"/>
+          <p:cNvPr id="136" name="Google Shape;136;p23"/>
+          <p:cNvSpPr txBox="1"/>
+          <p:nvPr>
+            <p:ph idx="1" type="body"/>
+          </p:nvPr>
+        </p:nvSpPr>
+        <p:spPr>
+          <a:xfrm>
+            <a:off x="311700" y="94750"/>
+            <a:ext cx="8520600" cy="1558200"/>
+          </a:xfrm>
+          <a:prstGeom prst="rect">
+            <a:avLst/>
+          </a:prstGeom>
+        </p:spPr>
+        <p:txBody>
+          <a:bodyPr anchorCtr="0" anchor="t" bIns="91425" lIns="91425" spcFirstLastPara="1" rIns="91425" wrap="square" tIns="91425">
+            <a:normAutofit/>
+          </a:bodyPr>
+          <a:lstStyle/>
+          <a:p>
+            <a:pPr indent="0" lvl="0" marL="0" rtl="0" algn="l">
+              <a:spcBef>
+                <a:spcPts val="0"/>
+              </a:spcBef>
+              <a:spcAft>
+                <a:spcPts val="1200"/>
+              </a:spcAft>
+              <a:buNone/>
+            </a:pPr>
+            <a:r>
+              <a:rPr lang="en-GB">
+                <a:solidFill>
+                  <a:schemeClr val="dk1"/>
+                </a:solidFill>
+                <a:latin typeface="Times New Roman"/>
+                <a:ea typeface="Times New Roman"/>
+                <a:cs typeface="Times New Roman"/>
+                <a:sym typeface="Times New Roman"/>
+              </a:rPr>
+              <a:t>Сигнальными событиями считаются те, в которых был найден кандидат в </a:t>
+            </a:r>
+            <a:r>
+              <a:rPr lang="en-GB">
+                <a:solidFill>
+                  <a:schemeClr val="dk1"/>
+                </a:solidFill>
+                <a:latin typeface="Times New Roman"/>
+                <a:ea typeface="Times New Roman"/>
+                <a:cs typeface="Times New Roman"/>
+                <a:sym typeface="Times New Roman"/>
+              </a:rPr>
+              <a:t>      </a:t>
+            </a:r>
+            <a:r>
+              <a:rPr lang="en-GB">
+                <a:solidFill>
+                  <a:schemeClr val="dk1"/>
+                </a:solidFill>
+                <a:latin typeface="Times New Roman"/>
+                <a:ea typeface="Times New Roman"/>
+                <a:cs typeface="Times New Roman"/>
+                <a:sym typeface="Times New Roman"/>
+              </a:rPr>
+              <a:t>и есть непривязанный кластер </a:t>
+            </a:r>
+            <a:r>
+              <a:rPr lang="en-GB">
+                <a:solidFill>
+                  <a:schemeClr val="dk1"/>
+                </a:solidFill>
+                <a:latin typeface="Times New Roman"/>
+                <a:ea typeface="Times New Roman"/>
+                <a:cs typeface="Times New Roman"/>
+                <a:sym typeface="Times New Roman"/>
+              </a:rPr>
+              <a:t>с энерговыделением &gt; 40 </a:t>
+            </a:r>
+            <a:r>
+              <a:rPr lang="en-GB">
+                <a:solidFill>
+                  <a:schemeClr val="dk1"/>
+                </a:solidFill>
+                <a:latin typeface="Times New Roman"/>
+                <a:ea typeface="Times New Roman"/>
+                <a:cs typeface="Times New Roman"/>
+                <a:sym typeface="Times New Roman"/>
+              </a:rPr>
+              <a:t>MeV</a:t>
+            </a:r>
+            <a:r>
+              <a:rPr lang="en-GB">
+                <a:solidFill>
+                  <a:schemeClr val="dk1"/>
+                </a:solidFill>
+                <a:latin typeface="Times New Roman"/>
+                <a:ea typeface="Times New Roman"/>
+                <a:cs typeface="Times New Roman"/>
+                <a:sym typeface="Times New Roman"/>
+              </a:rPr>
+              <a:t> такой, что углы между импульсом кандидата в      и направлением на кластер из точки рождения:  </a:t>
+            </a:r>
+            <a:endParaRPr>
+              <a:solidFill>
+                <a:schemeClr val="dk1"/>
+              </a:solidFill>
+              <a:latin typeface="Times New Roman"/>
+              <a:ea typeface="Times New Roman"/>
+              <a:cs typeface="Times New Roman"/>
+              <a:sym typeface="Times New Roman"/>
+            </a:endParaRPr>
+          </a:p>
+        </p:txBody>
+      </p:sp>
+      <p:pic>
+        <p:nvPicPr>
+          <p:cNvPr descr="{&quot;text&quot;:&quot;K^0_S&quot;,&quot;height&quot;:100,&quot;color&quot;:&quot;#000000&quot;,&quot;mathType&quot;:&quot;LaTEX&quot;}" id="137" name="Google Shape;137;p23" title="Math_Equation_Generated"/>
+          <p:cNvPicPr preferRelativeResize="0"/>
+          <p:nvPr/>
+        </p:nvPicPr>
+        <p:blipFill>
+          <a:blip r:embed="rId3">
+            <a:alphaModFix/>
+          </a:blip>
+          <a:stretch>
+            <a:fillRect/>
+          </a:stretch>
+        </p:blipFill>
+        <p:spPr>
+          <a:xfrm>
+            <a:off x="2696200" y="853600"/>
+            <a:ext cx="271850" cy="232351"/>
+          </a:xfrm>
+          <a:prstGeom prst="rect">
+            <a:avLst/>
+          </a:prstGeom>
+          <a:noFill/>
+          <a:ln>
+            <a:noFill/>
+          </a:ln>
+        </p:spPr>
+      </p:pic>
+      <p:pic>
+        <p:nvPicPr>
+          <p:cNvPr descr="{&quot;text&quot;:&quot;K^0_S&quot;,&quot;height&quot;:100,&quot;color&quot;:&quot;#000000&quot;,&quot;mathType&quot;:&quot;LaTEX&quot;}" id="138" name="Google Shape;138;p23" title="Math_Equation_Generated"/>
+          <p:cNvPicPr preferRelativeResize="0"/>
+          <p:nvPr/>
+        </p:nvPicPr>
+        <p:blipFill>
+          <a:blip r:embed="rId3">
+            <a:alphaModFix/>
+          </a:blip>
+          <a:stretch>
+            <a:fillRect/>
+          </a:stretch>
+        </p:blipFill>
+        <p:spPr>
+          <a:xfrm>
+            <a:off x="7644550" y="223050"/>
+            <a:ext cx="271850" cy="232350"/>
+          </a:xfrm>
+          <a:prstGeom prst="rect">
+            <a:avLst/>
+          </a:prstGeom>
+          <a:noFill/>
+          <a:ln>
+            <a:noFill/>
+          </a:ln>
+        </p:spPr>
+      </p:pic>
+      <p:pic>
+        <p:nvPicPr>
+          <p:cNvPr descr="{&quot;color&quot;:&quot;#000000&quot;,&quot;height&quot;:36,&quot;text&quot;:&quot;|\\Delta\\phi - \\pi| &lt; 1, |\\Delta\\theta|&lt; 0.3.&quot;,&quot;mathType&quot;:&quot;LaTEX&quot;}" id="139" name="Google Shape;139;p23" title="Math_Equation_Generated"/>
+          <p:cNvPicPr preferRelativeResize="0"/>
+          <p:nvPr/>
+        </p:nvPicPr>
+        <p:blipFill>
+          <a:blip r:embed="rId4">
+            <a:alphaModFix/>
+          </a:blip>
+          <a:stretch>
+            <a:fillRect/>
+          </a:stretch>
+        </p:blipFill>
+        <p:spPr>
+          <a:xfrm>
+            <a:off x="410625" y="1129450"/>
+            <a:ext cx="2470150" cy="228600"/>
+          </a:xfrm>
+          <a:prstGeom prst="rect">
+            <a:avLst/>
+          </a:prstGeom>
+          <a:noFill/>
+          <a:ln>
+            <a:noFill/>
+          </a:ln>
+        </p:spPr>
+      </p:pic>
+      <p:pic>
+        <p:nvPicPr>
+          <p:cNvPr id="140" name="Google Shape;140;p23"/>
+          <p:cNvPicPr preferRelativeResize="0"/>
+          <p:nvPr/>
+        </p:nvPicPr>
+        <p:blipFill>
+          <a:blip r:embed="rId5">
+            <a:alphaModFix/>
+          </a:blip>
+          <a:stretch>
+            <a:fillRect/>
+          </a:stretch>
+        </p:blipFill>
+        <p:spPr>
+          <a:xfrm>
+            <a:off x="1069213" y="1500875"/>
+            <a:ext cx="7005574" cy="3517724"/>
+          </a:xfrm>
+          <a:prstGeom prst="rect">
+            <a:avLst/>
+          </a:prstGeom>
+          <a:noFill/>
+          <a:ln>
+            <a:noFill/>
+          </a:ln>
+        </p:spPr>
+      </p:pic>
+    </p:spTree>
+  </p:cSld>
+  <p:clrMapOvr>
+    <a:masterClrMapping/>
+  </p:clrMapOvr>
+</p:sld>
+</file>
+
+<file path=ppt/slides/slide11.xml><?xml version="1.0" encoding="utf-8"?>
+<p:sld xmlns:a="http://schemas.openxmlformats.org/drawingml/2006/main" xmlns:r="http://schemas.openxmlformats.org/officeDocument/2006/relationships" xmlns:mc="http://schemas.openxmlformats.org/markup-compatibility/2006" xmlns:mv="urn:schemas-microsoft-com:mac:vml" xmlns:p="http://schemas.openxmlformats.org/presentationml/2006/main" xmlns:c="http://schemas.openxmlformats.org/drawingml/2006/chart" xmlns:dgm="http://schemas.openxmlformats.org/drawingml/2006/diagram" xmlns:o="urn:schemas-microsoft-com:office:office" xmlns:v="urn:schemas-microsoft-com:vml" xmlns:pvml="urn:schemas-microsoft-com:office:powerpoint" xmlns:com="http://schemas.openxmlformats.org/drawingml/2006/compatibility" xmlns:p14="http://schemas.microsoft.com/office/powerpoint/2010/main" xmlns:p15="http://schemas.microsoft.com/office/powerpoint/2012/main" xmlns:ahyp="http://schemas.microsoft.com/office/drawing/2018/hyperlinkcolor">
+  <p:cSld>
+    <p:spTree>
+      <p:nvGrpSpPr>
+        <p:cNvPr id="144" name="Shape 144"/>
+        <p:cNvGrpSpPr/>
+        <p:nvPr/>
+      </p:nvGrpSpPr>
+      <p:grpSpPr>
+        <a:xfrm>
+          <a:off x="0" y="0"/>
+          <a:ext cx="0" cy="0"/>
+          <a:chOff x="0" y="0"/>
+          <a:chExt cx="0" cy="0"/>
+        </a:xfrm>
+      </p:grpSpPr>
+      <p:pic>
+        <p:nvPicPr>
+          <p:cNvPr id="145" name="Google Shape;145;p24"/>
+          <p:cNvPicPr preferRelativeResize="0"/>
+          <p:nvPr/>
+        </p:nvPicPr>
+        <p:blipFill>
+          <a:blip r:embed="rId3">
+            <a:alphaModFix/>
+          </a:blip>
+          <a:stretch>
+            <a:fillRect/>
+          </a:stretch>
+        </p:blipFill>
+        <p:spPr>
+          <a:xfrm>
+            <a:off x="75513" y="337600"/>
+            <a:ext cx="8992976" cy="4468299"/>
+          </a:xfrm>
+          <a:prstGeom prst="rect">
+            <a:avLst/>
+          </a:prstGeom>
+          <a:noFill/>
+          <a:ln>
+            <a:noFill/>
+          </a:ln>
+        </p:spPr>
+      </p:pic>
+    </p:spTree>
+  </p:cSld>
+  <p:clrMapOvr>
+    <a:masterClrMapping/>
+  </p:clrMapOvr>
+</p:sld>
+</file>
+
+<file path=ppt/slides/slide12.xml><?xml version="1.0" encoding="utf-8"?>
+<p:sld xmlns:a="http://schemas.openxmlformats.org/drawingml/2006/main" xmlns:r="http://schemas.openxmlformats.org/officeDocument/2006/relationships" xmlns:mc="http://schemas.openxmlformats.org/markup-compatibility/2006" xmlns:mv="urn:schemas-microsoft-com:mac:vml" xmlns:p="http://schemas.openxmlformats.org/presentationml/2006/main" xmlns:c="http://schemas.openxmlformats.org/drawingml/2006/chart" xmlns:dgm="http://schemas.openxmlformats.org/drawingml/2006/diagram" xmlns:o="urn:schemas-microsoft-com:office:office" xmlns:v="urn:schemas-microsoft-com:vml" xmlns:pvml="urn:schemas-microsoft-com:office:powerpoint" xmlns:com="http://schemas.openxmlformats.org/drawingml/2006/compatibility" xmlns:p14="http://schemas.microsoft.com/office/powerpoint/2010/main" xmlns:p15="http://schemas.microsoft.com/office/powerpoint/2012/main" xmlns:ahyp="http://schemas.microsoft.com/office/drawing/2018/hyperlinkcolor">
+  <p:cSld>
+    <p:spTree>
+      <p:nvGrpSpPr>
+        <p:cNvPr id="149" name="Shape 149"/>
+        <p:cNvGrpSpPr/>
+        <p:nvPr/>
+      </p:nvGrpSpPr>
+      <p:grpSpPr>
+        <a:xfrm>
+          <a:off x="0" y="0"/>
+          <a:ext cx="0" cy="0"/>
+          <a:chOff x="0" y="0"/>
+          <a:chExt cx="0" cy="0"/>
+        </a:xfrm>
+      </p:grpSpPr>
+      <p:pic>
+        <p:nvPicPr>
+          <p:cNvPr descr="{&quot;color&quot;:&quot;#000000&quot;,&quot;text&quot;:&quot;\\epsilon_{MC}\\cong14\\%&quot;,&quot;mathType&quot;:&quot;LaTEX&quot;,&quot;height&quot;:100}" id="150" name="Google Shape;150;p25" title="Math_Equation_Generated"/>
+          <p:cNvPicPr preferRelativeResize="0"/>
+          <p:nvPr/>
+        </p:nvPicPr>
+        <p:blipFill>
+          <a:blip r:embed="rId3">
+            <a:alphaModFix/>
+          </a:blip>
+          <a:stretch>
+            <a:fillRect/>
+          </a:stretch>
+        </p:blipFill>
+        <p:spPr>
+          <a:xfrm>
+            <a:off x="4809300" y="902550"/>
+            <a:ext cx="2370550" cy="439800"/>
+          </a:xfrm>
+          <a:prstGeom prst="rect">
+            <a:avLst/>
+          </a:prstGeom>
+          <a:noFill/>
+          <a:ln>
+            <a:noFill/>
+          </a:ln>
+        </p:spPr>
+      </p:pic>
+      <p:pic>
+        <p:nvPicPr>
+          <p:cNvPr id="151" name="Google Shape;151;p25"/>
+          <p:cNvPicPr preferRelativeResize="0"/>
+          <p:nvPr/>
+        </p:nvPicPr>
+        <p:blipFill>
+          <a:blip r:embed="rId4">
+            <a:alphaModFix/>
+          </a:blip>
+          <a:stretch>
+            <a:fillRect/>
+          </a:stretch>
+        </p:blipFill>
+        <p:spPr>
+          <a:xfrm>
+            <a:off x="76125" y="97850"/>
+            <a:ext cx="4643124" cy="2315100"/>
+          </a:xfrm>
+          <a:prstGeom prst="rect">
+            <a:avLst/>
+          </a:prstGeom>
+          <a:noFill/>
+          <a:ln>
+            <a:noFill/>
+          </a:ln>
+        </p:spPr>
+      </p:pic>
+      <p:sp>
+        <p:nvSpPr>
+          <p:cNvPr id="152" name="Google Shape;152;p25"/>
+          <p:cNvSpPr txBox="1"/>
+          <p:nvPr/>
+        </p:nvSpPr>
+        <p:spPr>
+          <a:xfrm>
+            <a:off x="4809300" y="281600"/>
+            <a:ext cx="3381900" cy="461700"/>
+          </a:xfrm>
+          <a:prstGeom prst="rect">
+            <a:avLst/>
+          </a:prstGeom>
+          <a:noFill/>
+          <a:ln>
+            <a:noFill/>
+          </a:ln>
+        </p:spPr>
+        <p:txBody>
+          <a:bodyPr anchorCtr="0" anchor="t" bIns="91425" lIns="91425" spcFirstLastPara="1" rIns="91425" wrap="square" tIns="91425">
+            <a:spAutoFit/>
+          </a:bodyPr>
+          <a:lstStyle/>
+          <a:p>
+            <a:pPr indent="0" lvl="0" marL="0" rtl="0" algn="l">
+              <a:spcBef>
+                <a:spcPts val="0"/>
+              </a:spcBef>
+              <a:spcAft>
+                <a:spcPts val="0"/>
+              </a:spcAft>
+              <a:buNone/>
+            </a:pPr>
+            <a:r>
+              <a:rPr lang="en-GB" sz="1800">
+                <a:solidFill>
+                  <a:schemeClr val="dk1"/>
+                </a:solidFill>
+                <a:latin typeface="Times New Roman"/>
+                <a:ea typeface="Times New Roman"/>
+                <a:cs typeface="Times New Roman"/>
+                <a:sym typeface="Times New Roman"/>
+              </a:rPr>
+              <a:t>Моделирование E</a:t>
+            </a:r>
+            <a:r>
+              <a:rPr baseline="-25000" lang="en-GB" sz="1800">
+                <a:solidFill>
+                  <a:schemeClr val="dk1"/>
+                </a:solidFill>
+                <a:latin typeface="Times New Roman"/>
+                <a:ea typeface="Times New Roman"/>
+                <a:cs typeface="Times New Roman"/>
+                <a:sym typeface="Times New Roman"/>
+              </a:rPr>
+              <a:t>beam</a:t>
+            </a:r>
+            <a:r>
+              <a:rPr lang="en-GB" sz="1800">
+                <a:solidFill>
+                  <a:schemeClr val="dk1"/>
+                </a:solidFill>
+                <a:latin typeface="Times New Roman"/>
+                <a:ea typeface="Times New Roman"/>
+                <a:cs typeface="Times New Roman"/>
+                <a:sym typeface="Times New Roman"/>
+              </a:rPr>
+              <a:t>= 509 MeV</a:t>
+            </a:r>
+            <a:endParaRPr sz="1800">
+              <a:solidFill>
+                <a:schemeClr val="dk1"/>
+              </a:solidFill>
+              <a:latin typeface="Times New Roman"/>
+              <a:ea typeface="Times New Roman"/>
+              <a:cs typeface="Times New Roman"/>
+              <a:sym typeface="Times New Roman"/>
+            </a:endParaRPr>
+          </a:p>
+        </p:txBody>
+      </p:sp>
+      <p:pic>
+        <p:nvPicPr>
+          <p:cNvPr id="153" name="Google Shape;153;p25"/>
+          <p:cNvPicPr preferRelativeResize="0"/>
+          <p:nvPr/>
+        </p:nvPicPr>
+        <p:blipFill>
+          <a:blip r:embed="rId5">
+            <a:alphaModFix/>
+          </a:blip>
+          <a:stretch>
+            <a:fillRect/>
+          </a:stretch>
+        </p:blipFill>
+        <p:spPr>
+          <a:xfrm>
+            <a:off x="4012202" y="2571750"/>
+            <a:ext cx="4976099" cy="2423550"/>
+          </a:xfrm>
+          <a:prstGeom prst="rect">
+            <a:avLst/>
+          </a:prstGeom>
+          <a:noFill/>
+          <a:ln>
+            <a:noFill/>
+          </a:ln>
+        </p:spPr>
+      </p:pic>
+      <p:sp>
+        <p:nvSpPr>
+          <p:cNvPr id="154" name="Google Shape;154;p25"/>
+          <p:cNvSpPr txBox="1"/>
+          <p:nvPr/>
+        </p:nvSpPr>
+        <p:spPr>
+          <a:xfrm>
+            <a:off x="396475" y="3837650"/>
+            <a:ext cx="3724800" cy="738900"/>
+          </a:xfrm>
+          <a:prstGeom prst="rect">
+            <a:avLst/>
+          </a:prstGeom>
+          <a:noFill/>
+          <a:ln>
+            <a:noFill/>
+          </a:ln>
+        </p:spPr>
+        <p:txBody>
+          <a:bodyPr anchorCtr="0" anchor="t" bIns="91425" lIns="91425" spcFirstLastPara="1" rIns="91425" wrap="square" tIns="91425">
+            <a:spAutoFit/>
+          </a:bodyPr>
+          <a:lstStyle/>
+          <a:p>
+            <a:pPr indent="0" lvl="0" marL="0" rtl="0" algn="l">
+              <a:spcBef>
+                <a:spcPts val="0"/>
+              </a:spcBef>
+              <a:spcAft>
+                <a:spcPts val="0"/>
+              </a:spcAft>
+              <a:buNone/>
+            </a:pPr>
+            <a:r>
+              <a:rPr lang="en-GB" sz="1800">
+                <a:solidFill>
+                  <a:schemeClr val="dk1"/>
+                </a:solidFill>
+                <a:latin typeface="Times New Roman"/>
+                <a:ea typeface="Times New Roman"/>
+                <a:cs typeface="Times New Roman"/>
+                <a:sym typeface="Times New Roman"/>
+              </a:rPr>
+              <a:t>Эксперимент </a:t>
+            </a:r>
+            <a:r>
+              <a:rPr lang="en-GB" sz="1800">
+                <a:solidFill>
+                  <a:schemeClr val="dk1"/>
+                </a:solidFill>
+                <a:latin typeface="Times New Roman"/>
+                <a:ea typeface="Times New Roman"/>
+                <a:cs typeface="Times New Roman"/>
+                <a:sym typeface="Times New Roman"/>
+              </a:rPr>
+              <a:t>E</a:t>
+            </a:r>
+            <a:r>
+              <a:rPr baseline="-25000" lang="en-GB" sz="1800">
+                <a:solidFill>
+                  <a:schemeClr val="dk1"/>
+                </a:solidFill>
+                <a:latin typeface="Times New Roman"/>
+                <a:ea typeface="Times New Roman"/>
+                <a:cs typeface="Times New Roman"/>
+                <a:sym typeface="Times New Roman"/>
+              </a:rPr>
+              <a:t>beam</a:t>
+            </a:r>
+            <a:r>
+              <a:rPr lang="en-GB" sz="1800">
+                <a:solidFill>
+                  <a:schemeClr val="dk1"/>
+                </a:solidFill>
+                <a:latin typeface="Times New Roman"/>
+                <a:ea typeface="Times New Roman"/>
+                <a:cs typeface="Times New Roman"/>
+                <a:sym typeface="Times New Roman"/>
+              </a:rPr>
+              <a:t>= 509.5 MeV</a:t>
+            </a:r>
+            <a:endParaRPr sz="1800">
+              <a:solidFill>
+                <a:schemeClr val="dk1"/>
+              </a:solidFill>
+              <a:latin typeface="Times New Roman"/>
+              <a:ea typeface="Times New Roman"/>
+              <a:cs typeface="Times New Roman"/>
+              <a:sym typeface="Times New Roman"/>
+            </a:endParaRPr>
+          </a:p>
+          <a:p>
+            <a:pPr indent="0" lvl="0" marL="0" rtl="0" algn="l">
+              <a:spcBef>
+                <a:spcPts val="0"/>
+              </a:spcBef>
+              <a:spcAft>
+                <a:spcPts val="0"/>
+              </a:spcAft>
+              <a:buNone/>
+            </a:pPr>
+            <a:r>
+              <a:rPr lang="en-GB" sz="1800">
+                <a:solidFill>
+                  <a:schemeClr val="dk1"/>
+                </a:solidFill>
+                <a:latin typeface="Times New Roman"/>
+                <a:ea typeface="Times New Roman"/>
+                <a:cs typeface="Times New Roman"/>
+                <a:sym typeface="Times New Roman"/>
+              </a:rPr>
+              <a:t>Отобрано</a:t>
+            </a:r>
+            <a:r>
+              <a:rPr lang="en-GB" sz="1800">
+                <a:solidFill>
+                  <a:schemeClr val="dk1"/>
+                </a:solidFill>
+                <a:latin typeface="Times New Roman"/>
+                <a:ea typeface="Times New Roman"/>
+                <a:cs typeface="Times New Roman"/>
+                <a:sym typeface="Times New Roman"/>
+              </a:rPr>
+              <a:t> ~200k событий</a:t>
+            </a:r>
+            <a:endParaRPr sz="1800">
+              <a:solidFill>
+                <a:schemeClr val="dk1"/>
+              </a:solidFill>
+              <a:latin typeface="Times New Roman"/>
+              <a:ea typeface="Times New Roman"/>
+              <a:cs typeface="Times New Roman"/>
+              <a:sym typeface="Times New Roman"/>
+            </a:endParaRPr>
+          </a:p>
+        </p:txBody>
+      </p:sp>
+    </p:spTree>
+  </p:cSld>
+  <p:clrMapOvr>
+    <a:masterClrMapping/>
+  </p:clrMapOvr>
+</p:sld>
+</file>
+
+<file path=ppt/slides/slide13.xml><?xml version="1.0" encoding="utf-8"?>
+<p:sld xmlns:a="http://schemas.openxmlformats.org/drawingml/2006/main" xmlns:r="http://schemas.openxmlformats.org/officeDocument/2006/relationships" xmlns:mc="http://schemas.openxmlformats.org/markup-compatibility/2006" xmlns:mv="urn:schemas-microsoft-com:mac:vml" xmlns:p="http://schemas.openxmlformats.org/presentationml/2006/main" xmlns:c="http://schemas.openxmlformats.org/drawingml/2006/chart" xmlns:dgm="http://schemas.openxmlformats.org/drawingml/2006/diagram" xmlns:o="urn:schemas-microsoft-com:office:office" xmlns:v="urn:schemas-microsoft-com:vml" xmlns:pvml="urn:schemas-microsoft-com:office:powerpoint" xmlns:com="http://schemas.openxmlformats.org/drawingml/2006/compatibility" xmlns:p14="http://schemas.microsoft.com/office/powerpoint/2010/main" xmlns:p15="http://schemas.microsoft.com/office/powerpoint/2012/main" xmlns:ahyp="http://schemas.microsoft.com/office/drawing/2018/hyperlinkcolor">
+  <p:cSld>
+    <p:spTree>
+      <p:nvGrpSpPr>
+        <p:cNvPr id="158" name="Shape 158"/>
+        <p:cNvGrpSpPr/>
+        <p:nvPr/>
+      </p:nvGrpSpPr>
+      <p:grpSpPr>
+        <a:xfrm>
+          <a:off x="0" y="0"/>
+          <a:ext cx="0" cy="0"/>
+          <a:chOff x="0" y="0"/>
+          <a:chExt cx="0" cy="0"/>
+        </a:xfrm>
+      </p:grpSpPr>
+      <p:sp>
+        <p:nvSpPr>
+          <p:cNvPr id="159" name="Google Shape;159;p26"/>
+          <p:cNvSpPr txBox="1"/>
+          <p:nvPr>
+            <p:ph type="title"/>
+          </p:nvPr>
+        </p:nvSpPr>
+        <p:spPr>
+          <a:xfrm>
+            <a:off x="311700" y="2150850"/>
+            <a:ext cx="8520600" cy="841800"/>
+          </a:xfrm>
+          <a:prstGeom prst="rect">
+            <a:avLst/>
+          </a:prstGeom>
+        </p:spPr>
+        <p:txBody>
+          <a:bodyPr anchorCtr="0" anchor="ctr" bIns="91425" lIns="91425" spcFirstLastPara="1" rIns="91425" wrap="square" tIns="91425">
+            <a:normAutofit/>
+          </a:bodyPr>
+          <a:lstStyle/>
+          <a:p>
+            <a:pPr indent="0" lvl="0" marL="0" rtl="0" algn="ctr">
+              <a:lnSpc>
+                <a:spcPct val="115000"/>
+              </a:lnSpc>
+              <a:spcBef>
+                <a:spcPts val="0"/>
+              </a:spcBef>
+              <a:spcAft>
+                <a:spcPts val="1200"/>
+              </a:spcAft>
+              <a:buClr>
+                <a:schemeClr val="dk1"/>
+              </a:buClr>
+              <a:buSzPts val="1100"/>
+              <a:buFont typeface="Arial"/>
+              <a:buNone/>
+            </a:pPr>
+            <a:r>
+              <a:rPr b="1" lang="en-GB" sz="3000">
+                <a:latin typeface="Times New Roman"/>
+                <a:ea typeface="Times New Roman"/>
+                <a:cs typeface="Times New Roman"/>
+                <a:sym typeface="Times New Roman"/>
+              </a:rPr>
+              <a:t>Систематические эффекты и их учёт</a:t>
+            </a:r>
+            <a:endParaRPr/>
+          </a:p>
+        </p:txBody>
+      </p:sp>
+    </p:spTree>
+  </p:cSld>
+  <p:clrMapOvr>
+    <a:masterClrMapping/>
+  </p:clrMapOvr>
+</p:sld>
+</file>
+
+<file path=ppt/slides/slide14.xml><?xml version="1.0" encoding="utf-8"?>
+<p:sld xmlns:a="http://schemas.openxmlformats.org/drawingml/2006/main" xmlns:r="http://schemas.openxmlformats.org/officeDocument/2006/relationships" xmlns:mc="http://schemas.openxmlformats.org/markup-compatibility/2006" xmlns:mv="urn:schemas-microsoft-com:mac:vml" xmlns:p="http://schemas.openxmlformats.org/presentationml/2006/main" xmlns:c="http://schemas.openxmlformats.org/drawingml/2006/chart" xmlns:dgm="http://schemas.openxmlformats.org/drawingml/2006/diagram" xmlns:o="urn:schemas-microsoft-com:office:office" xmlns:v="urn:schemas-microsoft-com:vml" xmlns:pvml="urn:schemas-microsoft-com:office:powerpoint" xmlns:com="http://schemas.openxmlformats.org/drawingml/2006/compatibility" xmlns:p14="http://schemas.microsoft.com/office/powerpoint/2010/main" xmlns:p15="http://schemas.microsoft.com/office/powerpoint/2012/main" xmlns:ahyp="http://schemas.microsoft.com/office/drawing/2018/hyperlinkcolor">
+  <p:cSld>
+    <p:spTree>
+      <p:nvGrpSpPr>
+        <p:cNvPr id="163" name="Shape 163"/>
+        <p:cNvGrpSpPr/>
+        <p:nvPr/>
+      </p:nvGrpSpPr>
+      <p:grpSpPr>
+        <a:xfrm>
+          <a:off x="0" y="0"/>
+          <a:ext cx="0" cy="0"/>
+          <a:chOff x="0" y="0"/>
+          <a:chExt cx="0" cy="0"/>
+        </a:xfrm>
+      </p:grpSpPr>
+      <p:sp>
+        <p:nvSpPr>
+          <p:cNvPr id="164" name="Google Shape;164;p27"/>
+          <p:cNvSpPr txBox="1"/>
+          <p:nvPr>
+            <p:ph type="title"/>
+          </p:nvPr>
+        </p:nvSpPr>
+        <p:spPr>
+          <a:xfrm>
+            <a:off x="311700" y="0"/>
+            <a:ext cx="8520600" cy="572700"/>
+          </a:xfrm>
+          <a:prstGeom prst="rect">
+            <a:avLst/>
+          </a:prstGeom>
+        </p:spPr>
+        <p:txBody>
+          <a:bodyPr anchorCtr="0" anchor="t" bIns="91425" lIns="91425" spcFirstLastPara="1" rIns="91425" wrap="square" tIns="91425">
+            <a:noAutofit/>
+          </a:bodyPr>
+          <a:lstStyle/>
+          <a:p>
+            <a:pPr indent="0" lvl="0" marL="0" rtl="0" algn="ctr">
+              <a:lnSpc>
+                <a:spcPct val="115000"/>
+              </a:lnSpc>
+              <a:spcBef>
+                <a:spcPts val="0"/>
+              </a:spcBef>
+              <a:spcAft>
+                <a:spcPts val="1200"/>
+              </a:spcAft>
+              <a:buNone/>
+            </a:pPr>
+            <a:r>
+              <a:rPr lang="en-GB" sz="3000">
+                <a:latin typeface="Times New Roman"/>
+                <a:ea typeface="Times New Roman"/>
+                <a:cs typeface="Times New Roman"/>
+                <a:sym typeface="Times New Roman"/>
+              </a:rPr>
+              <a:t>Угловое разрешение</a:t>
+            </a:r>
+            <a:endParaRPr sz="3000"/>
+          </a:p>
+        </p:txBody>
+      </p:sp>
+      <p:sp>
+        <p:nvSpPr>
+          <p:cNvPr id="165" name="Google Shape;165;p27"/>
+          <p:cNvSpPr txBox="1"/>
+          <p:nvPr>
+            <p:ph idx="1" type="body"/>
+          </p:nvPr>
+        </p:nvSpPr>
+        <p:spPr>
+          <a:xfrm>
+            <a:off x="311700" y="624525"/>
+            <a:ext cx="8520600" cy="780300"/>
+          </a:xfrm>
+          <a:prstGeom prst="rect">
+            <a:avLst/>
+          </a:prstGeom>
+        </p:spPr>
+        <p:txBody>
+          <a:bodyPr anchorCtr="0" anchor="t" bIns="91425" lIns="91425" spcFirstLastPara="1" rIns="91425" wrap="square" tIns="91425">
+            <a:normAutofit/>
+          </a:bodyPr>
+          <a:lstStyle/>
+          <a:p>
+            <a:pPr indent="0" lvl="0" marL="0" rtl="0" algn="l">
+              <a:spcBef>
+                <a:spcPts val="0"/>
+              </a:spcBef>
+              <a:spcAft>
+                <a:spcPts val="1200"/>
+              </a:spcAft>
+              <a:buNone/>
+            </a:pPr>
+            <a:r>
+              <a:rPr lang="en-GB">
+                <a:solidFill>
+                  <a:schemeClr val="dk1"/>
+                </a:solidFill>
+                <a:latin typeface="Times New Roman"/>
+                <a:ea typeface="Times New Roman"/>
+                <a:cs typeface="Times New Roman"/>
+                <a:sym typeface="Times New Roman"/>
+              </a:rPr>
+              <a:t>Так как                                          при усреднении нужно учитывать сдвиг среднего, который можно вычислить следующим образом:</a:t>
+            </a:r>
+            <a:endParaRPr/>
+          </a:p>
+        </p:txBody>
+      </p:sp>
+      <p:pic>
+        <p:nvPicPr>
+          <p:cNvPr descr="{&quot;color&quot;:&quot;#000000&quot;,&quot;height&quot;:100,&quot;mathType&quot;:&quot;LaTEX&quot;,&quot;text&quot;:&quot;\\langle M(\\psi)\\rangle\\neq M(\\langle \\psi \\rangle)&quot;}" id="166" name="Google Shape;166;p27" title="Math_Equation_Generated"/>
+          <p:cNvPicPr preferRelativeResize="0"/>
+          <p:nvPr/>
+        </p:nvPicPr>
+        <p:blipFill>
+          <a:blip r:embed="rId3">
+            <a:alphaModFix/>
+          </a:blip>
+          <a:stretch>
+            <a:fillRect/>
+          </a:stretch>
+        </p:blipFill>
+        <p:spPr>
+          <a:xfrm>
+            <a:off x="1217900" y="678350"/>
+            <a:ext cx="2207449" cy="281200"/>
+          </a:xfrm>
+          <a:prstGeom prst="rect">
+            <a:avLst/>
+          </a:prstGeom>
+          <a:noFill/>
+          <a:ln>
+            <a:noFill/>
+          </a:ln>
+        </p:spPr>
+      </p:pic>
+      <p:pic>
+        <p:nvPicPr>
+          <p:cNvPr descr="{&quot;mathType&quot;:&quot;LaTEX&quot;,&quot;text&quot;:&quot;\\Delta_{NC}M=-M(\\langle\\psi\\rangle)+\\frac{1}{\\sqrt{2\\pi\\sigma^2_{\\psi}}}\\int d\\psi M(\\psi)exp[\\, -\\frac{(\\, \\psi-\\langle \\psi \\rangle  )\\,^2}{2\\sigma^2_{\\psi}} \t] \\,&quot;,&quot;height&quot;:90,&quot;color&quot;:&quot;#000000&quot;}" id="167" name="Google Shape;167;p27" title="Math_Equation_Generated"/>
+          <p:cNvPicPr preferRelativeResize="0"/>
+          <p:nvPr/>
+        </p:nvPicPr>
+        <p:blipFill>
+          <a:blip r:embed="rId4">
+            <a:alphaModFix/>
+          </a:blip>
+          <a:stretch>
+            <a:fillRect/>
+          </a:stretch>
+        </p:blipFill>
+        <p:spPr>
+          <a:xfrm>
+            <a:off x="380600" y="1486413"/>
+            <a:ext cx="7243750" cy="686250"/>
+          </a:xfrm>
+          <a:prstGeom prst="rect">
+            <a:avLst/>
+          </a:prstGeom>
+          <a:noFill/>
+          <a:ln>
+            <a:noFill/>
+          </a:ln>
+        </p:spPr>
+      </p:pic>
+      <p:pic>
+        <p:nvPicPr>
+          <p:cNvPr descr="{&quot;height&quot;:100,&quot;mathType&quot;:&quot;LaTEX&quot;,&quot;text&quot;:&quot;\\Delta_{NC}M=\\langle M_{K^0_S}\\rangle - M_{K^0_S} \\approx \\frac{\\sigma^2_{\\psi}}{2}\\frac{\\partial ^2 \\psi}{\\partial \\psi^2}M_{K^0_S} +\\mathcal{O}(\\sigma^2_{\\psi})&quot;,&quot;color&quot;:&quot;#000000&quot;}" id="168" name="Google Shape;168;p27" title="Math_Equation_Generated"/>
+          <p:cNvPicPr preferRelativeResize="0"/>
+          <p:nvPr/>
+        </p:nvPicPr>
+        <p:blipFill>
+          <a:blip r:embed="rId5">
+            <a:alphaModFix/>
+          </a:blip>
+          <a:stretch>
+            <a:fillRect/>
+          </a:stretch>
+        </p:blipFill>
+        <p:spPr>
+          <a:xfrm>
+            <a:off x="380600" y="2254239"/>
+            <a:ext cx="7410450" cy="635000"/>
+          </a:xfrm>
+          <a:prstGeom prst="rect">
+            <a:avLst/>
+          </a:prstGeom>
+          <a:noFill/>
+          <a:ln>
+            <a:noFill/>
+          </a:ln>
+        </p:spPr>
+      </p:pic>
+      <p:sp>
+        <p:nvSpPr>
+          <p:cNvPr id="169" name="Google Shape;169;p27"/>
+          <p:cNvSpPr txBox="1"/>
+          <p:nvPr/>
+        </p:nvSpPr>
+        <p:spPr>
+          <a:xfrm>
+            <a:off x="1185300" y="3675475"/>
+            <a:ext cx="2577300" cy="400200"/>
+          </a:xfrm>
+          <a:prstGeom prst="rect">
+            <a:avLst/>
+          </a:prstGeom>
+          <a:noFill/>
+          <a:ln>
+            <a:noFill/>
+          </a:ln>
+        </p:spPr>
+        <p:txBody>
+          <a:bodyPr anchorCtr="0" anchor="t" bIns="91425" lIns="91425" spcFirstLastPara="1" rIns="91425" wrap="square" tIns="91425">
+            <a:spAutoFit/>
+          </a:bodyPr>
+          <a:lstStyle/>
+          <a:p>
+            <a:pPr indent="0" lvl="0" marL="0" rtl="0" algn="l">
+              <a:spcBef>
+                <a:spcPts val="0"/>
+              </a:spcBef>
+              <a:spcAft>
+                <a:spcPts val="0"/>
+              </a:spcAft>
+              <a:buNone/>
+            </a:pPr>
+            <a:r>
+              <a:rPr lang="en-GB"/>
+              <a:t>Ошибка поправки!</a:t>
+            </a:r>
+            <a:endParaRPr/>
+          </a:p>
+        </p:txBody>
+      </p:sp>
+    </p:spTree>
+  </p:cSld>
+  <p:clrMapOvr>
+    <a:masterClrMapping/>
+  </p:clrMapOvr>
+</p:sld>
+</file>
+
+<file path=ppt/slides/slide15.xml><?xml version="1.0" encoding="utf-8"?>
+<p:sld xmlns:a="http://schemas.openxmlformats.org/drawingml/2006/main" xmlns:r="http://schemas.openxmlformats.org/officeDocument/2006/relationships" xmlns:mc="http://schemas.openxmlformats.org/markup-compatibility/2006" xmlns:mv="urn:schemas-microsoft-com:mac:vml" xmlns:p="http://schemas.openxmlformats.org/presentationml/2006/main" xmlns:c="http://schemas.openxmlformats.org/drawingml/2006/chart" xmlns:dgm="http://schemas.openxmlformats.org/drawingml/2006/diagram" xmlns:o="urn:schemas-microsoft-com:office:office" xmlns:v="urn:schemas-microsoft-com:vml" xmlns:pvml="urn:schemas-microsoft-com:office:powerpoint" xmlns:com="http://schemas.openxmlformats.org/drawingml/2006/compatibility" xmlns:p14="http://schemas.microsoft.com/office/powerpoint/2010/main" xmlns:p15="http://schemas.microsoft.com/office/powerpoint/2012/main" xmlns:ahyp="http://schemas.microsoft.com/office/drawing/2018/hyperlinkcolor">
+  <p:cSld>
+    <p:spTree>
+      <p:nvGrpSpPr>
+        <p:cNvPr id="173" name="Shape 173"/>
+        <p:cNvGrpSpPr/>
+        <p:nvPr/>
+      </p:nvGrpSpPr>
+      <p:grpSpPr>
+        <a:xfrm>
+          <a:off x="0" y="0"/>
+          <a:ext cx="0" cy="0"/>
+          <a:chOff x="0" y="0"/>
+          <a:chExt cx="0" cy="0"/>
+        </a:xfrm>
+      </p:grpSpPr>
+      <p:sp>
+        <p:nvSpPr>
+          <p:cNvPr id="174" name="Google Shape;174;p28"/>
+          <p:cNvSpPr txBox="1"/>
+          <p:nvPr>
+            <p:ph type="title"/>
+          </p:nvPr>
+        </p:nvSpPr>
+        <p:spPr>
+          <a:xfrm>
+            <a:off x="311700" y="445025"/>
+            <a:ext cx="8520600" cy="572700"/>
+          </a:xfrm>
+          <a:prstGeom prst="rect">
+            <a:avLst/>
+          </a:prstGeom>
+        </p:spPr>
+        <p:txBody>
+          <a:bodyPr anchorCtr="0" anchor="t" bIns="91425" lIns="91425" spcFirstLastPara="1" rIns="91425" wrap="square" tIns="91425">
+            <a:normAutofit fontScale="90000"/>
+          </a:bodyPr>
+          <a:lstStyle/>
+          <a:p>
+            <a:pPr indent="0" lvl="0" marL="0" rtl="0" algn="l">
+              <a:spcBef>
+                <a:spcPts val="0"/>
+              </a:spcBef>
+              <a:spcAft>
+                <a:spcPts val="0"/>
+              </a:spcAft>
+              <a:buNone/>
+            </a:pPr>
+            <a:r>
+              <a:t/>
+            </a:r>
+            <a:endParaRPr/>
+          </a:p>
+        </p:txBody>
+      </p:sp>
+      <p:sp>
+        <p:nvSpPr>
+          <p:cNvPr id="175" name="Google Shape;175;p28"/>
+          <p:cNvSpPr txBox="1"/>
+          <p:nvPr/>
+        </p:nvSpPr>
+        <p:spPr>
+          <a:xfrm>
+            <a:off x="63550" y="3740900"/>
+            <a:ext cx="3000000" cy="780300"/>
+          </a:xfrm>
+          <a:prstGeom prst="rect">
+            <a:avLst/>
+          </a:prstGeom>
+          <a:noFill/>
+          <a:ln>
+            <a:noFill/>
+          </a:ln>
+        </p:spPr>
+        <p:txBody>
+          <a:bodyPr anchorCtr="0" anchor="t" bIns="91425" lIns="91425" spcFirstLastPara="1" rIns="91425" wrap="square" tIns="91425">
+            <a:spAutoFit/>
+          </a:bodyPr>
+          <a:lstStyle/>
+          <a:p>
+            <a:pPr indent="0" lvl="0" marL="0" rtl="0" algn="l">
+              <a:lnSpc>
+                <a:spcPct val="115000"/>
+              </a:lnSpc>
+              <a:spcBef>
+                <a:spcPts val="0"/>
+              </a:spcBef>
+              <a:spcAft>
+                <a:spcPts val="1200"/>
+              </a:spcAft>
+              <a:buNone/>
+            </a:pPr>
+            <a:r>
+              <a:rPr lang="en-GB" sz="1800">
+                <a:solidFill>
+                  <a:schemeClr val="dk2"/>
+                </a:solidFill>
+              </a:rPr>
+              <a:t>Поставить картинку с профайлом.</a:t>
+            </a:r>
+            <a:endParaRPr/>
+          </a:p>
+        </p:txBody>
+      </p:sp>
+      <p:sp>
+        <p:nvSpPr>
+          <p:cNvPr id="176" name="Google Shape;176;p28"/>
+          <p:cNvSpPr txBox="1"/>
+          <p:nvPr/>
+        </p:nvSpPr>
+        <p:spPr>
+          <a:xfrm>
+            <a:off x="0" y="2086463"/>
+            <a:ext cx="4708500" cy="461700"/>
+          </a:xfrm>
+          <a:prstGeom prst="rect">
+            <a:avLst/>
+          </a:prstGeom>
+          <a:noFill/>
+          <a:ln>
+            <a:noFill/>
+          </a:ln>
+        </p:spPr>
+        <p:txBody>
+          <a:bodyPr anchorCtr="0" anchor="t" bIns="91425" lIns="91425" spcFirstLastPara="1" rIns="91425" wrap="square" tIns="91425">
+            <a:spAutoFit/>
+          </a:bodyPr>
+          <a:lstStyle/>
+          <a:p>
+            <a:pPr indent="0" lvl="0" marL="0" rtl="0" algn="l">
+              <a:spcBef>
+                <a:spcPts val="0"/>
+              </a:spcBef>
+              <a:spcAft>
+                <a:spcPts val="0"/>
+              </a:spcAft>
+              <a:buNone/>
+            </a:pPr>
+            <a:r>
+              <a:rPr lang="en-GB" sz="1800">
+                <a:latin typeface="Times New Roman"/>
+                <a:ea typeface="Times New Roman"/>
+                <a:cs typeface="Times New Roman"/>
+                <a:sym typeface="Times New Roman"/>
+              </a:rPr>
+              <a:t>Угловое разрешение получено из графика</a:t>
+            </a:r>
+            <a:endParaRPr sz="1800">
+              <a:latin typeface="Times New Roman"/>
+              <a:ea typeface="Times New Roman"/>
+              <a:cs typeface="Times New Roman"/>
+              <a:sym typeface="Times New Roman"/>
+            </a:endParaRPr>
+          </a:p>
+        </p:txBody>
+      </p:sp>
+      <p:pic>
+        <p:nvPicPr>
+          <p:cNvPr descr="{&quot;color&quot;:&quot;#000000&quot;,&quot;mathType&quot;:&quot;LaTEX&quot;,&quot;height&quot;:100,&quot;text&quot;:&quot;\\psi(lnY)&quot;}" id="177" name="Google Shape;177;p28" title="Math_Equation_Generated"/>
+          <p:cNvPicPr preferRelativeResize="0"/>
+          <p:nvPr/>
+        </p:nvPicPr>
+        <p:blipFill>
+          <a:blip r:embed="rId3">
+            <a:alphaModFix/>
+          </a:blip>
+          <a:stretch>
+            <a:fillRect/>
+          </a:stretch>
+        </p:blipFill>
+        <p:spPr>
+          <a:xfrm>
+            <a:off x="4233013" y="2259563"/>
+            <a:ext cx="695975" cy="225225"/>
+          </a:xfrm>
+          <a:prstGeom prst="rect">
+            <a:avLst/>
+          </a:prstGeom>
+          <a:noFill/>
+          <a:ln>
+            <a:noFill/>
+          </a:ln>
+        </p:spPr>
+      </p:pic>
+      <p:pic>
+        <p:nvPicPr>
+          <p:cNvPr id="178" name="Google Shape;178;p28"/>
+          <p:cNvPicPr preferRelativeResize="0"/>
+          <p:nvPr/>
+        </p:nvPicPr>
+        <p:blipFill>
+          <a:blip r:embed="rId4">
+            <a:alphaModFix/>
+          </a:blip>
+          <a:stretch>
+            <a:fillRect/>
+          </a:stretch>
+        </p:blipFill>
+        <p:spPr>
+          <a:xfrm>
+            <a:off x="4572000" y="2690000"/>
+            <a:ext cx="4331725" cy="2141675"/>
+          </a:xfrm>
+          <a:prstGeom prst="rect">
+            <a:avLst/>
+          </a:prstGeom>
+          <a:noFill/>
+          <a:ln>
+            <a:noFill/>
+          </a:ln>
+        </p:spPr>
+      </p:pic>
+      <p:sp>
+        <p:nvSpPr>
+          <p:cNvPr id="179" name="Google Shape;179;p28"/>
+          <p:cNvSpPr txBox="1"/>
+          <p:nvPr/>
+        </p:nvSpPr>
+        <p:spPr>
+          <a:xfrm>
+            <a:off x="320700" y="2572813"/>
+            <a:ext cx="4067100" cy="615600"/>
+          </a:xfrm>
+          <a:prstGeom prst="rect">
+            <a:avLst/>
+          </a:prstGeom>
+          <a:noFill/>
+          <a:ln>
+            <a:noFill/>
+          </a:ln>
+        </p:spPr>
+        <p:txBody>
+          <a:bodyPr anchorCtr="0" anchor="t" bIns="91425" lIns="91425" spcFirstLastPara="1" rIns="91425" wrap="square" tIns="91425">
+            <a:spAutoFit/>
+          </a:bodyPr>
+          <a:lstStyle/>
+          <a:p>
+            <a:pPr indent="0" lvl="0" marL="0" rtl="0" algn="l">
+              <a:spcBef>
+                <a:spcPts val="0"/>
+              </a:spcBef>
+              <a:spcAft>
+                <a:spcPts val="0"/>
+              </a:spcAft>
+              <a:buNone/>
+            </a:pPr>
+            <a:r>
+              <a:rPr lang="en-GB"/>
+              <a:t>Так как по краям распределение расширяется, решено ввести</a:t>
+            </a:r>
+            <a:endParaRPr/>
+          </a:p>
+        </p:txBody>
+      </p:sp>
+    </p:spTree>
+  </p:cSld>
+  <p:clrMapOvr>
+    <a:masterClrMapping/>
+  </p:clrMapOvr>
+</p:sld>
+</file>
+
+<file path=ppt/slides/slide16.xml><?xml version="1.0" encoding="utf-8"?>
+<p:sld xmlns:a="http://schemas.openxmlformats.org/drawingml/2006/main" xmlns:r="http://schemas.openxmlformats.org/officeDocument/2006/relationships" xmlns:mc="http://schemas.openxmlformats.org/markup-compatibility/2006" xmlns:mv="urn:schemas-microsoft-com:mac:vml" xmlns:p="http://schemas.openxmlformats.org/presentationml/2006/main" xmlns:c="http://schemas.openxmlformats.org/drawingml/2006/chart" xmlns:dgm="http://schemas.openxmlformats.org/drawingml/2006/diagram" xmlns:o="urn:schemas-microsoft-com:office:office" xmlns:v="urn:schemas-microsoft-com:vml" xmlns:pvml="urn:schemas-microsoft-com:office:powerpoint" xmlns:com="http://schemas.openxmlformats.org/drawingml/2006/compatibility" xmlns:p14="http://schemas.microsoft.com/office/powerpoint/2010/main" xmlns:p15="http://schemas.microsoft.com/office/powerpoint/2012/main" xmlns:ahyp="http://schemas.microsoft.com/office/drawing/2018/hyperlinkcolor">
+  <p:cSld>
+    <p:spTree>
+      <p:nvGrpSpPr>
+        <p:cNvPr id="183" name="Shape 183"/>
+        <p:cNvGrpSpPr/>
+        <p:nvPr/>
+      </p:nvGrpSpPr>
+      <p:grpSpPr>
+        <a:xfrm>
+          <a:off x="0" y="0"/>
+          <a:ext cx="0" cy="0"/>
+          <a:chOff x="0" y="0"/>
+          <a:chExt cx="0" cy="0"/>
+        </a:xfrm>
+      </p:grpSpPr>
+      <p:sp>
+        <p:nvSpPr>
+          <p:cNvPr id="184" name="Google Shape;184;p29"/>
+          <p:cNvSpPr txBox="1"/>
+          <p:nvPr>
+            <p:ph type="title"/>
+          </p:nvPr>
+        </p:nvSpPr>
+        <p:spPr>
+          <a:xfrm>
+            <a:off x="311700" y="184025"/>
+            <a:ext cx="8520600" cy="572700"/>
+          </a:xfrm>
+          <a:prstGeom prst="rect">
+            <a:avLst/>
+          </a:prstGeom>
+        </p:spPr>
+        <p:txBody>
+          <a:bodyPr anchorCtr="0" anchor="t" bIns="91425" lIns="91425" spcFirstLastPara="1" rIns="91425" wrap="square" tIns="91425">
+            <a:normAutofit fontScale="90000"/>
+          </a:bodyPr>
+          <a:lstStyle/>
+          <a:p>
+            <a:pPr indent="0" lvl="0" marL="0" rtl="0" algn="ctr">
+              <a:spcBef>
+                <a:spcPts val="0"/>
+              </a:spcBef>
+              <a:spcAft>
+                <a:spcPts val="0"/>
+              </a:spcAft>
+              <a:buNone/>
+            </a:pPr>
+            <a:r>
+              <a:rPr lang="en-GB">
+                <a:latin typeface="Times New Roman"/>
+                <a:ea typeface="Times New Roman"/>
+                <a:cs typeface="Times New Roman"/>
+                <a:sym typeface="Times New Roman"/>
+              </a:rPr>
+              <a:t>ISR</a:t>
+            </a:r>
+            <a:endParaRPr>
+              <a:latin typeface="Times New Roman"/>
+              <a:ea typeface="Times New Roman"/>
+              <a:cs typeface="Times New Roman"/>
+              <a:sym typeface="Times New Roman"/>
+            </a:endParaRPr>
+          </a:p>
+        </p:txBody>
+      </p:sp>
+      <p:sp>
+        <p:nvSpPr>
+          <p:cNvPr id="185" name="Google Shape;185;p29"/>
+          <p:cNvSpPr txBox="1"/>
+          <p:nvPr>
+            <p:ph idx="1" type="body"/>
+          </p:nvPr>
+        </p:nvSpPr>
+        <p:spPr>
+          <a:xfrm>
+            <a:off x="311700" y="756725"/>
+            <a:ext cx="8520600" cy="3812100"/>
+          </a:xfrm>
+          <a:prstGeom prst="rect">
+            <a:avLst/>
+          </a:prstGeom>
+        </p:spPr>
+        <p:txBody>
+          <a:bodyPr anchorCtr="0" anchor="t" bIns="91425" lIns="91425" spcFirstLastPara="1" rIns="91425" wrap="square" tIns="91425">
+            <a:normAutofit/>
+          </a:bodyPr>
+          <a:lstStyle/>
+          <a:p>
+            <a:pPr indent="0" lvl="0" marL="0" rtl="0" algn="l">
+              <a:spcBef>
+                <a:spcPts val="0"/>
+              </a:spcBef>
+              <a:spcAft>
+                <a:spcPts val="1200"/>
+              </a:spcAft>
+              <a:buNone/>
+            </a:pPr>
+            <a:r>
+              <a:rPr lang="en-GB"/>
+              <a:t>Здесь про рад поправку</a:t>
+            </a:r>
+            <a:endParaRPr/>
+          </a:p>
+        </p:txBody>
+      </p:sp>
+    </p:spTree>
+  </p:cSld>
+  <p:clrMapOvr>
+    <a:masterClrMapping/>
+  </p:clrMapOvr>
+</p:sld>
+</file>
+
+<file path=ppt/slides/slide17.xml><?xml version="1.0" encoding="utf-8"?>
+<p:sld xmlns:a="http://schemas.openxmlformats.org/drawingml/2006/main" xmlns:r="http://schemas.openxmlformats.org/officeDocument/2006/relationships" xmlns:mc="http://schemas.openxmlformats.org/markup-compatibility/2006" xmlns:mv="urn:schemas-microsoft-com:mac:vml" xmlns:p="http://schemas.openxmlformats.org/presentationml/2006/main" xmlns:c="http://schemas.openxmlformats.org/drawingml/2006/chart" xmlns:dgm="http://schemas.openxmlformats.org/drawingml/2006/diagram" xmlns:o="urn:schemas-microsoft-com:office:office" xmlns:v="urn:schemas-microsoft-com:vml" xmlns:pvml="urn:schemas-microsoft-com:office:powerpoint" xmlns:com="http://schemas.openxmlformats.org/drawingml/2006/compatibility" xmlns:p14="http://schemas.microsoft.com/office/powerpoint/2010/main" xmlns:p15="http://schemas.microsoft.com/office/powerpoint/2012/main" xmlns:ahyp="http://schemas.microsoft.com/office/drawing/2018/hyperlinkcolor">
+  <p:cSld>
+    <p:spTree>
+      <p:nvGrpSpPr>
+        <p:cNvPr id="189" name="Shape 189"/>
+        <p:cNvGrpSpPr/>
+        <p:nvPr/>
+      </p:nvGrpSpPr>
+      <p:grpSpPr>
+        <a:xfrm>
+          <a:off x="0" y="0"/>
+          <a:ext cx="0" cy="0"/>
+          <a:chOff x="0" y="0"/>
+          <a:chExt cx="0" cy="0"/>
+        </a:xfrm>
+      </p:grpSpPr>
+      <p:sp>
+        <p:nvSpPr>
+          <p:cNvPr id="190" name="Google Shape;190;p30"/>
+          <p:cNvSpPr txBox="1"/>
+          <p:nvPr>
+            <p:ph type="title"/>
+          </p:nvPr>
+        </p:nvSpPr>
+        <p:spPr>
+          <a:xfrm>
+            <a:off x="311700" y="2150850"/>
+            <a:ext cx="8520600" cy="841800"/>
+          </a:xfrm>
+          <a:prstGeom prst="rect">
+            <a:avLst/>
+          </a:prstGeom>
+        </p:spPr>
+        <p:txBody>
+          <a:bodyPr anchorCtr="0" anchor="ctr" bIns="91425" lIns="91425" spcFirstLastPara="1" rIns="91425" wrap="square" tIns="91425">
+            <a:noAutofit/>
+          </a:bodyPr>
+          <a:lstStyle/>
+          <a:p>
+            <a:pPr indent="0" lvl="0" marL="0" rtl="0" algn="ctr">
+              <a:spcBef>
+                <a:spcPts val="0"/>
+              </a:spcBef>
+              <a:spcAft>
+                <a:spcPts val="0"/>
+              </a:spcAft>
+              <a:buNone/>
+            </a:pPr>
+            <a:r>
+              <a:rPr lang="en-GB" sz="5000"/>
+              <a:t>backup</a:t>
+            </a:r>
+            <a:endParaRPr sz="5000"/>
+          </a:p>
+        </p:txBody>
+      </p:sp>
+    </p:spTree>
+  </p:cSld>
+  <p:clrMapOvr>
+    <a:masterClrMapping/>
+  </p:clrMapOvr>
+</p:sld>
+</file>
+
+<file path=ppt/slides/slide18.xml><?xml version="1.0" encoding="utf-8"?>
+<p:sld xmlns:a="http://schemas.openxmlformats.org/drawingml/2006/main" xmlns:r="http://schemas.openxmlformats.org/officeDocument/2006/relationships" xmlns:mc="http://schemas.openxmlformats.org/markup-compatibility/2006" xmlns:mv="urn:schemas-microsoft-com:mac:vml" xmlns:p="http://schemas.openxmlformats.org/presentationml/2006/main" xmlns:c="http://schemas.openxmlformats.org/drawingml/2006/chart" xmlns:dgm="http://schemas.openxmlformats.org/drawingml/2006/diagram" xmlns:o="urn:schemas-microsoft-com:office:office" xmlns:v="urn:schemas-microsoft-com:vml" xmlns:pvml="urn:schemas-microsoft-com:office:powerpoint" xmlns:com="http://schemas.openxmlformats.org/drawingml/2006/compatibility" xmlns:p14="http://schemas.microsoft.com/office/powerpoint/2010/main" xmlns:p15="http://schemas.microsoft.com/office/powerpoint/2012/main" xmlns:ahyp="http://schemas.microsoft.com/office/drawing/2018/hyperlinkcolor">
+  <p:cSld>
+    <p:spTree>
+      <p:nvGrpSpPr>
+        <p:cNvPr id="194" name="Shape 194"/>
+        <p:cNvGrpSpPr/>
+        <p:nvPr/>
+      </p:nvGrpSpPr>
+      <p:grpSpPr>
+        <a:xfrm>
+          <a:off x="0" y="0"/>
+          <a:ext cx="0" cy="0"/>
+          <a:chOff x="0" y="0"/>
+          <a:chExt cx="0" cy="0"/>
+        </a:xfrm>
+      </p:grpSpPr>
+      <p:pic>
+        <p:nvPicPr>
+          <p:cNvPr id="195" name="Google Shape;195;p31"/>
+          <p:cNvPicPr preferRelativeResize="0"/>
+          <p:nvPr/>
+        </p:nvPicPr>
+        <p:blipFill>
+          <a:blip r:embed="rId3">
+            <a:alphaModFix/>
+          </a:blip>
+          <a:stretch>
+            <a:fillRect/>
+          </a:stretch>
+        </p:blipFill>
+        <p:spPr>
+          <a:xfrm>
+            <a:off x="152400" y="152400"/>
+            <a:ext cx="8839199" cy="4438815"/>
+          </a:xfrm>
+          <a:prstGeom prst="rect">
+            <a:avLst/>
+          </a:prstGeom>
+          <a:noFill/>
+          <a:ln>
+            <a:noFill/>
+          </a:ln>
+        </p:spPr>
+      </p:pic>
+    </p:spTree>
+  </p:cSld>
+  <p:clrMapOvr>
+    <a:masterClrMapping/>
+  </p:clrMapOvr>
+</p:sld>
+</file>
+
+<file path=ppt/slides/slide2.xml><?xml version="1.0" encoding="utf-8"?>
+<p:sld xmlns:a="http://schemas.openxmlformats.org/drawingml/2006/main" xmlns:r="http://schemas.openxmlformats.org/officeDocument/2006/relationships" xmlns:mc="http://schemas.openxmlformats.org/markup-compatibility/2006" xmlns:mv="urn:schemas-microsoft-com:mac:vml" xmlns:p="http://schemas.openxmlformats.org/presentationml/2006/main" xmlns:c="http://schemas.openxmlformats.org/drawingml/2006/chart" xmlns:dgm="http://schemas.openxmlformats.org/drawingml/2006/diagram" xmlns:o="urn:schemas-microsoft-com:office:office" xmlns:v="urn:schemas-microsoft-com:vml" xmlns:pvml="urn:schemas-microsoft-com:office:powerpoint" xmlns:com="http://schemas.openxmlformats.org/drawingml/2006/compatibility" xmlns:p14="http://schemas.microsoft.com/office/powerpoint/2010/main" xmlns:p15="http://schemas.microsoft.com/office/powerpoint/2012/main" xmlns:ahyp="http://schemas.microsoft.com/office/drawing/2018/hyperlinkcolor">
+  <p:cSld>
+    <p:spTree>
+      <p:nvGrpSpPr>
+        <p:cNvPr id="65" name="Shape 65"/>
+        <p:cNvGrpSpPr/>
+        <p:nvPr/>
+      </p:nvGrpSpPr>
+      <p:grpSpPr>
+        <a:xfrm>
+          <a:off x="0" y="0"/>
+          <a:ext cx="0" cy="0"/>
+          <a:chOff x="0" y="0"/>
+          <a:chExt cx="0" cy="0"/>
+        </a:xfrm>
+      </p:grpSpPr>
+      <p:sp>
+        <p:nvSpPr>
+          <p:cNvPr id="66" name="Google Shape;66;p15"/>
           <p:cNvSpPr txBox="1"/>
           <p:nvPr>
             <p:ph type="title"/>
@@ -6181,7 +9547,7 @@
       </p:sp>
       <p:sp>
         <p:nvSpPr>
-          <p:cNvPr id="61" name="Google Shape;61;p14"/>
+          <p:cNvPr id="67" name="Google Shape;67;p15"/>
           <p:cNvSpPr txBox="1"/>
           <p:nvPr>
             <p:ph idx="1" type="body"/>
@@ -6344,7 +9710,7 @@
                 <a:cs typeface="Times New Roman"/>
                 <a:sym typeface="Times New Roman"/>
               </a:rPr>
-              <a:t>Систематические эффекты</a:t>
+              <a:t>Систематические эффекты и их учёт</a:t>
             </a:r>
             <a:endParaRPr sz="2200">
               <a:solidFill>
@@ -6460,7 +9826,7 @@
   <p:cSld>
     <p:spTree>
       <p:nvGrpSpPr>
-        <p:cNvPr id="65" name="Shape 65"/>
+        <p:cNvPr id="71" name="Shape 71"/>
         <p:cNvGrpSpPr/>
         <p:nvPr/>
       </p:nvGrpSpPr>
@@ -6474,7 +9840,7 @@
       </p:grpSpPr>
       <p:sp>
         <p:nvSpPr>
-          <p:cNvPr id="66" name="Google Shape;66;p15"/>
+          <p:cNvPr id="72" name="Google Shape;72;p16"/>
           <p:cNvSpPr txBox="1"/>
           <p:nvPr>
             <p:ph type="title"/>
@@ -6533,7 +9899,7 @@
       </p:sp>
       <p:sp>
         <p:nvSpPr>
-          <p:cNvPr id="67" name="Google Shape;67;p15"/>
+          <p:cNvPr id="73" name="Google Shape;73;p16"/>
           <p:cNvSpPr txBox="1"/>
           <p:nvPr>
             <p:ph idx="1" type="body"/>
@@ -6541,8 +9907,8 @@
         </p:nvSpPr>
         <p:spPr>
           <a:xfrm>
-            <a:off x="2598950" y="634300"/>
-            <a:ext cx="5545800" cy="461700"/>
+            <a:off x="2598950" y="523300"/>
+            <a:ext cx="4958700" cy="572700"/>
           </a:xfrm>
           <a:prstGeom prst="rect">
             <a:avLst/>
@@ -6550,7 +9916,7 @@
         </p:spPr>
         <p:txBody>
           <a:bodyPr anchorCtr="0" anchor="t" bIns="91425" lIns="91425" spcFirstLastPara="1" rIns="91425" wrap="square" tIns="91425">
-            <a:normAutofit fontScale="92500"/>
+            <a:noAutofit/>
           </a:bodyPr>
           <a:lstStyle/>
           <a:p>
@@ -6564,7 +9930,7 @@
               <a:buNone/>
             </a:pPr>
             <a:r>
-              <a:rPr lang="en-GB" sz="1600">
+              <a:rPr lang="en-GB" sz="1900">
                 <a:solidFill>
                   <a:schemeClr val="dk1"/>
                 </a:solidFill>
@@ -6573,9 +9939,21 @@
                 <a:cs typeface="Times New Roman"/>
                 <a:sym typeface="Times New Roman"/>
               </a:rPr>
-              <a:t>‌Предыдущие результаты измерения массы нейтрального каона</a:t>
+              <a:t>‌Предыдущие результаты измерения массы K</a:t>
             </a:r>
-            <a:endParaRPr sz="1600">
+            <a:r>
+              <a:rPr baseline="30000" lang="en-GB" sz="1900">
+                <a:solidFill>
+                  <a:schemeClr val="dk1"/>
+                </a:solidFill>
+                <a:latin typeface="Times New Roman"/>
+                <a:ea typeface="Times New Roman"/>
+                <a:cs typeface="Times New Roman"/>
+                <a:sym typeface="Times New Roman"/>
+              </a:rPr>
+              <a:t>0</a:t>
+            </a:r>
+            <a:endParaRPr baseline="30000" sz="1900">
               <a:latin typeface="Times New Roman"/>
               <a:ea typeface="Times New Roman"/>
               <a:cs typeface="Times New Roman"/>
@@ -6586,7 +9964,7 @@
       </p:sp>
       <p:pic>
         <p:nvPicPr>
-          <p:cNvPr id="68" name="Google Shape;68;p15"/>
+          <p:cNvPr id="74" name="Google Shape;74;p16"/>
           <p:cNvPicPr preferRelativeResize="0"/>
           <p:nvPr/>
         </p:nvPicPr>
@@ -6614,7 +9992,7 @@
       </p:pic>
       <p:graphicFrame>
         <p:nvGraphicFramePr>
-          <p:cNvPr id="69" name="Google Shape;69;p15"/>
+          <p:cNvPr id="75" name="Google Shape;75;p16"/>
           <p:cNvGraphicFramePr/>
           <p:nvPr/>
         </p:nvGraphicFramePr>
@@ -6627,7 +10005,7 @@
             <a:tbl>
               <a:tblPr>
                 <a:noFill/>
-                <a:tableStyleId>{D7195C00-520F-471C-B8AD-30E6461EE493}</a:tableStyleId>
+                <a:tableStyleId>{7983E63F-04EA-47E1-BE0E-1DE5624CDFB7}</a:tableStyleId>
               </a:tblPr>
               <a:tblGrid>
                 <a:gridCol w="1490300"/>
@@ -9010,7 +12388,7 @@
   <p:cSld>
     <p:spTree>
       <p:nvGrpSpPr>
-        <p:cNvPr id="73" name="Shape 73"/>
+        <p:cNvPr id="79" name="Shape 79"/>
         <p:cNvGrpSpPr/>
         <p:nvPr/>
       </p:nvGrpSpPr>
@@ -9024,7 +12402,7 @@
       </p:grpSpPr>
       <p:sp>
         <p:nvSpPr>
-          <p:cNvPr id="74" name="Google Shape;74;p16"/>
+          <p:cNvPr id="80" name="Google Shape;80;p17"/>
           <p:cNvSpPr txBox="1"/>
           <p:nvPr>
             <p:ph type="title"/>
@@ -9032,7 +12410,7 @@
         </p:nvSpPr>
         <p:spPr>
           <a:xfrm>
-            <a:off x="0" y="254300"/>
+            <a:off x="54375" y="58575"/>
             <a:ext cx="5545800" cy="380700"/>
           </a:xfrm>
           <a:prstGeom prst="rect">
@@ -9055,15 +12433,15 @@
               <a:buNone/>
             </a:pPr>
             <a:r>
-              <a:rPr lang="en-GB" sz="1600">
+              <a:rPr lang="en-GB" sz="1900">
                 <a:latin typeface="Times New Roman"/>
                 <a:ea typeface="Times New Roman"/>
                 <a:cs typeface="Times New Roman"/>
                 <a:sym typeface="Times New Roman"/>
               </a:rPr>
-              <a:t>‌Предыдущие результаты измерения массы заряженного каона</a:t>
+              <a:t>‌Предыдущие результаты измерения массы </a:t>
             </a:r>
-            <a:endParaRPr sz="1600">
+            <a:endParaRPr baseline="30000" sz="1900">
               <a:latin typeface="Times New Roman"/>
               <a:ea typeface="Times New Roman"/>
               <a:cs typeface="Times New Roman"/>
@@ -9074,7 +12452,7 @@
       </p:sp>
       <p:pic>
         <p:nvPicPr>
-          <p:cNvPr id="75" name="Google Shape;75;p16"/>
+          <p:cNvPr id="81" name="Google Shape;81;p17"/>
           <p:cNvPicPr preferRelativeResize="0"/>
           <p:nvPr/>
         </p:nvPicPr>
@@ -9088,8 +12466,8 @@
         </p:blipFill>
         <p:spPr>
           <a:xfrm>
-            <a:off x="0" y="635000"/>
-            <a:ext cx="4642226" cy="4291100"/>
+            <a:off x="0" y="433974"/>
+            <a:ext cx="4859700" cy="4492126"/>
           </a:xfrm>
           <a:prstGeom prst="rect">
             <a:avLst/>
@@ -9102,14 +12480,14 @@
       </p:pic>
       <p:sp>
         <p:nvSpPr>
-          <p:cNvPr id="76" name="Google Shape;76;p16"/>
+          <p:cNvPr id="82" name="Google Shape;82;p17"/>
           <p:cNvSpPr txBox="1"/>
           <p:nvPr/>
         </p:nvSpPr>
         <p:spPr>
           <a:xfrm>
-            <a:off x="4719400" y="978700"/>
-            <a:ext cx="4430100" cy="380700"/>
+            <a:off x="4859700" y="910800"/>
+            <a:ext cx="4169400" cy="380700"/>
           </a:xfrm>
           <a:prstGeom prst="rect">
             <a:avLst/>
@@ -9135,7 +12513,7 @@
               <a:buNone/>
             </a:pPr>
             <a:r>
-              <a:rPr lang="en-GB" sz="1800">
+              <a:rPr lang="en-GB" sz="1900">
                 <a:latin typeface="Times New Roman"/>
                 <a:ea typeface="Times New Roman"/>
                 <a:cs typeface="Times New Roman"/>
@@ -9143,7 +12521,7 @@
               </a:rPr>
               <a:t>Общая проблема: большой scale factor</a:t>
             </a:r>
-            <a:endParaRPr sz="1800">
+            <a:endParaRPr sz="1900">
               <a:latin typeface="Times New Roman"/>
               <a:ea typeface="Times New Roman"/>
               <a:cs typeface="Times New Roman"/>
@@ -9154,14 +12532,14 @@
       </p:sp>
       <p:sp>
         <p:nvSpPr>
-          <p:cNvPr id="77" name="Google Shape;77;p16"/>
+          <p:cNvPr id="83" name="Google Shape;83;p17"/>
           <p:cNvSpPr txBox="1"/>
           <p:nvPr/>
         </p:nvSpPr>
         <p:spPr>
           <a:xfrm>
-            <a:off x="4719400" y="2245800"/>
-            <a:ext cx="4169400" cy="738900"/>
+            <a:off x="4859700" y="2187000"/>
+            <a:ext cx="3948300" cy="769500"/>
           </a:xfrm>
           <a:prstGeom prst="rect">
             <a:avLst/>
@@ -9187,7 +12565,7 @@
               <a:buNone/>
             </a:pPr>
             <a:r>
-              <a:rPr lang="en-GB" sz="1800">
+              <a:rPr lang="en-GB" sz="1900">
                 <a:solidFill>
                   <a:schemeClr val="dk1"/>
                 </a:solidFill>
@@ -9198,7 +12576,7 @@
               </a:rPr>
               <a:t>Для нейтрального каона S = 1.2, для заряженного – S = 2.8</a:t>
             </a:r>
-            <a:endParaRPr>
+            <a:endParaRPr sz="1900">
               <a:latin typeface="Times New Roman"/>
               <a:ea typeface="Times New Roman"/>
               <a:cs typeface="Times New Roman"/>
@@ -9209,7 +12587,7 @@
       </p:sp>
       <p:pic>
         <p:nvPicPr>
-          <p:cNvPr descr="{&quot;mathType&quot;:&quot;LaTEX&quot;,&quot;color&quot;:&quot;#000000&quot;,&quot;height&quot;:100,&quot;text&quot;:&quot;S = \\sqrt{\\frac{\\chi^2}{ndf}}.&quot;}" id="78" name="Google Shape;78;p16" title="Math_Equation_Generated"/>
+          <p:cNvPr descr="{&quot;mathType&quot;:&quot;LaTEX&quot;,&quot;color&quot;:&quot;#000000&quot;,&quot;height&quot;:100,&quot;text&quot;:&quot;S = \\sqrt{\\frac{\\chi^2}{ndf}}.&quot;}" id="84" name="Google Shape;84;p17" title="Math_Equation_Generated"/>
           <p:cNvPicPr preferRelativeResize="0"/>
           <p:nvPr/>
         </p:nvPicPr>
@@ -9235,6 +12613,34 @@
           </a:ln>
         </p:spPr>
       </p:pic>
+      <p:pic>
+        <p:nvPicPr>
+          <p:cNvPr descr="{&quot;color&quot;:&quot;#000000&quot;,&quot;text&quot;:&quot;K^{\\pm}&quot;,&quot;mathType&quot;:&quot;LaTEX&quot;,&quot;height&quot;:50}" id="85" name="Google Shape;85;p17" title="Math_Equation_Generated"/>
+          <p:cNvPicPr preferRelativeResize="0"/>
+          <p:nvPr/>
+        </p:nvPicPr>
+        <p:blipFill>
+          <a:blip r:embed="rId5">
+            <a:alphaModFix/>
+          </a:blip>
+          <a:stretch>
+            <a:fillRect/>
+          </a:stretch>
+        </p:blipFill>
+        <p:spPr>
+          <a:xfrm>
+            <a:off x="4572000" y="136988"/>
+            <a:ext cx="420900" cy="223875"/>
+          </a:xfrm>
+          <a:prstGeom prst="rect">
+            <a:avLst/>
+          </a:prstGeom>
+          <a:noFill/>
+          <a:ln>
+            <a:noFill/>
+          </a:ln>
+        </p:spPr>
+      </p:pic>
     </p:spTree>
   </p:cSld>
   <p:clrMapOvr>
@@ -9248,7 +12654,7 @@
   <p:cSld>
     <p:spTree>
       <p:nvGrpSpPr>
-        <p:cNvPr id="82" name="Shape 82"/>
+        <p:cNvPr id="89" name="Shape 89"/>
         <p:cNvGrpSpPr/>
         <p:nvPr/>
       </p:nvGrpSpPr>
@@ -9262,7 +12668,217 @@
       </p:grpSpPr>
       <p:sp>
         <p:nvSpPr>
-          <p:cNvPr id="83" name="Google Shape;83;p17"/>
+          <p:cNvPr id="90" name="Google Shape;90;p18"/>
+          <p:cNvSpPr txBox="1"/>
+          <p:nvPr>
+            <p:ph type="title"/>
+          </p:nvPr>
+        </p:nvSpPr>
+        <p:spPr>
+          <a:xfrm>
+            <a:off x="311700" y="445850"/>
+            <a:ext cx="8520600" cy="572700"/>
+          </a:xfrm>
+          <a:prstGeom prst="rect">
+            <a:avLst/>
+          </a:prstGeom>
+        </p:spPr>
+        <p:txBody>
+          <a:bodyPr anchorCtr="0" anchor="t" bIns="91425" lIns="91425" spcFirstLastPara="1" rIns="91425" wrap="square" tIns="91425">
+            <a:normAutofit fontScale="90000"/>
+          </a:bodyPr>
+          <a:lstStyle/>
+          <a:p>
+            <a:pPr indent="0" lvl="0" marL="0" rtl="0" algn="l">
+              <a:spcBef>
+                <a:spcPts val="0"/>
+              </a:spcBef>
+              <a:spcAft>
+                <a:spcPts val="0"/>
+              </a:spcAft>
+              <a:buNone/>
+            </a:pPr>
+            <a:r>
+              <a:rPr lang="en-GB"/>
+              <a:t>Немного про сам эксперимент</a:t>
+            </a:r>
+            <a:endParaRPr/>
+          </a:p>
+        </p:txBody>
+      </p:sp>
+      <p:sp>
+        <p:nvSpPr>
+          <p:cNvPr id="91" name="Google Shape;91;p18"/>
+          <p:cNvSpPr txBox="1"/>
+          <p:nvPr>
+            <p:ph idx="1" type="body"/>
+          </p:nvPr>
+        </p:nvSpPr>
+        <p:spPr>
+          <a:xfrm>
+            <a:off x="311700" y="1234963"/>
+            <a:ext cx="8520600" cy="446100"/>
+          </a:xfrm>
+          <a:prstGeom prst="rect">
+            <a:avLst/>
+          </a:prstGeom>
+        </p:spPr>
+        <p:txBody>
+          <a:bodyPr anchorCtr="0" anchor="t" bIns="91425" lIns="91425" spcFirstLastPara="1" rIns="91425" wrap="square" tIns="91425">
+            <a:normAutofit lnSpcReduction="20000"/>
+          </a:bodyPr>
+          <a:lstStyle/>
+          <a:p>
+            <a:pPr indent="0" lvl="0" marL="0" rtl="0" algn="l">
+              <a:spcBef>
+                <a:spcPts val="0"/>
+              </a:spcBef>
+              <a:spcAft>
+                <a:spcPts val="1200"/>
+              </a:spcAft>
+              <a:buNone/>
+            </a:pPr>
+            <a:r>
+              <a:rPr lang="en-GB">
+                <a:solidFill>
+                  <a:schemeClr val="dk1"/>
+                </a:solidFill>
+                <a:latin typeface="Times New Roman"/>
+                <a:ea typeface="Times New Roman"/>
+                <a:cs typeface="Times New Roman"/>
+                <a:sym typeface="Times New Roman"/>
+              </a:rPr>
+              <a:t>В качестве источника каонов использовался процесс:</a:t>
+            </a:r>
+            <a:endParaRPr>
+              <a:solidFill>
+                <a:schemeClr val="dk1"/>
+              </a:solidFill>
+              <a:latin typeface="Times New Roman"/>
+              <a:ea typeface="Times New Roman"/>
+              <a:cs typeface="Times New Roman"/>
+              <a:sym typeface="Times New Roman"/>
+            </a:endParaRPr>
+          </a:p>
+        </p:txBody>
+      </p:sp>
+      <p:pic>
+        <p:nvPicPr>
+          <p:cNvPr descr="{&quot;mathType&quot;:&quot;LaTEX&quot;,&quot;color&quot;:&quot;#000000&quot;,&quot;text&quot;:&quot;e^+e^-\\rightarrow\\phi(1020)\\rightarrow K^0_SK^0_L, K^0_S\\rightarrow \\pi^+\\pi^-&quot;,&quot;height&quot;:70}" id="92" name="Google Shape;92;p18" title="Math_Equation_Generated"/>
+          <p:cNvPicPr preferRelativeResize="0"/>
+          <p:nvPr/>
+        </p:nvPicPr>
+        <p:blipFill>
+          <a:blip r:embed="rId3">
+            <a:alphaModFix/>
+          </a:blip>
+          <a:stretch>
+            <a:fillRect/>
+          </a:stretch>
+        </p:blipFill>
+        <p:spPr>
+          <a:xfrm>
+            <a:off x="311700" y="1784131"/>
+            <a:ext cx="6525806" cy="446100"/>
+          </a:xfrm>
+          <a:prstGeom prst="rect">
+            <a:avLst/>
+          </a:prstGeom>
+          <a:noFill/>
+          <a:ln>
+            <a:noFill/>
+          </a:ln>
+        </p:spPr>
+      </p:pic>
+      <p:sp>
+        <p:nvSpPr>
+          <p:cNvPr id="93" name="Google Shape;93;p18"/>
+          <p:cNvSpPr txBox="1"/>
+          <p:nvPr/>
+        </p:nvSpPr>
+        <p:spPr>
+          <a:xfrm>
+            <a:off x="311700" y="2430375"/>
+            <a:ext cx="8246400" cy="461700"/>
+          </a:xfrm>
+          <a:prstGeom prst="rect">
+            <a:avLst/>
+          </a:prstGeom>
+          <a:noFill/>
+          <a:ln>
+            <a:noFill/>
+          </a:ln>
+        </p:spPr>
+        <p:txBody>
+          <a:bodyPr anchorCtr="0" anchor="t" bIns="91425" lIns="91425" spcFirstLastPara="1" rIns="91425" wrap="square" tIns="91425">
+            <a:spAutoFit/>
+          </a:bodyPr>
+          <a:lstStyle/>
+          <a:p>
+            <a:pPr indent="0" lvl="0" marL="0" rtl="0" algn="l">
+              <a:spcBef>
+                <a:spcPts val="0"/>
+              </a:spcBef>
+              <a:spcAft>
+                <a:spcPts val="0"/>
+              </a:spcAft>
+              <a:buNone/>
+            </a:pPr>
+            <a:r>
+              <a:rPr lang="en-GB" sz="1800">
+                <a:latin typeface="Times New Roman"/>
+                <a:ea typeface="Times New Roman"/>
+                <a:cs typeface="Times New Roman"/>
+                <a:sym typeface="Times New Roman"/>
+              </a:rPr>
+              <a:t>В сезоне PHI/OMEGA 2018 вблизи пика φ-мезонного резонанса набрано ~10 пб</a:t>
+            </a:r>
+            <a:r>
+              <a:rPr baseline="30000" lang="en-GB" sz="1800">
+                <a:latin typeface="Times New Roman"/>
+                <a:ea typeface="Times New Roman"/>
+                <a:cs typeface="Times New Roman"/>
+                <a:sym typeface="Times New Roman"/>
+              </a:rPr>
+              <a:t>-1</a:t>
+            </a:r>
+            <a:endParaRPr baseline="30000" sz="1800">
+              <a:latin typeface="Times New Roman"/>
+              <a:ea typeface="Times New Roman"/>
+              <a:cs typeface="Times New Roman"/>
+              <a:sym typeface="Times New Roman"/>
+            </a:endParaRPr>
+          </a:p>
+        </p:txBody>
+      </p:sp>
+    </p:spTree>
+  </p:cSld>
+  <p:clrMapOvr>
+    <a:masterClrMapping/>
+  </p:clrMapOvr>
+</p:sld>
+</file>
+
+<file path=ppt/slides/slide6.xml><?xml version="1.0" encoding="utf-8"?>
+<p:sld xmlns:a="http://schemas.openxmlformats.org/drawingml/2006/main" xmlns:r="http://schemas.openxmlformats.org/officeDocument/2006/relationships" xmlns:mc="http://schemas.openxmlformats.org/markup-compatibility/2006" xmlns:mv="urn:schemas-microsoft-com:mac:vml" xmlns:p="http://schemas.openxmlformats.org/presentationml/2006/main" xmlns:c="http://schemas.openxmlformats.org/drawingml/2006/chart" xmlns:dgm="http://schemas.openxmlformats.org/drawingml/2006/diagram" xmlns:o="urn:schemas-microsoft-com:office:office" xmlns:v="urn:schemas-microsoft-com:vml" xmlns:pvml="urn:schemas-microsoft-com:office:powerpoint" xmlns:com="http://schemas.openxmlformats.org/drawingml/2006/compatibility" xmlns:p14="http://schemas.microsoft.com/office/powerpoint/2010/main" xmlns:p15="http://schemas.microsoft.com/office/powerpoint/2012/main" xmlns:ahyp="http://schemas.microsoft.com/office/drawing/2018/hyperlinkcolor">
+  <p:cSld>
+    <p:spTree>
+      <p:nvGrpSpPr>
+        <p:cNvPr id="97" name="Shape 97"/>
+        <p:cNvGrpSpPr/>
+        <p:nvPr/>
+      </p:nvGrpSpPr>
+      <p:grpSpPr>
+        <a:xfrm>
+          <a:off x="0" y="0"/>
+          <a:ext cx="0" cy="0"/>
+          <a:chOff x="0" y="0"/>
+          <a:chExt cx="0" cy="0"/>
+        </a:xfrm>
+      </p:grpSpPr>
+      <p:sp>
+        <p:nvSpPr>
+          <p:cNvPr id="98" name="Google Shape;98;p19"/>
           <p:cNvSpPr txBox="1"/>
           <p:nvPr>
             <p:ph type="title"/>
@@ -9315,7 +12931,7 @@
       </p:sp>
       <p:sp>
         <p:nvSpPr>
-          <p:cNvPr id="84" name="Google Shape;84;p17"/>
+          <p:cNvPr id="99" name="Google Shape;99;p19"/>
           <p:cNvSpPr txBox="1"/>
           <p:nvPr>
             <p:ph idx="1" type="body"/>
@@ -9323,7 +12939,7 @@
         </p:nvSpPr>
         <p:spPr>
           <a:xfrm>
-            <a:off x="268200" y="739250"/>
+            <a:off x="311700" y="880625"/>
             <a:ext cx="8520600" cy="635100"/>
           </a:xfrm>
           <a:prstGeom prst="rect">
@@ -9375,16 +12991,72 @@
           </a:p>
         </p:txBody>
       </p:sp>
+      <p:pic>
+        <p:nvPicPr>
+          <p:cNvPr descr="{&quot;height&quot;:100,&quot;color&quot;:&quot;#000000&quot;,&quot;text&quot;:&quot;M_{K^0_S}=E_{K^0_S}\\sqrt{1-\\beta_m^2cos(\\frac{\\psi_c}{2})}&quot;,&quot;mathType&quot;:&quot;LaTEX&quot;}" id="100" name="Google Shape;100;p19" title="Math_Equation_Generated"/>
+          <p:cNvPicPr preferRelativeResize="0"/>
+          <p:nvPr/>
+        </p:nvPicPr>
+        <p:blipFill>
+          <a:blip r:embed="rId3">
+            <a:alphaModFix/>
+          </a:blip>
+          <a:stretch>
+            <a:fillRect/>
+          </a:stretch>
+        </p:blipFill>
+        <p:spPr>
+          <a:xfrm>
+            <a:off x="268198" y="1629876"/>
+            <a:ext cx="4976571" cy="739450"/>
+          </a:xfrm>
+          <a:prstGeom prst="rect">
+            <a:avLst/>
+          </a:prstGeom>
+          <a:noFill/>
+          <a:ln>
+            <a:noFill/>
+          </a:ln>
+        </p:spPr>
+      </p:pic>
+      <p:pic>
+        <p:nvPicPr>
+          <p:cNvPr descr="{&quot;mathType&quot;:&quot;LaTEX&quot;,&quot;text&quot;:&quot;\\beta_m^2 = 1-\\frac{M_{\\pi}^2}{E_{K^0_S}^2}.&quot;,&quot;color&quot;:&quot;#000000&quot;,&quot;height&quot;:100}" id="101" name="Google Shape;101;p19" title="Math_Equation_Generated"/>
+          <p:cNvPicPr preferRelativeResize="0"/>
+          <p:nvPr/>
+        </p:nvPicPr>
+        <p:blipFill>
+          <a:blip r:embed="rId4">
+            <a:alphaModFix/>
+          </a:blip>
+          <a:stretch>
+            <a:fillRect/>
+          </a:stretch>
+        </p:blipFill>
+        <p:spPr>
+          <a:xfrm>
+            <a:off x="5721400" y="1629875"/>
+            <a:ext cx="2144400" cy="739450"/>
+          </a:xfrm>
+          <a:prstGeom prst="rect">
+            <a:avLst/>
+          </a:prstGeom>
+          <a:noFill/>
+          <a:ln>
+            <a:noFill/>
+          </a:ln>
+        </p:spPr>
+      </p:pic>
       <p:sp>
         <p:nvSpPr>
-          <p:cNvPr id="85" name="Google Shape;85;p17"/>
+          <p:cNvPr id="102" name="Google Shape;102;p19"/>
           <p:cNvSpPr txBox="1"/>
           <p:nvPr/>
         </p:nvSpPr>
         <p:spPr>
           <a:xfrm>
-            <a:off x="311700" y="2110050"/>
-            <a:ext cx="4882500" cy="461700"/>
+            <a:off x="1544125" y="3033900"/>
+            <a:ext cx="3784200" cy="400200"/>
           </a:xfrm>
           <a:prstGeom prst="rect">
             <a:avLst/>
@@ -9410,26 +13082,57 @@
               <a:buNone/>
             </a:pPr>
             <a:r>
-              <a:rPr lang="en-GB" sz="1800">
-                <a:latin typeface="Times New Roman"/>
-                <a:ea typeface="Times New Roman"/>
-                <a:cs typeface="Times New Roman"/>
-                <a:sym typeface="Times New Roman"/>
-              </a:rPr>
-              <a:t>Метод полной реконструкции:</a:t>
+              <a:rPr lang="en-GB"/>
+              <a:t>Картинка </a:t>
             </a:r>
-            <a:endParaRPr sz="1800">
-              <a:latin typeface="Times New Roman"/>
-              <a:ea typeface="Times New Roman"/>
-              <a:cs typeface="Times New Roman"/>
-              <a:sym typeface="Times New Roman"/>
-            </a:endParaRPr>
+            <a:r>
+              <a:rPr lang="en-GB"/>
+              <a:t>иллюстрирующая</a:t>
+            </a:r>
+            <a:r>
+              <a:rPr lang="en-GB"/>
+              <a:t> </a:t>
+            </a:r>
+            <a:r>
+              <a:rPr lang="en-GB"/>
+              <a:t>распад</a:t>
+            </a:r>
+            <a:r>
+              <a:rPr lang="en-GB"/>
+              <a:t> Ks</a:t>
+            </a:r>
+            <a:endParaRPr/>
           </a:p>
         </p:txBody>
       </p:sp>
+    </p:spTree>
+  </p:cSld>
+  <p:clrMapOvr>
+    <a:masterClrMapping/>
+  </p:clrMapOvr>
+</p:sld>
+</file>
+
+<file path=ppt/slides/slide7.xml><?xml version="1.0" encoding="utf-8"?>
+<p:sld xmlns:a="http://schemas.openxmlformats.org/drawingml/2006/main" xmlns:r="http://schemas.openxmlformats.org/officeDocument/2006/relationships" xmlns:mc="http://schemas.openxmlformats.org/markup-compatibility/2006" xmlns:mv="urn:schemas-microsoft-com:mac:vml" xmlns:p="http://schemas.openxmlformats.org/presentationml/2006/main" xmlns:c="http://schemas.openxmlformats.org/drawingml/2006/chart" xmlns:dgm="http://schemas.openxmlformats.org/drawingml/2006/diagram" xmlns:o="urn:schemas-microsoft-com:office:office" xmlns:v="urn:schemas-microsoft-com:vml" xmlns:pvml="urn:schemas-microsoft-com:office:powerpoint" xmlns:com="http://schemas.openxmlformats.org/drawingml/2006/compatibility" xmlns:p14="http://schemas.microsoft.com/office/powerpoint/2010/main" xmlns:p15="http://schemas.microsoft.com/office/powerpoint/2012/main" xmlns:ahyp="http://schemas.microsoft.com/office/drawing/2018/hyperlinkcolor">
+  <p:cSld>
+    <p:spTree>
+      <p:nvGrpSpPr>
+        <p:cNvPr id="106" name="Shape 106"/>
+        <p:cNvGrpSpPr/>
+        <p:nvPr/>
+      </p:nvGrpSpPr>
+      <p:grpSpPr>
+        <a:xfrm>
+          <a:off x="0" y="0"/>
+          <a:ext cx="0" cy="0"/>
+          <a:chOff x="0" y="0"/>
+          <a:chExt cx="0" cy="0"/>
+        </a:xfrm>
+      </p:grpSpPr>
       <p:pic>
         <p:nvPicPr>
-          <p:cNvPr descr="{&quot;height&quot;:100,&quot;color&quot;:&quot;#000000&quot;,&quot;text&quot;:&quot;M_{K^0_S}=E_{K^0_S}\\sqrt{1-\\beta_m^2cos(\\frac{\\psi_c}{2})}&quot;,&quot;mathType&quot;:&quot;LaTEX&quot;}" id="86" name="Google Shape;86;p17" title="Math_Equation_Generated"/>
+          <p:cNvPr id="107" name="Google Shape;107;p20"/>
           <p:cNvPicPr preferRelativeResize="0"/>
           <p:nvPr/>
         </p:nvPicPr>
@@ -9443,8 +13146,8 @@
         </p:blipFill>
         <p:spPr>
           <a:xfrm>
-            <a:off x="355200" y="1272275"/>
-            <a:ext cx="4273550" cy="635000"/>
+            <a:off x="4451550" y="2612899"/>
+            <a:ext cx="4571999" cy="2255381"/>
           </a:xfrm>
           <a:prstGeom prst="rect">
             <a:avLst/>
@@ -9457,7 +13160,7 @@
       </p:pic>
       <p:pic>
         <p:nvPicPr>
-          <p:cNvPr descr="{&quot;mathType&quot;:&quot;LaTEX&quot;,&quot;text&quot;:&quot;\\beta_m^2 = 1-\\frac{M_{\\pi}^2}{E_{K^0_S}^2}.&quot;,&quot;color&quot;:&quot;#000000&quot;,&quot;height&quot;:100}" id="87" name="Google Shape;87;p17" title="Math_Equation_Generated"/>
+          <p:cNvPr id="108" name="Google Shape;108;p20"/>
           <p:cNvPicPr preferRelativeResize="0"/>
           <p:nvPr/>
         </p:nvPicPr>
@@ -9471,8 +13174,8 @@
         </p:blipFill>
         <p:spPr>
           <a:xfrm>
-            <a:off x="5264725" y="1272275"/>
-            <a:ext cx="2144400" cy="739450"/>
+            <a:off x="119825" y="2612900"/>
+            <a:ext cx="4331725" cy="2141675"/>
           </a:xfrm>
           <a:prstGeom prst="rect">
             <a:avLst/>
@@ -9485,7 +13188,7 @@
       </p:pic>
       <p:pic>
         <p:nvPicPr>
-          <p:cNvPr descr="{&quot;height&quot;:100,&quot;color&quot;:&quot;#000000&quot;,&quot;mathType&quot;:&quot;LaTEX&quot;,&quot;text&quot;:&quot;M_{K^0_S}=E_{K^0_S}\\sqrt{1-\\frac{1}{\\eta^2}(1+\\sqrt{1-\\eta^2}cos(\\psi))(1-\\sqrt{1-\\eta^2\\beta_m^2})}&quot;}" id="88" name="Google Shape;88;p17" title="Math_Equation_Generated"/>
+          <p:cNvPr descr="{&quot;height&quot;:100,&quot;color&quot;:&quot;#000000&quot;,&quot;mathType&quot;:&quot;LaTEX&quot;,&quot;text&quot;:&quot;M_{K^0_S}=E_{K^0_S}\\sqrt{1-\\frac{1}{\\eta^2}(1+\\sqrt{1-\\eta^2}cos(\\psi))(1-\\sqrt{1-\\eta^2\\beta_m^2})}&quot;}" id="109" name="Google Shape;109;p20" title="Math_Equation_Generated"/>
           <p:cNvPicPr preferRelativeResize="0"/>
           <p:nvPr/>
         </p:nvPicPr>
@@ -9499,7 +13202,7 @@
         </p:blipFill>
         <p:spPr>
           <a:xfrm>
-            <a:off x="311700" y="2630850"/>
+            <a:off x="228600" y="764450"/>
             <a:ext cx="8686800" cy="635000"/>
           </a:xfrm>
           <a:prstGeom prst="rect">
@@ -9513,7 +13216,7 @@
       </p:pic>
       <p:pic>
         <p:nvPicPr>
-          <p:cNvPr descr="{&quot;mathType&quot;:&quot;LaTEX&quot;,&quot;height&quot;:100,&quot;color&quot;:&quot;#000000&quot;,&quot;text&quot;:&quot;\\eta^2=\\frac{1-Y^2}{1+Y^2}, Y=\\frac{|\\overrightarrow{p_{\\pi^+}}|}{|\\overrightarrow{p_{\\pi^-}}|}&quot;}" id="89" name="Google Shape;89;p17" title="Math_Equation_Generated"/>
+          <p:cNvPr descr="{&quot;mathType&quot;:&quot;LaTEX&quot;,&quot;height&quot;:100,&quot;color&quot;:&quot;#000000&quot;,&quot;text&quot;:&quot;\\eta^2=\\frac{1-Y^2}{1+Y^2}, Y=\\frac{|\\overrightarrow{p_{\\pi^+}}|}{|\\overrightarrow{p_{\\pi^-}}|}&quot;}" id="110" name="Google Shape;110;p20" title="Math_Equation_Generated"/>
           <p:cNvPicPr preferRelativeResize="0"/>
           <p:nvPr/>
         </p:nvPicPr>
@@ -9527,8 +13230,8 @@
         </p:blipFill>
         <p:spPr>
           <a:xfrm>
-            <a:off x="355200" y="3545000"/>
-            <a:ext cx="2646075" cy="635100"/>
+            <a:off x="228600" y="1605000"/>
+            <a:ext cx="3343825" cy="859050"/>
           </a:xfrm>
           <a:prstGeom prst="rect">
             <a:avLst/>
@@ -9541,14 +13244,14 @@
       </p:pic>
       <p:sp>
         <p:nvSpPr>
-          <p:cNvPr id="90" name="Google Shape;90;p17"/>
+          <p:cNvPr id="111" name="Google Shape;111;p20"/>
           <p:cNvSpPr txBox="1"/>
           <p:nvPr/>
         </p:nvSpPr>
         <p:spPr>
           <a:xfrm>
-            <a:off x="4628750" y="1366575"/>
-            <a:ext cx="848100" cy="446400"/>
+            <a:off x="119825" y="161425"/>
+            <a:ext cx="5317500" cy="461700"/>
           </a:xfrm>
           <a:prstGeom prst="rect">
             <a:avLst/>
@@ -9574,20 +13277,18 @@
               <a:buNone/>
             </a:pPr>
             <a:r>
-              <a:rPr lang="en-GB" sz="1700">
+              <a:rPr lang="en-GB" sz="1800">
+                <a:solidFill>
+                  <a:schemeClr val="dk1"/>
+                </a:solidFill>
                 <a:latin typeface="Times New Roman"/>
                 <a:ea typeface="Times New Roman"/>
                 <a:cs typeface="Times New Roman"/>
                 <a:sym typeface="Times New Roman"/>
               </a:rPr>
-              <a:t>, где</a:t>
+              <a:t>Метод полной реконструкции:</a:t>
             </a:r>
-            <a:endParaRPr sz="1700">
-              <a:latin typeface="Times New Roman"/>
-              <a:ea typeface="Times New Roman"/>
-              <a:cs typeface="Times New Roman"/>
-              <a:sym typeface="Times New Roman"/>
-            </a:endParaRPr>
+            <a:endParaRPr/>
           </a:p>
         </p:txBody>
       </p:sp>
@@ -9599,12 +13300,12 @@
 </p:sld>
 </file>
 
-<file path=ppt/slides/slide6.xml><?xml version="1.0" encoding="utf-8"?>
+<file path=ppt/slides/slide8.xml><?xml version="1.0" encoding="utf-8"?>
 <p:sld xmlns:a="http://schemas.openxmlformats.org/drawingml/2006/main" xmlns:r="http://schemas.openxmlformats.org/officeDocument/2006/relationships" xmlns:mc="http://schemas.openxmlformats.org/markup-compatibility/2006" xmlns:mv="urn:schemas-microsoft-com:mac:vml" xmlns:p="http://schemas.openxmlformats.org/presentationml/2006/main" xmlns:c="http://schemas.openxmlformats.org/drawingml/2006/chart" xmlns:dgm="http://schemas.openxmlformats.org/drawingml/2006/diagram" xmlns:o="urn:schemas-microsoft-com:office:office" xmlns:v="urn:schemas-microsoft-com:vml" xmlns:pvml="urn:schemas-microsoft-com:office:powerpoint" xmlns:com="http://schemas.openxmlformats.org/drawingml/2006/compatibility" xmlns:p14="http://schemas.microsoft.com/office/powerpoint/2010/main" xmlns:p15="http://schemas.microsoft.com/office/powerpoint/2012/main" xmlns:ahyp="http://schemas.microsoft.com/office/drawing/2018/hyperlinkcolor">
   <p:cSld>
     <p:spTree>
       <p:nvGrpSpPr>
-        <p:cNvPr id="94" name="Shape 94"/>
+        <p:cNvPr id="115" name="Shape 115"/>
         <p:cNvGrpSpPr/>
         <p:nvPr/>
       </p:nvGrpSpPr>
@@ -9618,7 +13319,7 @@
       </p:grpSpPr>
       <p:sp>
         <p:nvSpPr>
-          <p:cNvPr id="95" name="Google Shape;95;p18"/>
+          <p:cNvPr id="116" name="Google Shape;116;p21"/>
           <p:cNvSpPr txBox="1"/>
           <p:nvPr>
             <p:ph type="title"/>
@@ -9627,7 +13328,7 @@
         <p:spPr>
           <a:xfrm>
             <a:off x="311700" y="0"/>
-            <a:ext cx="8520600" cy="572700"/>
+            <a:ext cx="8520600" cy="565500"/>
           </a:xfrm>
           <a:prstGeom prst="rect">
             <a:avLst/>
@@ -9666,7 +13367,7 @@
       </p:sp>
       <p:sp>
         <p:nvSpPr>
-          <p:cNvPr id="96" name="Google Shape;96;p18"/>
+          <p:cNvPr id="117" name="Google Shape;117;p21"/>
           <p:cNvSpPr txBox="1"/>
           <p:nvPr>
             <p:ph idx="1" type="body"/>
@@ -9674,8 +13375,8 @@
         </p:nvSpPr>
         <p:spPr>
           <a:xfrm>
-            <a:off x="311700" y="1152475"/>
-            <a:ext cx="8520600" cy="3416400"/>
+            <a:off x="311700" y="565500"/>
+            <a:ext cx="7202400" cy="2109600"/>
           </a:xfrm>
           <a:prstGeom prst="rect">
             <a:avLst/>
@@ -9688,21 +13389,791 @@
           <a:lstStyle/>
           <a:p>
             <a:pPr indent="0" lvl="0" marL="0" rtl="0" algn="l">
-              <a:spcBef>
-                <a:spcPts val="0"/>
-              </a:spcBef>
-              <a:spcAft>
-                <a:spcPts val="1200"/>
+              <a:lnSpc>
+                <a:spcPct val="100000"/>
+              </a:lnSpc>
+              <a:spcBef>
+                <a:spcPts val="0"/>
+              </a:spcBef>
+              <a:spcAft>
+                <a:spcPts val="0"/>
               </a:spcAft>
               <a:buNone/>
             </a:pPr>
             <a:r>
-              <a:t/>
+              <a:rPr lang="en-GB" sz="1900">
+                <a:solidFill>
+                  <a:schemeClr val="dk1"/>
+                </a:solidFill>
+                <a:latin typeface="Times New Roman"/>
+                <a:ea typeface="Times New Roman"/>
+                <a:cs typeface="Times New Roman"/>
+                <a:sym typeface="Times New Roman"/>
+              </a:rPr>
+              <a:t>Отбор “хороших” треков:</a:t>
             </a:r>
-            <a:endParaRPr/>
+            <a:endParaRPr sz="1900">
+              <a:solidFill>
+                <a:schemeClr val="dk1"/>
+              </a:solidFill>
+              <a:latin typeface="Times New Roman"/>
+              <a:ea typeface="Times New Roman"/>
+              <a:cs typeface="Times New Roman"/>
+              <a:sym typeface="Times New Roman"/>
+            </a:endParaRPr>
+          </a:p>
+          <a:p>
+            <a:pPr indent="-349250" lvl="0" marL="457200" rtl="0" algn="l">
+              <a:spcBef>
+                <a:spcPts val="0"/>
+              </a:spcBef>
+              <a:spcAft>
+                <a:spcPts val="0"/>
+              </a:spcAft>
+              <a:buClr>
+                <a:schemeClr val="dk1"/>
+              </a:buClr>
+              <a:buSzPts val="1900"/>
+              <a:buFont typeface="Times New Roman"/>
+              <a:buAutoNum type="arabicPeriod"/>
+            </a:pPr>
+            <a:r>
+              <a:rPr lang="en-GB" sz="1900">
+                <a:solidFill>
+                  <a:schemeClr val="dk1"/>
+                </a:solidFill>
+                <a:latin typeface="Times New Roman"/>
+                <a:ea typeface="Times New Roman"/>
+                <a:cs typeface="Times New Roman"/>
+                <a:sym typeface="Times New Roman"/>
+              </a:rPr>
+              <a:t>Координата вдоль пучка: |z| &lt; 12 см,</a:t>
+            </a:r>
+            <a:endParaRPr sz="1900">
+              <a:solidFill>
+                <a:schemeClr val="dk1"/>
+              </a:solidFill>
+              <a:latin typeface="Times New Roman"/>
+              <a:ea typeface="Times New Roman"/>
+              <a:cs typeface="Times New Roman"/>
+              <a:sym typeface="Times New Roman"/>
+            </a:endParaRPr>
+          </a:p>
+          <a:p>
+            <a:pPr indent="-349250" lvl="0" marL="457200" rtl="0" algn="l">
+              <a:spcBef>
+                <a:spcPts val="0"/>
+              </a:spcBef>
+              <a:spcAft>
+                <a:spcPts val="0"/>
+              </a:spcAft>
+              <a:buClr>
+                <a:schemeClr val="dk1"/>
+              </a:buClr>
+              <a:buSzPts val="1900"/>
+              <a:buFont typeface="Times New Roman"/>
+              <a:buAutoNum type="arabicPeriod"/>
+            </a:pPr>
+            <a:r>
+              <a:rPr lang="en-GB" sz="1900">
+                <a:solidFill>
+                  <a:schemeClr val="dk1"/>
+                </a:solidFill>
+                <a:latin typeface="Times New Roman"/>
+                <a:ea typeface="Times New Roman"/>
+                <a:cs typeface="Times New Roman"/>
+                <a:sym typeface="Times New Roman"/>
+              </a:rPr>
+              <a:t>‌Качество реконструкции трека по r-φ и по z: χ</a:t>
+            </a:r>
+            <a:r>
+              <a:rPr baseline="30000" lang="en-GB" sz="1900">
+                <a:solidFill>
+                  <a:schemeClr val="dk1"/>
+                </a:solidFill>
+                <a:latin typeface="Times New Roman"/>
+                <a:ea typeface="Times New Roman"/>
+                <a:cs typeface="Times New Roman"/>
+                <a:sym typeface="Times New Roman"/>
+              </a:rPr>
+              <a:t>2</a:t>
+            </a:r>
+            <a:r>
+              <a:rPr baseline="-25000" lang="en-GB" sz="1900">
+                <a:solidFill>
+                  <a:schemeClr val="dk1"/>
+                </a:solidFill>
+                <a:latin typeface="Times New Roman"/>
+                <a:ea typeface="Times New Roman"/>
+                <a:cs typeface="Times New Roman"/>
+                <a:sym typeface="Times New Roman"/>
+              </a:rPr>
+              <a:t>r-φ</a:t>
+            </a:r>
+            <a:r>
+              <a:rPr lang="en-GB" sz="1900">
+                <a:solidFill>
+                  <a:schemeClr val="dk1"/>
+                </a:solidFill>
+                <a:latin typeface="Times New Roman"/>
+                <a:ea typeface="Times New Roman"/>
+                <a:cs typeface="Times New Roman"/>
+                <a:sym typeface="Times New Roman"/>
+              </a:rPr>
+              <a:t> &lt; 15, </a:t>
+            </a:r>
+            <a:r>
+              <a:rPr lang="en-GB" sz="1900">
+                <a:solidFill>
+                  <a:schemeClr val="dk1"/>
+                </a:solidFill>
+                <a:latin typeface="Times New Roman"/>
+                <a:ea typeface="Times New Roman"/>
+                <a:cs typeface="Times New Roman"/>
+                <a:sym typeface="Times New Roman"/>
+              </a:rPr>
+              <a:t>χ</a:t>
+            </a:r>
+            <a:r>
+              <a:rPr baseline="30000" lang="en-GB" sz="1900">
+                <a:solidFill>
+                  <a:schemeClr val="dk1"/>
+                </a:solidFill>
+                <a:latin typeface="Times New Roman"/>
+                <a:ea typeface="Times New Roman"/>
+                <a:cs typeface="Times New Roman"/>
+                <a:sym typeface="Times New Roman"/>
+              </a:rPr>
+              <a:t>2</a:t>
+            </a:r>
+            <a:r>
+              <a:rPr baseline="-25000" lang="en-GB" sz="1900">
+                <a:solidFill>
+                  <a:schemeClr val="dk1"/>
+                </a:solidFill>
+                <a:latin typeface="Times New Roman"/>
+                <a:ea typeface="Times New Roman"/>
+                <a:cs typeface="Times New Roman"/>
+                <a:sym typeface="Times New Roman"/>
+              </a:rPr>
+              <a:t>z</a:t>
+            </a:r>
+            <a:r>
+              <a:rPr lang="en-GB" sz="1900">
+                <a:solidFill>
+                  <a:schemeClr val="dk1"/>
+                </a:solidFill>
+                <a:latin typeface="Times New Roman"/>
+                <a:ea typeface="Times New Roman"/>
+                <a:cs typeface="Times New Roman"/>
+                <a:sym typeface="Times New Roman"/>
+              </a:rPr>
+              <a:t> &lt; 10</a:t>
+            </a:r>
+            <a:endParaRPr sz="1900">
+              <a:solidFill>
+                <a:schemeClr val="dk1"/>
+              </a:solidFill>
+              <a:latin typeface="Times New Roman"/>
+              <a:ea typeface="Times New Roman"/>
+              <a:cs typeface="Times New Roman"/>
+              <a:sym typeface="Times New Roman"/>
+            </a:endParaRPr>
+          </a:p>
+          <a:p>
+            <a:pPr indent="-349250" lvl="0" marL="457200" rtl="0" algn="l">
+              <a:spcBef>
+                <a:spcPts val="0"/>
+              </a:spcBef>
+              <a:spcAft>
+                <a:spcPts val="0"/>
+              </a:spcAft>
+              <a:buClr>
+                <a:schemeClr val="dk1"/>
+              </a:buClr>
+              <a:buSzPts val="1900"/>
+              <a:buFont typeface="Times New Roman"/>
+              <a:buAutoNum type="arabicPeriod"/>
+            </a:pPr>
+            <a:r>
+              <a:rPr lang="en-GB" sz="1900">
+                <a:solidFill>
+                  <a:schemeClr val="dk1"/>
+                </a:solidFill>
+                <a:latin typeface="Times New Roman"/>
+                <a:ea typeface="Times New Roman"/>
+                <a:cs typeface="Times New Roman"/>
+                <a:sym typeface="Times New Roman"/>
+              </a:rPr>
+              <a:t>‌Количество сработанных проволочек: 10 &lt; n</a:t>
+            </a:r>
+            <a:r>
+              <a:rPr baseline="-25000" lang="en-GB" sz="1900">
+                <a:solidFill>
+                  <a:schemeClr val="dk1"/>
+                </a:solidFill>
+                <a:latin typeface="Times New Roman"/>
+                <a:ea typeface="Times New Roman"/>
+                <a:cs typeface="Times New Roman"/>
+                <a:sym typeface="Times New Roman"/>
+              </a:rPr>
+              <a:t>hit</a:t>
+            </a:r>
+            <a:r>
+              <a:rPr lang="en-GB" sz="1900">
+                <a:solidFill>
+                  <a:schemeClr val="dk1"/>
+                </a:solidFill>
+                <a:latin typeface="Times New Roman"/>
+                <a:ea typeface="Times New Roman"/>
+                <a:cs typeface="Times New Roman"/>
+                <a:sym typeface="Times New Roman"/>
+              </a:rPr>
+              <a:t> &lt; 30</a:t>
+            </a:r>
+            <a:endParaRPr sz="1900">
+              <a:solidFill>
+                <a:schemeClr val="dk1"/>
+              </a:solidFill>
+              <a:latin typeface="Times New Roman"/>
+              <a:ea typeface="Times New Roman"/>
+              <a:cs typeface="Times New Roman"/>
+              <a:sym typeface="Times New Roman"/>
+            </a:endParaRPr>
+          </a:p>
+          <a:p>
+            <a:pPr indent="-349250" lvl="0" marL="457200" rtl="0" algn="l">
+              <a:spcBef>
+                <a:spcPts val="0"/>
+              </a:spcBef>
+              <a:spcAft>
+                <a:spcPts val="0"/>
+              </a:spcAft>
+              <a:buClr>
+                <a:schemeClr val="dk1"/>
+              </a:buClr>
+              <a:buSzPts val="1900"/>
+              <a:buFont typeface="Times New Roman"/>
+              <a:buAutoNum type="arabicPeriod"/>
+            </a:pPr>
+            <a:r>
+              <a:rPr lang="en-GB" sz="1900">
+                <a:solidFill>
+                  <a:schemeClr val="dk1"/>
+                </a:solidFill>
+                <a:latin typeface="Times New Roman"/>
+                <a:ea typeface="Times New Roman"/>
+                <a:cs typeface="Times New Roman"/>
+                <a:sym typeface="Times New Roman"/>
+              </a:rPr>
+              <a:t>Полярный угол трека</a:t>
+            </a:r>
+            <a:endParaRPr sz="1900">
+              <a:solidFill>
+                <a:schemeClr val="dk1"/>
+              </a:solidFill>
+              <a:latin typeface="Times New Roman"/>
+              <a:ea typeface="Times New Roman"/>
+              <a:cs typeface="Times New Roman"/>
+              <a:sym typeface="Times New Roman"/>
+            </a:endParaRPr>
           </a:p>
         </p:txBody>
       </p:sp>
+      <p:pic>
+        <p:nvPicPr>
+          <p:cNvPr descr="{&quot;height&quot;:100,&quot;mathType&quot;:&quot;LaTEX&quot;,&quot;text&quot;:&quot;|\\theta-\\frac{\\pi}{2}|&lt;0.7&quot;,&quot;color&quot;:&quot;#000000&quot;}" id="118" name="Google Shape;118;p21" title="Math_Equation_Generated"/>
+          <p:cNvPicPr preferRelativeResize="0"/>
+          <p:nvPr/>
+        </p:nvPicPr>
+        <p:blipFill>
+          <a:blip r:embed="rId3">
+            <a:alphaModFix/>
+          </a:blip>
+          <a:stretch>
+            <a:fillRect/>
+          </a:stretch>
+        </p:blipFill>
+        <p:spPr>
+          <a:xfrm>
+            <a:off x="3178900" y="1952875"/>
+            <a:ext cx="1468000" cy="281775"/>
+          </a:xfrm>
+          <a:prstGeom prst="rect">
+            <a:avLst/>
+          </a:prstGeom>
+          <a:noFill/>
+          <a:ln>
+            <a:noFill/>
+          </a:ln>
+        </p:spPr>
+      </p:pic>
+      <p:pic>
+        <p:nvPicPr>
+          <p:cNvPr id="119" name="Google Shape;119;p21"/>
+          <p:cNvPicPr preferRelativeResize="0"/>
+          <p:nvPr/>
+        </p:nvPicPr>
+        <p:blipFill>
+          <a:blip r:embed="rId4">
+            <a:alphaModFix/>
+          </a:blip>
+          <a:stretch>
+            <a:fillRect/>
+          </a:stretch>
+        </p:blipFill>
+        <p:spPr>
+          <a:xfrm>
+            <a:off x="0" y="2455700"/>
+            <a:ext cx="4571999" cy="2339842"/>
+          </a:xfrm>
+          <a:prstGeom prst="rect">
+            <a:avLst/>
+          </a:prstGeom>
+          <a:noFill/>
+          <a:ln>
+            <a:noFill/>
+          </a:ln>
+        </p:spPr>
+      </p:pic>
+      <p:pic>
+        <p:nvPicPr>
+          <p:cNvPr id="120" name="Google Shape;120;p21"/>
+          <p:cNvPicPr preferRelativeResize="0"/>
+          <p:nvPr/>
+        </p:nvPicPr>
+        <p:blipFill>
+          <a:blip r:embed="rId5">
+            <a:alphaModFix/>
+          </a:blip>
+          <a:stretch>
+            <a:fillRect/>
+          </a:stretch>
+        </p:blipFill>
+        <p:spPr>
+          <a:xfrm>
+            <a:off x="4572000" y="2455712"/>
+            <a:ext cx="4399524" cy="2385275"/>
+          </a:xfrm>
+          <a:prstGeom prst="rect">
+            <a:avLst/>
+          </a:prstGeom>
+          <a:noFill/>
+          <a:ln>
+            <a:noFill/>
+          </a:ln>
+        </p:spPr>
+      </p:pic>
+    </p:spTree>
+  </p:cSld>
+  <p:clrMapOvr>
+    <a:masterClrMapping/>
+  </p:clrMapOvr>
+</p:sld>
+</file>
+
+<file path=ppt/slides/slide9.xml><?xml version="1.0" encoding="utf-8"?>
+<p:sld xmlns:a="http://schemas.openxmlformats.org/drawingml/2006/main" xmlns:r="http://schemas.openxmlformats.org/officeDocument/2006/relationships" xmlns:mc="http://schemas.openxmlformats.org/markup-compatibility/2006" xmlns:mv="urn:schemas-microsoft-com:mac:vml" xmlns:p="http://schemas.openxmlformats.org/presentationml/2006/main" xmlns:c="http://schemas.openxmlformats.org/drawingml/2006/chart" xmlns:dgm="http://schemas.openxmlformats.org/drawingml/2006/diagram" xmlns:o="urn:schemas-microsoft-com:office:office" xmlns:v="urn:schemas-microsoft-com:vml" xmlns:pvml="urn:schemas-microsoft-com:office:powerpoint" xmlns:com="http://schemas.openxmlformats.org/drawingml/2006/compatibility" xmlns:p14="http://schemas.microsoft.com/office/powerpoint/2010/main" xmlns:p15="http://schemas.microsoft.com/office/powerpoint/2012/main" xmlns:ahyp="http://schemas.microsoft.com/office/drawing/2018/hyperlinkcolor">
+  <p:cSld>
+    <p:spTree>
+      <p:nvGrpSpPr>
+        <p:cNvPr id="124" name="Shape 124"/>
+        <p:cNvGrpSpPr/>
+        <p:nvPr/>
+      </p:nvGrpSpPr>
+      <p:grpSpPr>
+        <a:xfrm>
+          <a:off x="0" y="0"/>
+          <a:ext cx="0" cy="0"/>
+          <a:chOff x="0" y="0"/>
+          <a:chExt cx="0" cy="0"/>
+        </a:xfrm>
+      </p:grpSpPr>
+      <p:sp>
+        <p:nvSpPr>
+          <p:cNvPr id="125" name="Google Shape;125;p22"/>
+          <p:cNvSpPr txBox="1"/>
+          <p:nvPr>
+            <p:ph idx="1" type="body"/>
+          </p:nvPr>
+        </p:nvSpPr>
+        <p:spPr>
+          <a:xfrm>
+            <a:off x="311700" y="217475"/>
+            <a:ext cx="8520600" cy="2381400"/>
+          </a:xfrm>
+          <a:prstGeom prst="rect">
+            <a:avLst/>
+          </a:prstGeom>
+        </p:spPr>
+        <p:txBody>
+          <a:bodyPr anchorCtr="0" anchor="t" bIns="91425" lIns="91425" spcFirstLastPara="1" rIns="91425" wrap="square" tIns="91425">
+            <a:normAutofit/>
+          </a:bodyPr>
+          <a:lstStyle/>
+          <a:p>
+            <a:pPr indent="0" lvl="0" marL="0" rtl="0" algn="l">
+              <a:lnSpc>
+                <a:spcPct val="115000"/>
+              </a:lnSpc>
+              <a:spcBef>
+                <a:spcPts val="0"/>
+              </a:spcBef>
+              <a:spcAft>
+                <a:spcPts val="0"/>
+              </a:spcAft>
+              <a:buNone/>
+            </a:pPr>
+            <a:r>
+              <a:rPr lang="en-GB">
+                <a:solidFill>
+                  <a:schemeClr val="dk1"/>
+                </a:solidFill>
+                <a:latin typeface="Times New Roman"/>
+                <a:ea typeface="Times New Roman"/>
+                <a:cs typeface="Times New Roman"/>
+                <a:sym typeface="Times New Roman"/>
+              </a:rPr>
+              <a:t>Если в событии нашлось два “хороших” трека, то к этим трекам применялись следующие отборы, которые определяли кандидаты в</a:t>
+            </a:r>
+            <a:endParaRPr>
+              <a:solidFill>
+                <a:schemeClr val="dk1"/>
+              </a:solidFill>
+              <a:latin typeface="Times New Roman"/>
+              <a:ea typeface="Times New Roman"/>
+              <a:cs typeface="Times New Roman"/>
+              <a:sym typeface="Times New Roman"/>
+            </a:endParaRPr>
+          </a:p>
+          <a:p>
+            <a:pPr indent="-342900" lvl="0" marL="457200" rtl="0" algn="l">
+              <a:spcBef>
+                <a:spcPts val="0"/>
+              </a:spcBef>
+              <a:spcAft>
+                <a:spcPts val="0"/>
+              </a:spcAft>
+              <a:buClr>
+                <a:schemeClr val="dk1"/>
+              </a:buClr>
+              <a:buSzPts val="1800"/>
+              <a:buFont typeface="Times New Roman"/>
+              <a:buAutoNum type="arabicPeriod"/>
+            </a:pPr>
+            <a:r>
+              <a:rPr lang="en-GB">
+                <a:solidFill>
+                  <a:schemeClr val="dk1"/>
+                </a:solidFill>
+                <a:latin typeface="Times New Roman"/>
+                <a:ea typeface="Times New Roman"/>
+                <a:cs typeface="Times New Roman"/>
+                <a:sym typeface="Times New Roman"/>
+              </a:rPr>
+              <a:t>Неколлинеарность треков,</a:t>
+            </a:r>
+            <a:endParaRPr>
+              <a:solidFill>
+                <a:schemeClr val="dk1"/>
+              </a:solidFill>
+              <a:latin typeface="Times New Roman"/>
+              <a:ea typeface="Times New Roman"/>
+              <a:cs typeface="Times New Roman"/>
+              <a:sym typeface="Times New Roman"/>
+            </a:endParaRPr>
+          </a:p>
+          <a:p>
+            <a:pPr indent="-342900" lvl="0" marL="457200" rtl="0" algn="l">
+              <a:spcBef>
+                <a:spcPts val="0"/>
+              </a:spcBef>
+              <a:spcAft>
+                <a:spcPts val="0"/>
+              </a:spcAft>
+              <a:buClr>
+                <a:schemeClr val="dk1"/>
+              </a:buClr>
+              <a:buSzPts val="1800"/>
+              <a:buFont typeface="Times New Roman"/>
+              <a:buAutoNum type="arabicPeriod"/>
+            </a:pPr>
+            <a:r>
+              <a:rPr lang="en-GB">
+                <a:solidFill>
+                  <a:schemeClr val="dk1"/>
+                </a:solidFill>
+                <a:latin typeface="Times New Roman"/>
+                <a:ea typeface="Times New Roman"/>
+                <a:cs typeface="Times New Roman"/>
+                <a:sym typeface="Times New Roman"/>
+              </a:rPr>
+              <a:t>Противоположные заряды,</a:t>
+            </a:r>
+            <a:endParaRPr>
+              <a:solidFill>
+                <a:schemeClr val="dk1"/>
+              </a:solidFill>
+              <a:latin typeface="Times New Roman"/>
+              <a:ea typeface="Times New Roman"/>
+              <a:cs typeface="Times New Roman"/>
+              <a:sym typeface="Times New Roman"/>
+            </a:endParaRPr>
+          </a:p>
+          <a:p>
+            <a:pPr indent="-342900" lvl="0" marL="457200" rtl="0" algn="l">
+              <a:spcBef>
+                <a:spcPts val="0"/>
+              </a:spcBef>
+              <a:spcAft>
+                <a:spcPts val="0"/>
+              </a:spcAft>
+              <a:buClr>
+                <a:schemeClr val="dk1"/>
+              </a:buClr>
+              <a:buSzPts val="1800"/>
+              <a:buFont typeface="Times New Roman"/>
+              <a:buAutoNum type="arabicPeriod"/>
+            </a:pPr>
+            <a:r>
+              <a:rPr lang="en-GB">
+                <a:solidFill>
+                  <a:schemeClr val="dk1"/>
+                </a:solidFill>
+                <a:latin typeface="Times New Roman"/>
+                <a:ea typeface="Times New Roman"/>
+                <a:cs typeface="Times New Roman"/>
+                <a:sym typeface="Times New Roman"/>
+              </a:rPr>
+              <a:t>Косинус угла между радиус-вектором, соединяющим место встречи пучков с вершиной распада       в </a:t>
+            </a:r>
+            <a:r>
+              <a:rPr lang="en-GB">
+                <a:solidFill>
+                  <a:schemeClr val="dk1"/>
+                </a:solidFill>
+                <a:latin typeface="Times New Roman"/>
+                <a:ea typeface="Times New Roman"/>
+                <a:cs typeface="Times New Roman"/>
+                <a:sym typeface="Times New Roman"/>
+              </a:rPr>
+              <a:t>r-φ плоскости: </a:t>
+            </a:r>
+            <a:endParaRPr>
+              <a:solidFill>
+                <a:schemeClr val="dk1"/>
+              </a:solidFill>
+              <a:latin typeface="Times New Roman"/>
+              <a:ea typeface="Times New Roman"/>
+              <a:cs typeface="Times New Roman"/>
+              <a:sym typeface="Times New Roman"/>
+            </a:endParaRPr>
+          </a:p>
+          <a:p>
+            <a:pPr indent="-342900" lvl="0" marL="457200" rtl="0" algn="l">
+              <a:spcBef>
+                <a:spcPts val="0"/>
+              </a:spcBef>
+              <a:spcAft>
+                <a:spcPts val="0"/>
+              </a:spcAft>
+              <a:buClr>
+                <a:schemeClr val="dk1"/>
+              </a:buClr>
+              <a:buSzPts val="1800"/>
+              <a:buFont typeface="Times New Roman"/>
+              <a:buAutoNum type="arabicPeriod"/>
+            </a:pPr>
+            <a:r>
+              <a:rPr lang="en-GB">
+                <a:solidFill>
+                  <a:schemeClr val="dk1"/>
+                </a:solidFill>
+                <a:latin typeface="Times New Roman"/>
+                <a:ea typeface="Times New Roman"/>
+                <a:cs typeface="Times New Roman"/>
+                <a:sym typeface="Times New Roman"/>
+              </a:rPr>
+              <a:t>Средние потери двух треков на ионизацию в DC</a:t>
+            </a:r>
+            <a:endParaRPr>
+              <a:solidFill>
+                <a:schemeClr val="dk1"/>
+              </a:solidFill>
+              <a:latin typeface="Times New Roman"/>
+              <a:ea typeface="Times New Roman"/>
+              <a:cs typeface="Times New Roman"/>
+              <a:sym typeface="Times New Roman"/>
+            </a:endParaRPr>
+          </a:p>
+        </p:txBody>
+      </p:sp>
+      <p:pic>
+        <p:nvPicPr>
+          <p:cNvPr id="126" name="Google Shape;126;p22"/>
+          <p:cNvPicPr preferRelativeResize="0"/>
+          <p:nvPr/>
+        </p:nvPicPr>
+        <p:blipFill rotWithShape="1">
+          <a:blip r:embed="rId3">
+            <a:alphaModFix/>
+          </a:blip>
+          <a:srcRect b="0" l="0" r="0" t="0"/>
+          <a:stretch/>
+        </p:blipFill>
+        <p:spPr>
+          <a:xfrm>
+            <a:off x="402350" y="2612500"/>
+            <a:ext cx="3077399" cy="2381525"/>
+          </a:xfrm>
+          <a:prstGeom prst="rect">
+            <a:avLst/>
+          </a:prstGeom>
+          <a:noFill/>
+          <a:ln>
+            <a:noFill/>
+          </a:ln>
+        </p:spPr>
+      </p:pic>
+      <p:pic>
+        <p:nvPicPr>
+          <p:cNvPr id="127" name="Google Shape;127;p22"/>
+          <p:cNvPicPr preferRelativeResize="0"/>
+          <p:nvPr/>
+        </p:nvPicPr>
+        <p:blipFill rotWithShape="1">
+          <a:blip r:embed="rId4">
+            <a:alphaModFix/>
+          </a:blip>
+          <a:srcRect b="0" l="0" r="0" t="0"/>
+          <a:stretch/>
+        </p:blipFill>
+        <p:spPr>
+          <a:xfrm>
+            <a:off x="3692491" y="2702250"/>
+            <a:ext cx="5139810" cy="2291775"/>
+          </a:xfrm>
+          <a:prstGeom prst="rect">
+            <a:avLst/>
+          </a:prstGeom>
+          <a:noFill/>
+          <a:ln>
+            <a:noFill/>
+          </a:ln>
+        </p:spPr>
+      </p:pic>
+      <p:pic>
+        <p:nvPicPr>
+          <p:cNvPr descr="{&quot;height&quot;:25,&quot;text&quot;:&quot;K^{0}_{S}&quot;,&quot;mathType&quot;:&quot;LaTEX&quot;,&quot;color&quot;:&quot;#000000&quot;}" id="128" name="Google Shape;128;p22" title="Math_Equation_Generated"/>
+          <p:cNvPicPr preferRelativeResize="0"/>
+          <p:nvPr/>
+        </p:nvPicPr>
+        <p:blipFill>
+          <a:blip r:embed="rId5">
+            <a:alphaModFix/>
+          </a:blip>
+          <a:stretch>
+            <a:fillRect/>
+          </a:stretch>
+        </p:blipFill>
+        <p:spPr>
+          <a:xfrm>
+            <a:off x="2707675" y="1908397"/>
+            <a:ext cx="271850" cy="234353"/>
+          </a:xfrm>
+          <a:prstGeom prst="rect">
+            <a:avLst/>
+          </a:prstGeom>
+          <a:noFill/>
+          <a:ln>
+            <a:noFill/>
+          </a:ln>
+        </p:spPr>
+      </p:pic>
+      <p:pic>
+        <p:nvPicPr>
+          <p:cNvPr descr="{&quot;height&quot;:50,&quot;mathType&quot;:&quot;LaTEX&quot;,&quot;text&quot;:&quot;cos(\\alpha) &gt; 0.85&quot;,&quot;color&quot;:&quot;#000000&quot;}" id="129" name="Google Shape;129;p22" title="Math_Equation_Generated"/>
+          <p:cNvPicPr preferRelativeResize="0"/>
+          <p:nvPr/>
+        </p:nvPicPr>
+        <p:blipFill>
+          <a:blip r:embed="rId6">
+            <a:alphaModFix/>
+          </a:blip>
+          <a:stretch>
+            <a:fillRect/>
+          </a:stretch>
+        </p:blipFill>
+        <p:spPr>
+          <a:xfrm>
+            <a:off x="4694450" y="1908400"/>
+            <a:ext cx="1382665" cy="234350"/>
+          </a:xfrm>
+          <a:prstGeom prst="rect">
+            <a:avLst/>
+          </a:prstGeom>
+          <a:noFill/>
+          <a:ln>
+            <a:noFill/>
+          </a:ln>
+        </p:spPr>
+      </p:pic>
+      <p:pic>
+        <p:nvPicPr>
+          <p:cNvPr descr="{&quot;height&quot;:50,&quot;text&quot;:&quot;\\frac{dE_{avg}}{dx}&lt;5000&quot;,&quot;color&quot;:&quot;#000000&quot;,&quot;mathType&quot;:&quot;LaTEX&quot;}" id="130" name="Google Shape;130;p22" title="Math_Equation_Generated"/>
+          <p:cNvPicPr preferRelativeResize="0"/>
+          <p:nvPr/>
+        </p:nvPicPr>
+        <p:blipFill>
+          <a:blip r:embed="rId7">
+            <a:alphaModFix/>
+          </a:blip>
+          <a:stretch>
+            <a:fillRect/>
+          </a:stretch>
+        </p:blipFill>
+        <p:spPr>
+          <a:xfrm>
+            <a:off x="5654600" y="2142738"/>
+            <a:ext cx="1120025" cy="285725"/>
+          </a:xfrm>
+          <a:prstGeom prst="rect">
+            <a:avLst/>
+          </a:prstGeom>
+          <a:noFill/>
+          <a:ln>
+            <a:noFill/>
+          </a:ln>
+        </p:spPr>
+      </p:pic>
+      <p:pic>
+        <p:nvPicPr>
+          <p:cNvPr descr="{&quot;height&quot;:25,&quot;text&quot;:&quot;K^{0}_{S}&quot;,&quot;mathType&quot;:&quot;LaTEX&quot;,&quot;color&quot;:&quot;#000000&quot;}" id="131" name="Google Shape;131;p22" title="Math_Equation_Generated"/>
+          <p:cNvPicPr preferRelativeResize="0"/>
+          <p:nvPr/>
+        </p:nvPicPr>
+        <p:blipFill>
+          <a:blip r:embed="rId5">
+            <a:alphaModFix/>
+          </a:blip>
+          <a:stretch>
+            <a:fillRect/>
+          </a:stretch>
+        </p:blipFill>
+        <p:spPr>
+          <a:xfrm>
+            <a:off x="5698250" y="658022"/>
+            <a:ext cx="271850" cy="234353"/>
+          </a:xfrm>
+          <a:prstGeom prst="rect">
+            <a:avLst/>
+          </a:prstGeom>
+          <a:noFill/>
+          <a:ln>
+            <a:noFill/>
+          </a:ln>
+        </p:spPr>
+      </p:pic>
     </p:spTree>
   </p:cSld>
   <p:clrMapOvr>
